--- a/paper/pulse/figures/figures.pptx
+++ b/paper/pulse/figures/figures.pptx
@@ -6,6 +6,7 @@
   </p:sldMasterIdLst>
   <p:sldIdLst>
     <p:sldId id="256" r:id="rId2"/>
+    <p:sldId id="257" r:id="rId3"/>
   </p:sldIdLst>
   <p:sldSz cx="12192000" cy="6858000"/>
   <p:notesSz cx="6858000" cy="9144000"/>
@@ -259,7 +260,7 @@
           <a:p>
             <a:fld id="{C2C73DE5-1C8B-4475-AFC6-683C13AACC76}" type="datetimeFigureOut">
               <a:rPr kumimoji="1" lang="ja-JP" altLang="en-US" smtClean="0"/>
-              <a:t>2020/11/28</a:t>
+              <a:t>2020/11/29</a:t>
             </a:fld>
             <a:endParaRPr kumimoji="1" lang="ja-JP" altLang="en-US"/>
           </a:p>
@@ -489,7 +490,7 @@
           <a:p>
             <a:fld id="{C2C73DE5-1C8B-4475-AFC6-683C13AACC76}" type="datetimeFigureOut">
               <a:rPr kumimoji="1" lang="ja-JP" altLang="en-US" smtClean="0"/>
-              <a:t>2020/11/28</a:t>
+              <a:t>2020/11/29</a:t>
             </a:fld>
             <a:endParaRPr kumimoji="1" lang="ja-JP" altLang="en-US"/>
           </a:p>
@@ -729,7 +730,7 @@
           <a:p>
             <a:fld id="{C2C73DE5-1C8B-4475-AFC6-683C13AACC76}" type="datetimeFigureOut">
               <a:rPr kumimoji="1" lang="ja-JP" altLang="en-US" smtClean="0"/>
-              <a:t>2020/11/28</a:t>
+              <a:t>2020/11/29</a:t>
             </a:fld>
             <a:endParaRPr kumimoji="1" lang="ja-JP" altLang="en-US"/>
           </a:p>
@@ -959,7 +960,7 @@
           <a:p>
             <a:fld id="{C2C73DE5-1C8B-4475-AFC6-683C13AACC76}" type="datetimeFigureOut">
               <a:rPr kumimoji="1" lang="ja-JP" altLang="en-US" smtClean="0"/>
-              <a:t>2020/11/28</a:t>
+              <a:t>2020/11/29</a:t>
             </a:fld>
             <a:endParaRPr kumimoji="1" lang="ja-JP" altLang="en-US"/>
           </a:p>
@@ -1234,7 +1235,7 @@
           <a:p>
             <a:fld id="{C2C73DE5-1C8B-4475-AFC6-683C13AACC76}" type="datetimeFigureOut">
               <a:rPr kumimoji="1" lang="ja-JP" altLang="en-US" smtClean="0"/>
-              <a:t>2020/11/28</a:t>
+              <a:t>2020/11/29</a:t>
             </a:fld>
             <a:endParaRPr kumimoji="1" lang="ja-JP" altLang="en-US"/>
           </a:p>
@@ -1563,7 +1564,7 @@
           <a:p>
             <a:fld id="{C2C73DE5-1C8B-4475-AFC6-683C13AACC76}" type="datetimeFigureOut">
               <a:rPr kumimoji="1" lang="ja-JP" altLang="en-US" smtClean="0"/>
-              <a:t>2020/11/28</a:t>
+              <a:t>2020/11/29</a:t>
             </a:fld>
             <a:endParaRPr kumimoji="1" lang="ja-JP" altLang="en-US"/>
           </a:p>
@@ -2039,7 +2040,7 @@
           <a:p>
             <a:fld id="{C2C73DE5-1C8B-4475-AFC6-683C13AACC76}" type="datetimeFigureOut">
               <a:rPr kumimoji="1" lang="ja-JP" altLang="en-US" smtClean="0"/>
-              <a:t>2020/11/28</a:t>
+              <a:t>2020/11/29</a:t>
             </a:fld>
             <a:endParaRPr kumimoji="1" lang="ja-JP" altLang="en-US"/>
           </a:p>
@@ -2180,7 +2181,7 @@
           <a:p>
             <a:fld id="{C2C73DE5-1C8B-4475-AFC6-683C13AACC76}" type="datetimeFigureOut">
               <a:rPr kumimoji="1" lang="ja-JP" altLang="en-US" smtClean="0"/>
-              <a:t>2020/11/28</a:t>
+              <a:t>2020/11/29</a:t>
             </a:fld>
             <a:endParaRPr kumimoji="1" lang="ja-JP" altLang="en-US"/>
           </a:p>
@@ -2293,7 +2294,7 @@
           <a:p>
             <a:fld id="{C2C73DE5-1C8B-4475-AFC6-683C13AACC76}" type="datetimeFigureOut">
               <a:rPr kumimoji="1" lang="ja-JP" altLang="en-US" smtClean="0"/>
-              <a:t>2020/11/28</a:t>
+              <a:t>2020/11/29</a:t>
             </a:fld>
             <a:endParaRPr kumimoji="1" lang="ja-JP" altLang="en-US"/>
           </a:p>
@@ -2636,7 +2637,7 @@
           <a:p>
             <a:fld id="{C2C73DE5-1C8B-4475-AFC6-683C13AACC76}" type="datetimeFigureOut">
               <a:rPr kumimoji="1" lang="ja-JP" altLang="en-US" smtClean="0"/>
-              <a:t>2020/11/28</a:t>
+              <a:t>2020/11/29</a:t>
             </a:fld>
             <a:endParaRPr kumimoji="1" lang="ja-JP" altLang="en-US"/>
           </a:p>
@@ -2924,7 +2925,7 @@
           <a:p>
             <a:fld id="{C2C73DE5-1C8B-4475-AFC6-683C13AACC76}" type="datetimeFigureOut">
               <a:rPr kumimoji="1" lang="ja-JP" altLang="en-US" smtClean="0"/>
-              <a:t>2020/11/28</a:t>
+              <a:t>2020/11/29</a:t>
             </a:fld>
             <a:endParaRPr kumimoji="1" lang="ja-JP" altLang="en-US"/>
           </a:p>
@@ -3197,7 +3198,7 @@
           <a:p>
             <a:fld id="{C2C73DE5-1C8B-4475-AFC6-683C13AACC76}" type="datetimeFigureOut">
               <a:rPr kumimoji="1" lang="ja-JP" altLang="en-US" smtClean="0"/>
-              <a:t>2020/11/28</a:t>
+              <a:t>2020/11/29</a:t>
             </a:fld>
             <a:endParaRPr kumimoji="1" lang="ja-JP" altLang="en-US"/>
           </a:p>
@@ -3949,6 +3950,1086 @@
 </p:sld>
 </file>
 
+<file path=ppt/slides/slide2.xml><?xml version="1.0" encoding="utf-8"?>
+<p:sld xmlns:a="http://schemas.openxmlformats.org/drawingml/2006/main" xmlns:r="http://schemas.openxmlformats.org/officeDocument/2006/relationships" xmlns:p="http://schemas.openxmlformats.org/presentationml/2006/main">
+  <p:cSld>
+    <p:spTree>
+      <p:nvGrpSpPr>
+        <p:cNvPr id="1" name=""/>
+        <p:cNvGrpSpPr/>
+        <p:nvPr/>
+      </p:nvGrpSpPr>
+      <p:grpSpPr>
+        <a:xfrm>
+          <a:off x="0" y="0"/>
+          <a:ext cx="0" cy="0"/>
+          <a:chOff x="0" y="0"/>
+          <a:chExt cx="0" cy="0"/>
+        </a:xfrm>
+      </p:grpSpPr>
+      <p:grpSp>
+        <p:nvGrpSpPr>
+          <p:cNvPr id="4" name="グループ化 3">
+            <a:extLst>
+              <a:ext uri="{FF2B5EF4-FFF2-40B4-BE49-F238E27FC236}">
+                <a16:creationId xmlns:a16="http://schemas.microsoft.com/office/drawing/2014/main" id="{DE8ADDC9-2966-49D3-B344-47DC66952FD2}"/>
+              </a:ext>
+            </a:extLst>
+          </p:cNvPr>
+          <p:cNvGrpSpPr/>
+          <p:nvPr/>
+        </p:nvGrpSpPr>
+        <p:grpSpPr>
+          <a:xfrm>
+            <a:off x="432078" y="563375"/>
+            <a:ext cx="4964236" cy="2931155"/>
+            <a:chOff x="1478283" y="1996759"/>
+            <a:chExt cx="4964236" cy="2931155"/>
+          </a:xfrm>
+        </p:grpSpPr>
+        <p:grpSp>
+          <p:nvGrpSpPr>
+            <p:cNvPr id="5" name="グループ化 4">
+              <a:extLst>
+                <a:ext uri="{FF2B5EF4-FFF2-40B4-BE49-F238E27FC236}">
+                  <a16:creationId xmlns:a16="http://schemas.microsoft.com/office/drawing/2014/main" id="{0062CF7A-6CCE-478A-9886-699867DAC27B}"/>
+                </a:ext>
+              </a:extLst>
+            </p:cNvPr>
+            <p:cNvGrpSpPr/>
+            <p:nvPr/>
+          </p:nvGrpSpPr>
+          <p:grpSpPr>
+            <a:xfrm>
+              <a:off x="1579747" y="2010550"/>
+              <a:ext cx="4753232" cy="2917364"/>
+              <a:chOff x="1579747" y="2010550"/>
+              <a:chExt cx="4753232" cy="2917364"/>
+            </a:xfrm>
+          </p:grpSpPr>
+          <p:sp>
+            <p:nvSpPr>
+              <p:cNvPr id="9" name="楕円 8">
+                <a:extLst>
+                  <a:ext uri="{FF2B5EF4-FFF2-40B4-BE49-F238E27FC236}">
+                    <a16:creationId xmlns:a16="http://schemas.microsoft.com/office/drawing/2014/main" id="{6394F537-AD84-4A89-BFED-8FFB04F8EB8B}"/>
+                  </a:ext>
+                </a:extLst>
+              </p:cNvPr>
+              <p:cNvSpPr/>
+              <p:nvPr/>
+            </p:nvSpPr>
+            <p:spPr>
+              <a:xfrm>
+                <a:off x="1579747" y="2010550"/>
+                <a:ext cx="4753232" cy="1828801"/>
+              </a:xfrm>
+              <a:prstGeom prst="ellipse">
+                <a:avLst/>
+              </a:prstGeom>
+              <a:solidFill>
+                <a:schemeClr val="accent2">
+                  <a:lumMod val="20000"/>
+                  <a:lumOff val="80000"/>
+                </a:schemeClr>
+              </a:solidFill>
+              <a:ln>
+                <a:noFill/>
+              </a:ln>
+            </p:spPr>
+            <p:style>
+              <a:lnRef idx="2">
+                <a:schemeClr val="accent1">
+                  <a:shade val="50000"/>
+                </a:schemeClr>
+              </a:lnRef>
+              <a:fillRef idx="1">
+                <a:schemeClr val="accent1"/>
+              </a:fillRef>
+              <a:effectRef idx="0">
+                <a:schemeClr val="accent1"/>
+              </a:effectRef>
+              <a:fontRef idx="minor">
+                <a:schemeClr val="lt1"/>
+              </a:fontRef>
+            </p:style>
+            <p:txBody>
+              <a:bodyPr rtlCol="0" anchor="ctr"/>
+              <a:lstStyle/>
+              <a:p>
+                <a:pPr algn="ctr"/>
+                <a:endParaRPr kumimoji="1" lang="ja-JP" altLang="en-US"/>
+              </a:p>
+            </p:txBody>
+          </p:sp>
+          <p:grpSp>
+            <p:nvGrpSpPr>
+              <p:cNvPr id="10" name="グループ化 9">
+                <a:extLst>
+                  <a:ext uri="{FF2B5EF4-FFF2-40B4-BE49-F238E27FC236}">
+                    <a16:creationId xmlns:a16="http://schemas.microsoft.com/office/drawing/2014/main" id="{71835A80-E53B-4A0C-9823-1A2B22314135}"/>
+                  </a:ext>
+                </a:extLst>
+              </p:cNvPr>
+              <p:cNvGrpSpPr/>
+              <p:nvPr/>
+            </p:nvGrpSpPr>
+            <p:grpSpPr>
+              <a:xfrm>
+                <a:off x="2692044" y="3960000"/>
+                <a:ext cx="2560354" cy="967914"/>
+                <a:chOff x="2749708" y="4025903"/>
+                <a:chExt cx="2560354" cy="967914"/>
+              </a:xfrm>
+            </p:grpSpPr>
+            <p:grpSp>
+              <p:nvGrpSpPr>
+                <p:cNvPr id="19" name="グループ化 18">
+                  <a:extLst>
+                    <a:ext uri="{FF2B5EF4-FFF2-40B4-BE49-F238E27FC236}">
+                      <a16:creationId xmlns:a16="http://schemas.microsoft.com/office/drawing/2014/main" id="{D48DB4EC-063A-4B1E-A7BC-D7A1ED231F26}"/>
+                    </a:ext>
+                  </a:extLst>
+                </p:cNvPr>
+                <p:cNvGrpSpPr/>
+                <p:nvPr/>
+              </p:nvGrpSpPr>
+              <p:grpSpPr>
+                <a:xfrm>
+                  <a:off x="3236892" y="4267200"/>
+                  <a:ext cx="1491627" cy="418840"/>
+                  <a:chOff x="3236892" y="4267200"/>
+                  <a:chExt cx="1491627" cy="418840"/>
+                </a:xfrm>
+              </p:grpSpPr>
+              <p:sp>
+                <p:nvSpPr>
+                  <p:cNvPr id="23" name="直方体 22">
+                    <a:extLst>
+                      <a:ext uri="{FF2B5EF4-FFF2-40B4-BE49-F238E27FC236}">
+                        <a16:creationId xmlns:a16="http://schemas.microsoft.com/office/drawing/2014/main" id="{1B47668B-582F-496A-A941-1104EE0D11BF}"/>
+                      </a:ext>
+                    </a:extLst>
+                  </p:cNvPr>
+                  <p:cNvSpPr/>
+                  <p:nvPr/>
+                </p:nvSpPr>
+                <p:spPr>
+                  <a:xfrm>
+                    <a:off x="3236892" y="4267200"/>
+                    <a:ext cx="1491627" cy="418840"/>
+                  </a:xfrm>
+                  <a:prstGeom prst="cube">
+                    <a:avLst>
+                      <a:gd name="adj" fmla="val 79545"/>
+                    </a:avLst>
+                  </a:prstGeom>
+                  <a:solidFill>
+                    <a:schemeClr val="bg2">
+                      <a:lumMod val="90000"/>
+                    </a:schemeClr>
+                  </a:solidFill>
+                  <a:ln>
+                    <a:noFill/>
+                  </a:ln>
+                </p:spPr>
+                <p:style>
+                  <a:lnRef idx="2">
+                    <a:schemeClr val="accent1">
+                      <a:shade val="50000"/>
+                    </a:schemeClr>
+                  </a:lnRef>
+                  <a:fillRef idx="1">
+                    <a:schemeClr val="accent1"/>
+                  </a:fillRef>
+                  <a:effectRef idx="0">
+                    <a:schemeClr val="accent1"/>
+                  </a:effectRef>
+                  <a:fontRef idx="minor">
+                    <a:schemeClr val="lt1"/>
+                  </a:fontRef>
+                </p:style>
+                <p:txBody>
+                  <a:bodyPr rtlCol="0" anchor="ctr"/>
+                  <a:lstStyle/>
+                  <a:p>
+                    <a:pPr algn="ctr"/>
+                    <a:endParaRPr kumimoji="1" lang="ja-JP" altLang="en-US"/>
+                  </a:p>
+                </p:txBody>
+              </p:sp>
+              <p:grpSp>
+                <p:nvGrpSpPr>
+                  <p:cNvPr id="24" name="グループ化 23">
+                    <a:extLst>
+                      <a:ext uri="{FF2B5EF4-FFF2-40B4-BE49-F238E27FC236}">
+                        <a16:creationId xmlns:a16="http://schemas.microsoft.com/office/drawing/2014/main" id="{90F39011-F3A3-49C2-B44F-1FD89C9D9904}"/>
+                      </a:ext>
+                    </a:extLst>
+                  </p:cNvPr>
+                  <p:cNvGrpSpPr/>
+                  <p:nvPr/>
+                </p:nvGrpSpPr>
+                <p:grpSpPr>
+                  <a:xfrm>
+                    <a:off x="3414873" y="4316754"/>
+                    <a:ext cx="1136243" cy="241728"/>
+                    <a:chOff x="3291016" y="4374420"/>
+                    <a:chExt cx="1136243" cy="241728"/>
+                  </a:xfrm>
+                </p:grpSpPr>
+                <p:sp>
+                  <p:nvSpPr>
+                    <p:cNvPr id="25" name="直方体 24">
+                      <a:extLst>
+                        <a:ext uri="{FF2B5EF4-FFF2-40B4-BE49-F238E27FC236}">
+                          <a16:creationId xmlns:a16="http://schemas.microsoft.com/office/drawing/2014/main" id="{27943BAD-77EB-4A8F-B5DC-52D0CAB97744}"/>
+                        </a:ext>
+                      </a:extLst>
+                    </p:cNvPr>
+                    <p:cNvSpPr/>
+                    <p:nvPr/>
+                  </p:nvSpPr>
+                  <p:spPr>
+                    <a:xfrm>
+                      <a:off x="3291016" y="4374420"/>
+                      <a:ext cx="667265" cy="241728"/>
+                    </a:xfrm>
+                    <a:prstGeom prst="cube">
+                      <a:avLst>
+                        <a:gd name="adj" fmla="val 79545"/>
+                      </a:avLst>
+                    </a:prstGeom>
+                    <a:solidFill>
+                      <a:srgbClr val="008000"/>
+                    </a:solidFill>
+                    <a:ln>
+                      <a:noFill/>
+                    </a:ln>
+                  </p:spPr>
+                  <p:style>
+                    <a:lnRef idx="2">
+                      <a:schemeClr val="accent1">
+                        <a:shade val="50000"/>
+                      </a:schemeClr>
+                    </a:lnRef>
+                    <a:fillRef idx="1">
+                      <a:schemeClr val="accent1"/>
+                    </a:fillRef>
+                    <a:effectRef idx="0">
+                      <a:schemeClr val="accent1"/>
+                    </a:effectRef>
+                    <a:fontRef idx="minor">
+                      <a:schemeClr val="lt1"/>
+                    </a:fontRef>
+                  </p:style>
+                  <p:txBody>
+                    <a:bodyPr rtlCol="0" anchor="ctr"/>
+                    <a:lstStyle/>
+                    <a:p>
+                      <a:pPr algn="ctr"/>
+                      <a:endParaRPr kumimoji="1" lang="ja-JP" altLang="en-US"/>
+                    </a:p>
+                  </p:txBody>
+                </p:sp>
+                <p:sp>
+                  <p:nvSpPr>
+                    <p:cNvPr id="26" name="直方体 25">
+                      <a:extLst>
+                        <a:ext uri="{FF2B5EF4-FFF2-40B4-BE49-F238E27FC236}">
+                          <a16:creationId xmlns:a16="http://schemas.microsoft.com/office/drawing/2014/main" id="{8688DDB2-5B1E-4D7D-A3FA-966AFCB4EF2E}"/>
+                        </a:ext>
+                      </a:extLst>
+                    </p:cNvPr>
+                    <p:cNvSpPr/>
+                    <p:nvPr/>
+                  </p:nvSpPr>
+                  <p:spPr>
+                    <a:xfrm>
+                      <a:off x="3759994" y="4374420"/>
+                      <a:ext cx="667265" cy="241728"/>
+                    </a:xfrm>
+                    <a:prstGeom prst="cube">
+                      <a:avLst>
+                        <a:gd name="adj" fmla="val 79545"/>
+                      </a:avLst>
+                    </a:prstGeom>
+                    <a:solidFill>
+                      <a:schemeClr val="accent5">
+                        <a:lumMod val="60000"/>
+                        <a:lumOff val="40000"/>
+                      </a:schemeClr>
+                    </a:solidFill>
+                    <a:ln>
+                      <a:noFill/>
+                    </a:ln>
+                  </p:spPr>
+                  <p:style>
+                    <a:lnRef idx="2">
+                      <a:schemeClr val="accent1">
+                        <a:shade val="50000"/>
+                      </a:schemeClr>
+                    </a:lnRef>
+                    <a:fillRef idx="1">
+                      <a:schemeClr val="accent1"/>
+                    </a:fillRef>
+                    <a:effectRef idx="0">
+                      <a:schemeClr val="accent1"/>
+                    </a:effectRef>
+                    <a:fontRef idx="minor">
+                      <a:schemeClr val="lt1"/>
+                    </a:fontRef>
+                  </p:style>
+                  <p:txBody>
+                    <a:bodyPr rtlCol="0" anchor="ctr"/>
+                    <a:lstStyle/>
+                    <a:p>
+                      <a:pPr algn="ctr"/>
+                      <a:endParaRPr kumimoji="1" lang="ja-JP" altLang="en-US" dirty="0">
+                        <a:solidFill>
+                          <a:schemeClr val="accent5">
+                            <a:lumMod val="60000"/>
+                            <a:lumOff val="40000"/>
+                          </a:schemeClr>
+                        </a:solidFill>
+                      </a:endParaRPr>
+                    </a:p>
+                  </p:txBody>
+                </p:sp>
+              </p:grpSp>
+            </p:grpSp>
+            <p:sp>
+              <p:nvSpPr>
+                <p:cNvPr id="20" name="テキスト ボックス 19">
+                  <a:extLst>
+                    <a:ext uri="{FF2B5EF4-FFF2-40B4-BE49-F238E27FC236}">
+                      <a16:creationId xmlns:a16="http://schemas.microsoft.com/office/drawing/2014/main" id="{87098BBB-9E7F-495D-9E7E-15870FB968DF}"/>
+                    </a:ext>
+                  </a:extLst>
+                </p:cNvPr>
+                <p:cNvSpPr txBox="1"/>
+                <p:nvPr/>
+              </p:nvSpPr>
+              <p:spPr>
+                <a:xfrm>
+                  <a:off x="3553758" y="4686040"/>
+                  <a:ext cx="1112398" cy="307777"/>
+                </a:xfrm>
+                <a:prstGeom prst="rect">
+                  <a:avLst/>
+                </a:prstGeom>
+                <a:noFill/>
+              </p:spPr>
+              <p:txBody>
+                <a:bodyPr wrap="square" rtlCol="0">
+                  <a:spAutoFit/>
+                </a:bodyPr>
+                <a:lstStyle/>
+                <a:p>
+                  <a:pPr algn="ctr"/>
+                  <a:r>
+                    <a:rPr kumimoji="1" lang="ja-JP" altLang="en-US" sz="1400" b="1" dirty="0"/>
+                    <a:t>脈波センサ</a:t>
+                  </a:r>
+                </a:p>
+              </p:txBody>
+            </p:sp>
+            <p:sp>
+              <p:nvSpPr>
+                <p:cNvPr id="21" name="テキスト ボックス 20">
+                  <a:extLst>
+                    <a:ext uri="{FF2B5EF4-FFF2-40B4-BE49-F238E27FC236}">
+                      <a16:creationId xmlns:a16="http://schemas.microsoft.com/office/drawing/2014/main" id="{BDD028C5-1C48-4BEE-BB3F-D3824126E51A}"/>
+                    </a:ext>
+                  </a:extLst>
+                </p:cNvPr>
+                <p:cNvSpPr txBox="1"/>
+                <p:nvPr/>
+              </p:nvSpPr>
+              <p:spPr>
+                <a:xfrm>
+                  <a:off x="2749708" y="4025903"/>
+                  <a:ext cx="1112398" cy="307777"/>
+                </a:xfrm>
+                <a:prstGeom prst="rect">
+                  <a:avLst/>
+                </a:prstGeom>
+                <a:noFill/>
+              </p:spPr>
+              <p:txBody>
+                <a:bodyPr wrap="square" rtlCol="0">
+                  <a:spAutoFit/>
+                </a:bodyPr>
+                <a:lstStyle/>
+                <a:p>
+                  <a:pPr algn="ctr"/>
+                  <a:r>
+                    <a:rPr kumimoji="1" lang="ja-JP" altLang="en-US" sz="1400" b="1" dirty="0">
+                      <a:solidFill>
+                        <a:srgbClr val="008000"/>
+                      </a:solidFill>
+                    </a:rPr>
+                    <a:t>緑色</a:t>
+                  </a:r>
+                  <a:r>
+                    <a:rPr kumimoji="1" lang="en-US" altLang="ja-JP" sz="1400" b="1" dirty="0">
+                      <a:solidFill>
+                        <a:srgbClr val="008000"/>
+                      </a:solidFill>
+                    </a:rPr>
+                    <a:t>LED</a:t>
+                  </a:r>
+                  <a:endParaRPr kumimoji="1" lang="ja-JP" altLang="en-US" sz="1400" b="1" dirty="0">
+                    <a:solidFill>
+                      <a:srgbClr val="008000"/>
+                    </a:solidFill>
+                  </a:endParaRPr>
+                </a:p>
+              </p:txBody>
+            </p:sp>
+            <p:sp>
+              <p:nvSpPr>
+                <p:cNvPr id="22" name="テキスト ボックス 21">
+                  <a:extLst>
+                    <a:ext uri="{FF2B5EF4-FFF2-40B4-BE49-F238E27FC236}">
+                      <a16:creationId xmlns:a16="http://schemas.microsoft.com/office/drawing/2014/main" id="{7EE02D10-67DD-45B7-A3F8-C0D78B399383}"/>
+                    </a:ext>
+                  </a:extLst>
+                </p:cNvPr>
+                <p:cNvSpPr txBox="1"/>
+                <p:nvPr/>
+              </p:nvSpPr>
+              <p:spPr>
+                <a:xfrm>
+                  <a:off x="4197664" y="4025903"/>
+                  <a:ext cx="1112398" cy="307777"/>
+                </a:xfrm>
+                <a:prstGeom prst="rect">
+                  <a:avLst/>
+                </a:prstGeom>
+                <a:noFill/>
+              </p:spPr>
+              <p:txBody>
+                <a:bodyPr wrap="square" rtlCol="0">
+                  <a:spAutoFit/>
+                </a:bodyPr>
+                <a:lstStyle/>
+                <a:p>
+                  <a:pPr algn="ctr"/>
+                  <a:r>
+                    <a:rPr kumimoji="1" lang="ja-JP" altLang="en-US" sz="1400" b="1" dirty="0">
+                      <a:solidFill>
+                        <a:schemeClr val="accent5">
+                          <a:lumMod val="75000"/>
+                        </a:schemeClr>
+                      </a:solidFill>
+                    </a:rPr>
+                    <a:t>光検出器</a:t>
+                  </a:r>
+                </a:p>
+              </p:txBody>
+            </p:sp>
+          </p:grpSp>
+          <p:sp>
+            <p:nvSpPr>
+              <p:cNvPr id="11" name="矢印: 右 10">
+                <a:extLst>
+                  <a:ext uri="{FF2B5EF4-FFF2-40B4-BE49-F238E27FC236}">
+                    <a16:creationId xmlns:a16="http://schemas.microsoft.com/office/drawing/2014/main" id="{4483BD12-6FAE-43A5-AE88-50990BB8329B}"/>
+                  </a:ext>
+                </a:extLst>
+              </p:cNvPr>
+              <p:cNvSpPr/>
+              <p:nvPr/>
+            </p:nvSpPr>
+            <p:spPr>
+              <a:xfrm rot="16840308">
+                <a:off x="3177377" y="3591803"/>
+                <a:ext cx="1272670" cy="249680"/>
+              </a:xfrm>
+              <a:prstGeom prst="rightArrow">
+                <a:avLst>
+                  <a:gd name="adj1" fmla="val 50000"/>
+                  <a:gd name="adj2" fmla="val 75406"/>
+                </a:avLst>
+              </a:prstGeom>
+              <a:solidFill>
+                <a:srgbClr val="008000"/>
+              </a:solidFill>
+              <a:ln>
+                <a:noFill/>
+              </a:ln>
+            </p:spPr>
+            <p:style>
+              <a:lnRef idx="2">
+                <a:schemeClr val="accent1">
+                  <a:shade val="50000"/>
+                </a:schemeClr>
+              </a:lnRef>
+              <a:fillRef idx="1">
+                <a:schemeClr val="accent1"/>
+              </a:fillRef>
+              <a:effectRef idx="0">
+                <a:schemeClr val="accent1"/>
+              </a:effectRef>
+              <a:fontRef idx="minor">
+                <a:schemeClr val="lt1"/>
+              </a:fontRef>
+            </p:style>
+            <p:txBody>
+              <a:bodyPr rtlCol="0" anchor="ctr"/>
+              <a:lstStyle/>
+              <a:p>
+                <a:pPr algn="ctr"/>
+                <a:endParaRPr kumimoji="1" lang="ja-JP" altLang="en-US" dirty="0"/>
+              </a:p>
+            </p:txBody>
+          </p:sp>
+          <p:sp>
+            <p:nvSpPr>
+              <p:cNvPr id="12" name="矢印: 右 11">
+                <a:extLst>
+                  <a:ext uri="{FF2B5EF4-FFF2-40B4-BE49-F238E27FC236}">
+                    <a16:creationId xmlns:a16="http://schemas.microsoft.com/office/drawing/2014/main" id="{EE848739-8550-4E44-829F-9A29E35B0C75}"/>
+                  </a:ext>
+                </a:extLst>
+              </p:cNvPr>
+              <p:cNvSpPr/>
+              <p:nvPr/>
+            </p:nvSpPr>
+            <p:spPr>
+              <a:xfrm rot="5062428">
+                <a:off x="3548484" y="3726415"/>
+                <a:ext cx="1129382" cy="139740"/>
+              </a:xfrm>
+              <a:prstGeom prst="rightArrow">
+                <a:avLst>
+                  <a:gd name="adj1" fmla="val 50000"/>
+                  <a:gd name="adj2" fmla="val 121446"/>
+                </a:avLst>
+              </a:prstGeom>
+              <a:solidFill>
+                <a:srgbClr val="008000"/>
+              </a:solidFill>
+              <a:ln>
+                <a:noFill/>
+              </a:ln>
+            </p:spPr>
+            <p:style>
+              <a:lnRef idx="2">
+                <a:schemeClr val="accent1">
+                  <a:shade val="50000"/>
+                </a:schemeClr>
+              </a:lnRef>
+              <a:fillRef idx="1">
+                <a:schemeClr val="accent1"/>
+              </a:fillRef>
+              <a:effectRef idx="0">
+                <a:schemeClr val="accent1"/>
+              </a:effectRef>
+              <a:fontRef idx="minor">
+                <a:schemeClr val="lt1"/>
+              </a:fontRef>
+            </p:style>
+            <p:txBody>
+              <a:bodyPr rtlCol="0" anchor="ctr"/>
+              <a:lstStyle/>
+              <a:p>
+                <a:pPr algn="ctr"/>
+                <a:endParaRPr kumimoji="1" lang="ja-JP" altLang="en-US" dirty="0"/>
+              </a:p>
+            </p:txBody>
+          </p:sp>
+          <p:sp>
+            <p:nvSpPr>
+              <p:cNvPr id="13" name="四角形: 角を丸くする 12">
+                <a:extLst>
+                  <a:ext uri="{FF2B5EF4-FFF2-40B4-BE49-F238E27FC236}">
+                    <a16:creationId xmlns:a16="http://schemas.microsoft.com/office/drawing/2014/main" id="{6074641D-A664-4014-BF5D-FBAEFC7794CB}"/>
+                  </a:ext>
+                </a:extLst>
+              </p:cNvPr>
+              <p:cNvSpPr/>
+              <p:nvPr/>
+            </p:nvSpPr>
+            <p:spPr>
+              <a:xfrm>
+                <a:off x="2920313" y="3364127"/>
+                <a:ext cx="2075936" cy="129746"/>
+              </a:xfrm>
+              <a:prstGeom prst="roundRect">
+                <a:avLst>
+                  <a:gd name="adj" fmla="val 50000"/>
+                </a:avLst>
+              </a:prstGeom>
+              <a:solidFill>
+                <a:srgbClr val="FF0000"/>
+              </a:solidFill>
+              <a:ln>
+                <a:noFill/>
+              </a:ln>
+            </p:spPr>
+            <p:style>
+              <a:lnRef idx="2">
+                <a:schemeClr val="accent1">
+                  <a:shade val="50000"/>
+                </a:schemeClr>
+              </a:lnRef>
+              <a:fillRef idx="1">
+                <a:schemeClr val="accent1"/>
+              </a:fillRef>
+              <a:effectRef idx="0">
+                <a:schemeClr val="accent1"/>
+              </a:effectRef>
+              <a:fontRef idx="minor">
+                <a:schemeClr val="lt1"/>
+              </a:fontRef>
+            </p:style>
+            <p:txBody>
+              <a:bodyPr rtlCol="0" anchor="ctr"/>
+              <a:lstStyle/>
+              <a:p>
+                <a:pPr algn="ctr"/>
+                <a:endParaRPr kumimoji="1" lang="ja-JP" altLang="en-US"/>
+              </a:p>
+            </p:txBody>
+          </p:sp>
+          <p:sp>
+            <p:nvSpPr>
+              <p:cNvPr id="14" name="楕円 13">
+                <a:extLst>
+                  <a:ext uri="{FF2B5EF4-FFF2-40B4-BE49-F238E27FC236}">
+                    <a16:creationId xmlns:a16="http://schemas.microsoft.com/office/drawing/2014/main" id="{1E3B9A75-F64D-4489-9C62-6B02C9E22341}"/>
+                  </a:ext>
+                </a:extLst>
+              </p:cNvPr>
+              <p:cNvSpPr/>
+              <p:nvPr/>
+            </p:nvSpPr>
+            <p:spPr>
+              <a:xfrm>
+                <a:off x="3253656" y="3271966"/>
+                <a:ext cx="477794" cy="314068"/>
+              </a:xfrm>
+              <a:prstGeom prst="ellipse">
+                <a:avLst/>
+              </a:prstGeom>
+              <a:solidFill>
+                <a:srgbClr val="FF0000"/>
+              </a:solidFill>
+              <a:ln>
+                <a:noFill/>
+              </a:ln>
+            </p:spPr>
+            <p:style>
+              <a:lnRef idx="2">
+                <a:schemeClr val="accent1">
+                  <a:shade val="50000"/>
+                </a:schemeClr>
+              </a:lnRef>
+              <a:fillRef idx="1">
+                <a:schemeClr val="accent1"/>
+              </a:fillRef>
+              <a:effectRef idx="0">
+                <a:schemeClr val="accent1"/>
+              </a:effectRef>
+              <a:fontRef idx="minor">
+                <a:schemeClr val="lt1"/>
+              </a:fontRef>
+            </p:style>
+            <p:txBody>
+              <a:bodyPr rtlCol="0" anchor="ctr"/>
+              <a:lstStyle/>
+              <a:p>
+                <a:pPr algn="ctr"/>
+                <a:endParaRPr kumimoji="1" lang="ja-JP" altLang="en-US"/>
+              </a:p>
+            </p:txBody>
+          </p:sp>
+          <p:sp>
+            <p:nvSpPr>
+              <p:cNvPr id="15" name="楕円 14">
+                <a:extLst>
+                  <a:ext uri="{FF2B5EF4-FFF2-40B4-BE49-F238E27FC236}">
+                    <a16:creationId xmlns:a16="http://schemas.microsoft.com/office/drawing/2014/main" id="{67EAC207-7286-4B5C-ABB6-FEAF4F2B2682}"/>
+                  </a:ext>
+                </a:extLst>
+              </p:cNvPr>
+              <p:cNvSpPr/>
+              <p:nvPr/>
+            </p:nvSpPr>
+            <p:spPr>
+              <a:xfrm>
+                <a:off x="4188362" y="3271966"/>
+                <a:ext cx="477794" cy="314068"/>
+              </a:xfrm>
+              <a:prstGeom prst="ellipse">
+                <a:avLst/>
+              </a:prstGeom>
+              <a:solidFill>
+                <a:srgbClr val="FF0000"/>
+              </a:solidFill>
+              <a:ln>
+                <a:noFill/>
+              </a:ln>
+            </p:spPr>
+            <p:style>
+              <a:lnRef idx="2">
+                <a:schemeClr val="accent1">
+                  <a:shade val="50000"/>
+                </a:schemeClr>
+              </a:lnRef>
+              <a:fillRef idx="1">
+                <a:schemeClr val="accent1"/>
+              </a:fillRef>
+              <a:effectRef idx="0">
+                <a:schemeClr val="accent1"/>
+              </a:effectRef>
+              <a:fontRef idx="minor">
+                <a:schemeClr val="lt1"/>
+              </a:fontRef>
+            </p:style>
+            <p:txBody>
+              <a:bodyPr rtlCol="0" anchor="ctr"/>
+              <a:lstStyle/>
+              <a:p>
+                <a:pPr algn="ctr"/>
+                <a:endParaRPr kumimoji="1" lang="ja-JP" altLang="en-US"/>
+              </a:p>
+            </p:txBody>
+          </p:sp>
+          <p:sp>
+            <p:nvSpPr>
+              <p:cNvPr id="16" name="テキスト ボックス 15">
+                <a:extLst>
+                  <a:ext uri="{FF2B5EF4-FFF2-40B4-BE49-F238E27FC236}">
+                    <a16:creationId xmlns:a16="http://schemas.microsoft.com/office/drawing/2014/main" id="{6590C178-16F7-40E8-A11F-14EB5DCE861D}"/>
+                  </a:ext>
+                </a:extLst>
+              </p:cNvPr>
+              <p:cNvSpPr txBox="1"/>
+              <p:nvPr/>
+            </p:nvSpPr>
+            <p:spPr>
+              <a:xfrm>
+                <a:off x="4244087" y="3506341"/>
+                <a:ext cx="1112398" cy="307777"/>
+              </a:xfrm>
+              <a:prstGeom prst="rect">
+                <a:avLst/>
+              </a:prstGeom>
+              <a:noFill/>
+            </p:spPr>
+            <p:txBody>
+              <a:bodyPr wrap="square" rtlCol="0">
+                <a:spAutoFit/>
+              </a:bodyPr>
+              <a:lstStyle/>
+              <a:p>
+                <a:pPr algn="ctr"/>
+                <a:r>
+                  <a:rPr kumimoji="1" lang="ja-JP" altLang="en-US" sz="1400" b="1" dirty="0">
+                    <a:solidFill>
+                      <a:srgbClr val="FF0000"/>
+                    </a:solidFill>
+                  </a:rPr>
+                  <a:t>血管</a:t>
+                </a:r>
+              </a:p>
+            </p:txBody>
+          </p:sp>
+          <p:sp>
+            <p:nvSpPr>
+              <p:cNvPr id="17" name="楕円 16">
+                <a:extLst>
+                  <a:ext uri="{FF2B5EF4-FFF2-40B4-BE49-F238E27FC236}">
+                    <a16:creationId xmlns:a16="http://schemas.microsoft.com/office/drawing/2014/main" id="{E0F8B58C-B512-4524-AA3F-A7D81E88BB89}"/>
+                  </a:ext>
+                </a:extLst>
+              </p:cNvPr>
+              <p:cNvSpPr/>
+              <p:nvPr/>
+            </p:nvSpPr>
+            <p:spPr>
+              <a:xfrm>
+                <a:off x="3704363" y="3046034"/>
+                <a:ext cx="504000" cy="504000"/>
+              </a:xfrm>
+              <a:prstGeom prst="ellipse">
+                <a:avLst/>
+              </a:prstGeom>
+              <a:noFill/>
+              <a:ln>
+                <a:solidFill>
+                  <a:srgbClr val="65B1C9"/>
+                </a:solidFill>
+              </a:ln>
+            </p:spPr>
+            <p:style>
+              <a:lnRef idx="2">
+                <a:schemeClr val="accent1">
+                  <a:shade val="50000"/>
+                </a:schemeClr>
+              </a:lnRef>
+              <a:fillRef idx="1">
+                <a:schemeClr val="accent1"/>
+              </a:fillRef>
+              <a:effectRef idx="0">
+                <a:schemeClr val="accent1"/>
+              </a:effectRef>
+              <a:fontRef idx="minor">
+                <a:schemeClr val="lt1"/>
+              </a:fontRef>
+            </p:style>
+            <p:txBody>
+              <a:bodyPr rtlCol="0" anchor="ctr"/>
+              <a:lstStyle/>
+              <a:p>
+                <a:pPr algn="ctr"/>
+                <a:endParaRPr kumimoji="1" lang="ja-JP" altLang="en-US"/>
+              </a:p>
+            </p:txBody>
+          </p:sp>
+          <p:sp>
+            <p:nvSpPr>
+              <p:cNvPr id="18" name="テキスト ボックス 17">
+                <a:extLst>
+                  <a:ext uri="{FF2B5EF4-FFF2-40B4-BE49-F238E27FC236}">
+                    <a16:creationId xmlns:a16="http://schemas.microsoft.com/office/drawing/2014/main" id="{551DB8D9-0D3E-43FA-9E15-13E2759FC4BA}"/>
+                  </a:ext>
+                </a:extLst>
+              </p:cNvPr>
+              <p:cNvSpPr txBox="1"/>
+              <p:nvPr/>
+            </p:nvSpPr>
+            <p:spPr>
+              <a:xfrm>
+                <a:off x="3097642" y="2781813"/>
+                <a:ext cx="1717441" cy="307777"/>
+              </a:xfrm>
+              <a:prstGeom prst="rect">
+                <a:avLst/>
+              </a:prstGeom>
+              <a:noFill/>
+            </p:spPr>
+            <p:txBody>
+              <a:bodyPr wrap="square" rtlCol="0">
+                <a:spAutoFit/>
+              </a:bodyPr>
+              <a:lstStyle/>
+              <a:p>
+                <a:pPr algn="ctr"/>
+                <a:r>
+                  <a:rPr kumimoji="1" lang="ja-JP" altLang="en-US" sz="1400" b="1" dirty="0">
+                    <a:solidFill>
+                      <a:srgbClr val="65B1C9"/>
+                    </a:solidFill>
+                  </a:rPr>
+                  <a:t>光の吸収量が変化</a:t>
+                </a:r>
+              </a:p>
+            </p:txBody>
+          </p:sp>
+        </p:grpSp>
+        <p:sp>
+          <p:nvSpPr>
+            <p:cNvPr id="6" name="正方形/長方形 5">
+              <a:extLst>
+                <a:ext uri="{FF2B5EF4-FFF2-40B4-BE49-F238E27FC236}">
+                  <a16:creationId xmlns:a16="http://schemas.microsoft.com/office/drawing/2014/main" id="{6019E9F0-13F2-4A7A-9499-2F6E89C42F33}"/>
+                </a:ext>
+              </a:extLst>
+            </p:cNvPr>
+            <p:cNvSpPr/>
+            <p:nvPr/>
+          </p:nvSpPr>
+          <p:spPr>
+            <a:xfrm>
+              <a:off x="1478283" y="2108887"/>
+              <a:ext cx="1307900" cy="1705232"/>
+            </a:xfrm>
+            <a:prstGeom prst="rect">
+              <a:avLst/>
+            </a:prstGeom>
+            <a:solidFill>
+              <a:schemeClr val="bg1"/>
+            </a:solidFill>
+            <a:ln>
+              <a:noFill/>
+            </a:ln>
+          </p:spPr>
+          <p:style>
+            <a:lnRef idx="2">
+              <a:schemeClr val="accent1">
+                <a:shade val="50000"/>
+              </a:schemeClr>
+            </a:lnRef>
+            <a:fillRef idx="1">
+              <a:schemeClr val="accent1"/>
+            </a:fillRef>
+            <a:effectRef idx="0">
+              <a:schemeClr val="accent1"/>
+            </a:effectRef>
+            <a:fontRef idx="minor">
+              <a:schemeClr val="lt1"/>
+            </a:fontRef>
+          </p:style>
+          <p:txBody>
+            <a:bodyPr rtlCol="0" anchor="ctr"/>
+            <a:lstStyle/>
+            <a:p>
+              <a:pPr algn="ctr"/>
+              <a:endParaRPr kumimoji="1" lang="ja-JP" altLang="en-US"/>
+            </a:p>
+          </p:txBody>
+        </p:sp>
+        <p:sp>
+          <p:nvSpPr>
+            <p:cNvPr id="7" name="正方形/長方形 6">
+              <a:extLst>
+                <a:ext uri="{FF2B5EF4-FFF2-40B4-BE49-F238E27FC236}">
+                  <a16:creationId xmlns:a16="http://schemas.microsoft.com/office/drawing/2014/main" id="{5132725F-FA5F-4405-A1C1-D281897C5674}"/>
+                </a:ext>
+              </a:extLst>
+            </p:cNvPr>
+            <p:cNvSpPr/>
+            <p:nvPr/>
+          </p:nvSpPr>
+          <p:spPr>
+            <a:xfrm>
+              <a:off x="5134619" y="2108887"/>
+              <a:ext cx="1307900" cy="1705232"/>
+            </a:xfrm>
+            <a:prstGeom prst="rect">
+              <a:avLst/>
+            </a:prstGeom>
+            <a:solidFill>
+              <a:schemeClr val="bg1"/>
+            </a:solidFill>
+            <a:ln>
+              <a:noFill/>
+            </a:ln>
+          </p:spPr>
+          <p:style>
+            <a:lnRef idx="2">
+              <a:schemeClr val="accent1">
+                <a:shade val="50000"/>
+              </a:schemeClr>
+            </a:lnRef>
+            <a:fillRef idx="1">
+              <a:schemeClr val="accent1"/>
+            </a:fillRef>
+            <a:effectRef idx="0">
+              <a:schemeClr val="accent1"/>
+            </a:effectRef>
+            <a:fontRef idx="minor">
+              <a:schemeClr val="lt1"/>
+            </a:fontRef>
+          </p:style>
+          <p:txBody>
+            <a:bodyPr rtlCol="0" anchor="ctr"/>
+            <a:lstStyle/>
+            <a:p>
+              <a:pPr algn="ctr"/>
+              <a:endParaRPr kumimoji="1" lang="ja-JP" altLang="en-US"/>
+            </a:p>
+          </p:txBody>
+        </p:sp>
+        <p:sp>
+          <p:nvSpPr>
+            <p:cNvPr id="8" name="正方形/長方形 7">
+              <a:extLst>
+                <a:ext uri="{FF2B5EF4-FFF2-40B4-BE49-F238E27FC236}">
+                  <a16:creationId xmlns:a16="http://schemas.microsoft.com/office/drawing/2014/main" id="{0075AB50-3261-49EC-9889-FF0CD27369E2}"/>
+                </a:ext>
+              </a:extLst>
+            </p:cNvPr>
+            <p:cNvSpPr/>
+            <p:nvPr/>
+          </p:nvSpPr>
+          <p:spPr>
+            <a:xfrm>
+              <a:off x="2787381" y="1996759"/>
+              <a:ext cx="2347237" cy="803467"/>
+            </a:xfrm>
+            <a:prstGeom prst="rect">
+              <a:avLst/>
+            </a:prstGeom>
+            <a:solidFill>
+              <a:schemeClr val="bg1"/>
+            </a:solidFill>
+            <a:ln>
+              <a:noFill/>
+            </a:ln>
+          </p:spPr>
+          <p:style>
+            <a:lnRef idx="2">
+              <a:schemeClr val="accent1">
+                <a:shade val="50000"/>
+              </a:schemeClr>
+            </a:lnRef>
+            <a:fillRef idx="1">
+              <a:schemeClr val="accent1"/>
+            </a:fillRef>
+            <a:effectRef idx="0">
+              <a:schemeClr val="accent1"/>
+            </a:effectRef>
+            <a:fontRef idx="minor">
+              <a:schemeClr val="lt1"/>
+            </a:fontRef>
+          </p:style>
+          <p:txBody>
+            <a:bodyPr rtlCol="0" anchor="ctr"/>
+            <a:lstStyle/>
+            <a:p>
+              <a:pPr algn="ctr"/>
+              <a:endParaRPr kumimoji="1" lang="ja-JP" altLang="en-US"/>
+            </a:p>
+          </p:txBody>
+        </p:sp>
+      </p:grpSp>
+      <p:pic>
+        <p:nvPicPr>
+          <p:cNvPr id="50" name="図 49">
+            <a:extLst>
+              <a:ext uri="{FF2B5EF4-FFF2-40B4-BE49-F238E27FC236}">
+                <a16:creationId xmlns:a16="http://schemas.microsoft.com/office/drawing/2014/main" id="{FAF8FC7E-5E3F-4233-8793-CA09259AB3EE}"/>
+              </a:ext>
+            </a:extLst>
+          </p:cNvPr>
+          <p:cNvPicPr>
+            <a:picLocks noChangeAspect="1"/>
+          </p:cNvPicPr>
+          <p:nvPr/>
+        </p:nvPicPr>
+        <p:blipFill rotWithShape="1">
+          <a:blip r:embed="rId2"/>
+          <a:srcRect l="26926" t="26596" r="26428" b="3503"/>
+          <a:stretch/>
+        </p:blipFill>
+        <p:spPr>
+          <a:xfrm>
+            <a:off x="7965989" y="3723503"/>
+            <a:ext cx="2314833" cy="2092411"/>
+          </a:xfrm>
+          <a:prstGeom prst="rect">
+            <a:avLst/>
+          </a:prstGeom>
+        </p:spPr>
+      </p:pic>
+    </p:spTree>
+    <p:extLst>
+      <p:ext uri="{BB962C8B-B14F-4D97-AF65-F5344CB8AC3E}">
+        <p14:creationId xmlns:p14="http://schemas.microsoft.com/office/powerpoint/2010/main" val="906705454"/>
+      </p:ext>
+    </p:extLst>
+  </p:cSld>
+  <p:clrMapOvr>
+    <a:masterClrMapping/>
+  </p:clrMapOvr>
+</p:sld>
+</file>
+
 <file path=ppt/theme/theme1.xml><?xml version="1.0" encoding="utf-8"?>
 <a:theme xmlns:a="http://schemas.openxmlformats.org/drawingml/2006/main" name="Office テーマ">
   <a:themeElements>

--- a/paper/pulse/figures/figures.pptx
+++ b/paper/pulse/figures/figures.pptx
@@ -7,6 +7,7 @@
   <p:sldIdLst>
     <p:sldId id="256" r:id="rId2"/>
     <p:sldId id="257" r:id="rId3"/>
+    <p:sldId id="258" r:id="rId4"/>
   </p:sldIdLst>
   <p:sldSz cx="12192000" cy="6858000"/>
   <p:notesSz cx="6858000" cy="9144000"/>
@@ -260,7 +261,7 @@
           <a:p>
             <a:fld id="{C2C73DE5-1C8B-4475-AFC6-683C13AACC76}" type="datetimeFigureOut">
               <a:rPr kumimoji="1" lang="ja-JP" altLang="en-US" smtClean="0"/>
-              <a:t>2020/11/29</a:t>
+              <a:t>2020/12/11</a:t>
             </a:fld>
             <a:endParaRPr kumimoji="1" lang="ja-JP" altLang="en-US"/>
           </a:p>
@@ -490,7 +491,7 @@
           <a:p>
             <a:fld id="{C2C73DE5-1C8B-4475-AFC6-683C13AACC76}" type="datetimeFigureOut">
               <a:rPr kumimoji="1" lang="ja-JP" altLang="en-US" smtClean="0"/>
-              <a:t>2020/11/29</a:t>
+              <a:t>2020/12/11</a:t>
             </a:fld>
             <a:endParaRPr kumimoji="1" lang="ja-JP" altLang="en-US"/>
           </a:p>
@@ -730,7 +731,7 @@
           <a:p>
             <a:fld id="{C2C73DE5-1C8B-4475-AFC6-683C13AACC76}" type="datetimeFigureOut">
               <a:rPr kumimoji="1" lang="ja-JP" altLang="en-US" smtClean="0"/>
-              <a:t>2020/11/29</a:t>
+              <a:t>2020/12/11</a:t>
             </a:fld>
             <a:endParaRPr kumimoji="1" lang="ja-JP" altLang="en-US"/>
           </a:p>
@@ -960,7 +961,7 @@
           <a:p>
             <a:fld id="{C2C73DE5-1C8B-4475-AFC6-683C13AACC76}" type="datetimeFigureOut">
               <a:rPr kumimoji="1" lang="ja-JP" altLang="en-US" smtClean="0"/>
-              <a:t>2020/11/29</a:t>
+              <a:t>2020/12/11</a:t>
             </a:fld>
             <a:endParaRPr kumimoji="1" lang="ja-JP" altLang="en-US"/>
           </a:p>
@@ -1235,7 +1236,7 @@
           <a:p>
             <a:fld id="{C2C73DE5-1C8B-4475-AFC6-683C13AACC76}" type="datetimeFigureOut">
               <a:rPr kumimoji="1" lang="ja-JP" altLang="en-US" smtClean="0"/>
-              <a:t>2020/11/29</a:t>
+              <a:t>2020/12/11</a:t>
             </a:fld>
             <a:endParaRPr kumimoji="1" lang="ja-JP" altLang="en-US"/>
           </a:p>
@@ -1564,7 +1565,7 @@
           <a:p>
             <a:fld id="{C2C73DE5-1C8B-4475-AFC6-683C13AACC76}" type="datetimeFigureOut">
               <a:rPr kumimoji="1" lang="ja-JP" altLang="en-US" smtClean="0"/>
-              <a:t>2020/11/29</a:t>
+              <a:t>2020/12/11</a:t>
             </a:fld>
             <a:endParaRPr kumimoji="1" lang="ja-JP" altLang="en-US"/>
           </a:p>
@@ -2040,7 +2041,7 @@
           <a:p>
             <a:fld id="{C2C73DE5-1C8B-4475-AFC6-683C13AACC76}" type="datetimeFigureOut">
               <a:rPr kumimoji="1" lang="ja-JP" altLang="en-US" smtClean="0"/>
-              <a:t>2020/11/29</a:t>
+              <a:t>2020/12/11</a:t>
             </a:fld>
             <a:endParaRPr kumimoji="1" lang="ja-JP" altLang="en-US"/>
           </a:p>
@@ -2181,7 +2182,7 @@
           <a:p>
             <a:fld id="{C2C73DE5-1C8B-4475-AFC6-683C13AACC76}" type="datetimeFigureOut">
               <a:rPr kumimoji="1" lang="ja-JP" altLang="en-US" smtClean="0"/>
-              <a:t>2020/11/29</a:t>
+              <a:t>2020/12/11</a:t>
             </a:fld>
             <a:endParaRPr kumimoji="1" lang="ja-JP" altLang="en-US"/>
           </a:p>
@@ -2294,7 +2295,7 @@
           <a:p>
             <a:fld id="{C2C73DE5-1C8B-4475-AFC6-683C13AACC76}" type="datetimeFigureOut">
               <a:rPr kumimoji="1" lang="ja-JP" altLang="en-US" smtClean="0"/>
-              <a:t>2020/11/29</a:t>
+              <a:t>2020/12/11</a:t>
             </a:fld>
             <a:endParaRPr kumimoji="1" lang="ja-JP" altLang="en-US"/>
           </a:p>
@@ -2637,7 +2638,7 @@
           <a:p>
             <a:fld id="{C2C73DE5-1C8B-4475-AFC6-683C13AACC76}" type="datetimeFigureOut">
               <a:rPr kumimoji="1" lang="ja-JP" altLang="en-US" smtClean="0"/>
-              <a:t>2020/11/29</a:t>
+              <a:t>2020/12/11</a:t>
             </a:fld>
             <a:endParaRPr kumimoji="1" lang="ja-JP" altLang="en-US"/>
           </a:p>
@@ -2925,7 +2926,7 @@
           <a:p>
             <a:fld id="{C2C73DE5-1C8B-4475-AFC6-683C13AACC76}" type="datetimeFigureOut">
               <a:rPr kumimoji="1" lang="ja-JP" altLang="en-US" smtClean="0"/>
-              <a:t>2020/11/29</a:t>
+              <a:t>2020/12/11</a:t>
             </a:fld>
             <a:endParaRPr kumimoji="1" lang="ja-JP" altLang="en-US"/>
           </a:p>
@@ -3198,7 +3199,7 @@
           <a:p>
             <a:fld id="{C2C73DE5-1C8B-4475-AFC6-683C13AACC76}" type="datetimeFigureOut">
               <a:rPr kumimoji="1" lang="ja-JP" altLang="en-US" smtClean="0"/>
-              <a:t>2020/11/29</a:t>
+              <a:t>2020/12/11</a:t>
             </a:fld>
             <a:endParaRPr kumimoji="1" lang="ja-JP" altLang="en-US"/>
           </a:p>
@@ -5030,6 +5031,645 @@
 </p:sld>
 </file>
 
+<file path=ppt/slides/slide3.xml><?xml version="1.0" encoding="utf-8"?>
+<p:sld xmlns:a="http://schemas.openxmlformats.org/drawingml/2006/main" xmlns:r="http://schemas.openxmlformats.org/officeDocument/2006/relationships" xmlns:p="http://schemas.openxmlformats.org/presentationml/2006/main">
+  <p:cSld>
+    <p:spTree>
+      <p:nvGrpSpPr>
+        <p:cNvPr id="1" name=""/>
+        <p:cNvGrpSpPr/>
+        <p:nvPr/>
+      </p:nvGrpSpPr>
+      <p:grpSpPr>
+        <a:xfrm>
+          <a:off x="0" y="0"/>
+          <a:ext cx="0" cy="0"/>
+          <a:chOff x="0" y="0"/>
+          <a:chExt cx="0" cy="0"/>
+        </a:xfrm>
+      </p:grpSpPr>
+      <p:grpSp>
+        <p:nvGrpSpPr>
+          <p:cNvPr id="4" name="グループ化 3">
+            <a:extLst>
+              <a:ext uri="{FF2B5EF4-FFF2-40B4-BE49-F238E27FC236}">
+                <a16:creationId xmlns:a16="http://schemas.microsoft.com/office/drawing/2014/main" id="{931B2129-C082-4B2D-91C4-A1C6CD1C2B60}"/>
+              </a:ext>
+            </a:extLst>
+          </p:cNvPr>
+          <p:cNvGrpSpPr/>
+          <p:nvPr/>
+        </p:nvGrpSpPr>
+        <p:grpSpPr>
+          <a:xfrm>
+            <a:off x="2774049" y="3049157"/>
+            <a:ext cx="6643901" cy="2771236"/>
+            <a:chOff x="2436723" y="3393285"/>
+            <a:chExt cx="6643901" cy="2771236"/>
+          </a:xfrm>
+        </p:grpSpPr>
+        <p:pic>
+          <p:nvPicPr>
+            <p:cNvPr id="5" name="図 4" descr="暗い, 探す, 横, 男 が含まれている画像&#10;&#10;自動的に生成された説明">
+              <a:extLst>
+                <a:ext uri="{FF2B5EF4-FFF2-40B4-BE49-F238E27FC236}">
+                  <a16:creationId xmlns:a16="http://schemas.microsoft.com/office/drawing/2014/main" id="{F371C6FA-3AE9-4A3F-9270-518A61952B77}"/>
+                </a:ext>
+              </a:extLst>
+            </p:cNvPr>
+            <p:cNvPicPr>
+              <a:picLocks noChangeAspect="1"/>
+            </p:cNvPicPr>
+            <p:nvPr/>
+          </p:nvPicPr>
+          <p:blipFill>
+            <a:blip r:embed="rId2">
+              <a:extLst>
+                <a:ext uri="{28A0092B-C50C-407E-A947-70E740481C1C}">
+                  <a14:useLocalDpi xmlns:a14="http://schemas.microsoft.com/office/drawing/2010/main" val="0"/>
+                </a:ext>
+              </a:extLst>
+            </a:blip>
+            <a:stretch>
+              <a:fillRect/>
+            </a:stretch>
+          </p:blipFill>
+          <p:spPr>
+            <a:xfrm>
+              <a:off x="2436723" y="3429000"/>
+              <a:ext cx="1022401" cy="2735521"/>
+            </a:xfrm>
+            <a:prstGeom prst="rect">
+              <a:avLst/>
+            </a:prstGeom>
+          </p:spPr>
+        </p:pic>
+        <p:sp>
+          <p:nvSpPr>
+            <p:cNvPr id="6" name="楕円 5">
+              <a:extLst>
+                <a:ext uri="{FF2B5EF4-FFF2-40B4-BE49-F238E27FC236}">
+                  <a16:creationId xmlns:a16="http://schemas.microsoft.com/office/drawing/2014/main" id="{E1A95C7B-82A2-4475-A618-B2CDEC88FA67}"/>
+                </a:ext>
+              </a:extLst>
+            </p:cNvPr>
+            <p:cNvSpPr/>
+            <p:nvPr/>
+          </p:nvSpPr>
+          <p:spPr>
+            <a:xfrm>
+              <a:off x="2857923" y="5268783"/>
+              <a:ext cx="180000" cy="180000"/>
+            </a:xfrm>
+            <a:prstGeom prst="ellipse">
+              <a:avLst/>
+            </a:prstGeom>
+            <a:solidFill>
+              <a:srgbClr val="008000"/>
+            </a:solidFill>
+            <a:ln>
+              <a:solidFill>
+                <a:srgbClr val="008000"/>
+              </a:solidFill>
+            </a:ln>
+          </p:spPr>
+          <p:style>
+            <a:lnRef idx="2">
+              <a:schemeClr val="accent1">
+                <a:shade val="50000"/>
+              </a:schemeClr>
+            </a:lnRef>
+            <a:fillRef idx="1">
+              <a:schemeClr val="accent1"/>
+            </a:fillRef>
+            <a:effectRef idx="0">
+              <a:schemeClr val="accent1"/>
+            </a:effectRef>
+            <a:fontRef idx="minor">
+              <a:schemeClr val="lt1"/>
+            </a:fontRef>
+          </p:style>
+          <p:txBody>
+            <a:bodyPr rtlCol="0" anchor="ctr"/>
+            <a:lstStyle/>
+            <a:p>
+              <a:pPr algn="ctr"/>
+              <a:endParaRPr kumimoji="1" lang="ja-JP" altLang="en-US"/>
+            </a:p>
+          </p:txBody>
+        </p:sp>
+        <p:pic>
+          <p:nvPicPr>
+            <p:cNvPr id="7" name="グラフィックス 6">
+              <a:extLst>
+                <a:ext uri="{FF2B5EF4-FFF2-40B4-BE49-F238E27FC236}">
+                  <a16:creationId xmlns:a16="http://schemas.microsoft.com/office/drawing/2014/main" id="{D47FEEE8-363D-4940-93E4-197D5B9AD15C}"/>
+                </a:ext>
+              </a:extLst>
+            </p:cNvPr>
+            <p:cNvPicPr>
+              <a:picLocks noChangeAspect="1"/>
+            </p:cNvPicPr>
+            <p:nvPr/>
+          </p:nvPicPr>
+          <p:blipFill>
+            <a:blip r:embed="rId3">
+              <a:extLst>
+                <a:ext uri="{28A0092B-C50C-407E-A947-70E740481C1C}">
+                  <a14:useLocalDpi xmlns:a14="http://schemas.microsoft.com/office/drawing/2010/main" val="0"/>
+                </a:ext>
+                <a:ext uri="{96DAC541-7B7A-43D3-8B79-37D633B846F1}">
+                  <asvg:svgBlip xmlns:asvg="http://schemas.microsoft.com/office/drawing/2016/SVG/main" r:embed="rId4"/>
+                </a:ext>
+              </a:extLst>
+            </a:blip>
+            <a:stretch>
+              <a:fillRect/>
+            </a:stretch>
+          </p:blipFill>
+          <p:spPr>
+            <a:xfrm>
+              <a:off x="3935636" y="5002254"/>
+              <a:ext cx="1535579" cy="1146098"/>
+            </a:xfrm>
+            <a:prstGeom prst="rect">
+              <a:avLst/>
+            </a:prstGeom>
+          </p:spPr>
+        </p:pic>
+        <p:sp>
+          <p:nvSpPr>
+            <p:cNvPr id="8" name="矢印: 右 7">
+              <a:extLst>
+                <a:ext uri="{FF2B5EF4-FFF2-40B4-BE49-F238E27FC236}">
+                  <a16:creationId xmlns:a16="http://schemas.microsoft.com/office/drawing/2014/main" id="{452061DA-689F-4033-9BD8-C276802F6D95}"/>
+                </a:ext>
+              </a:extLst>
+            </p:cNvPr>
+            <p:cNvSpPr/>
+            <p:nvPr/>
+          </p:nvSpPr>
+          <p:spPr>
+            <a:xfrm rot="19165818">
+              <a:off x="4652564" y="4584250"/>
+              <a:ext cx="508413" cy="243029"/>
+            </a:xfrm>
+            <a:prstGeom prst="rightArrow">
+              <a:avLst/>
+            </a:prstGeom>
+            <a:solidFill>
+              <a:schemeClr val="tx1"/>
+            </a:solidFill>
+            <a:ln>
+              <a:solidFill>
+                <a:schemeClr val="tx1"/>
+              </a:solidFill>
+            </a:ln>
+          </p:spPr>
+          <p:style>
+            <a:lnRef idx="2">
+              <a:schemeClr val="accent1">
+                <a:shade val="50000"/>
+              </a:schemeClr>
+            </a:lnRef>
+            <a:fillRef idx="1">
+              <a:schemeClr val="accent1"/>
+            </a:fillRef>
+            <a:effectRef idx="0">
+              <a:schemeClr val="accent1"/>
+            </a:effectRef>
+            <a:fontRef idx="minor">
+              <a:schemeClr val="lt1"/>
+            </a:fontRef>
+          </p:style>
+          <p:txBody>
+            <a:bodyPr rtlCol="0" anchor="ctr"/>
+            <a:lstStyle/>
+            <a:p>
+              <a:pPr algn="ctr"/>
+              <a:endParaRPr kumimoji="1" lang="ja-JP" altLang="en-US"/>
+            </a:p>
+          </p:txBody>
+        </p:sp>
+        <p:sp>
+          <p:nvSpPr>
+            <p:cNvPr id="9" name="四角形: 角を丸くする 8">
+              <a:extLst>
+                <a:ext uri="{FF2B5EF4-FFF2-40B4-BE49-F238E27FC236}">
+                  <a16:creationId xmlns:a16="http://schemas.microsoft.com/office/drawing/2014/main" id="{301F7E78-764B-4674-932A-61A017E55980}"/>
+                </a:ext>
+              </a:extLst>
+            </p:cNvPr>
+            <p:cNvSpPr/>
+            <p:nvPr/>
+          </p:nvSpPr>
+          <p:spPr>
+            <a:xfrm>
+              <a:off x="5141635" y="3443587"/>
+              <a:ext cx="1779639" cy="991239"/>
+            </a:xfrm>
+            <a:prstGeom prst="roundRect">
+              <a:avLst/>
+            </a:prstGeom>
+            <a:solidFill>
+              <a:schemeClr val="bg1"/>
+            </a:solidFill>
+            <a:ln>
+              <a:solidFill>
+                <a:schemeClr val="tx1"/>
+              </a:solidFill>
+            </a:ln>
+          </p:spPr>
+          <p:style>
+            <a:lnRef idx="2">
+              <a:schemeClr val="accent1">
+                <a:shade val="50000"/>
+              </a:schemeClr>
+            </a:lnRef>
+            <a:fillRef idx="1">
+              <a:schemeClr val="accent1"/>
+            </a:fillRef>
+            <a:effectRef idx="0">
+              <a:schemeClr val="accent1"/>
+            </a:effectRef>
+            <a:fontRef idx="minor">
+              <a:schemeClr val="lt1"/>
+            </a:fontRef>
+          </p:style>
+          <p:txBody>
+            <a:bodyPr rtlCol="0" anchor="ctr"/>
+            <a:lstStyle/>
+            <a:p>
+              <a:pPr algn="ctr"/>
+              <a:r>
+                <a:rPr kumimoji="1" lang="ja-JP" altLang="en-US" dirty="0">
+                  <a:solidFill>
+                    <a:schemeClr val="tx1"/>
+                  </a:solidFill>
+                </a:rPr>
+                <a:t>識別モデル</a:t>
+              </a:r>
+            </a:p>
+          </p:txBody>
+        </p:sp>
+        <p:sp>
+          <p:nvSpPr>
+            <p:cNvPr id="10" name="矢印: 右 9">
+              <a:extLst>
+                <a:ext uri="{FF2B5EF4-FFF2-40B4-BE49-F238E27FC236}">
+                  <a16:creationId xmlns:a16="http://schemas.microsoft.com/office/drawing/2014/main" id="{4179CAD9-42BE-4902-B4FC-CEC35D7788A2}"/>
+                </a:ext>
+              </a:extLst>
+            </p:cNvPr>
+            <p:cNvSpPr/>
+            <p:nvPr/>
+          </p:nvSpPr>
+          <p:spPr>
+            <a:xfrm>
+              <a:off x="7120148" y="3817693"/>
+              <a:ext cx="508413" cy="243029"/>
+            </a:xfrm>
+            <a:prstGeom prst="rightArrow">
+              <a:avLst/>
+            </a:prstGeom>
+            <a:solidFill>
+              <a:schemeClr val="tx1"/>
+            </a:solidFill>
+            <a:ln>
+              <a:solidFill>
+                <a:schemeClr val="tx1"/>
+              </a:solidFill>
+            </a:ln>
+          </p:spPr>
+          <p:style>
+            <a:lnRef idx="2">
+              <a:schemeClr val="accent1">
+                <a:shade val="50000"/>
+              </a:schemeClr>
+            </a:lnRef>
+            <a:fillRef idx="1">
+              <a:schemeClr val="accent1"/>
+            </a:fillRef>
+            <a:effectRef idx="0">
+              <a:schemeClr val="accent1"/>
+            </a:effectRef>
+            <a:fontRef idx="minor">
+              <a:schemeClr val="lt1"/>
+            </a:fontRef>
+          </p:style>
+          <p:txBody>
+            <a:bodyPr rtlCol="0" anchor="ctr"/>
+            <a:lstStyle/>
+            <a:p>
+              <a:pPr algn="ctr"/>
+              <a:endParaRPr kumimoji="1" lang="ja-JP" altLang="en-US"/>
+            </a:p>
+          </p:txBody>
+        </p:sp>
+        <p:pic>
+          <p:nvPicPr>
+            <p:cNvPr id="11" name="図 10" descr="コンピュータ, テーブル が含まれている画像&#10;&#10;自動的に生成された説明">
+              <a:extLst>
+                <a:ext uri="{FF2B5EF4-FFF2-40B4-BE49-F238E27FC236}">
+                  <a16:creationId xmlns:a16="http://schemas.microsoft.com/office/drawing/2014/main" id="{83836239-FBBD-483E-9DE7-60A5C2A333AB}"/>
+                </a:ext>
+              </a:extLst>
+            </p:cNvPr>
+            <p:cNvPicPr>
+              <a:picLocks noChangeAspect="1"/>
+            </p:cNvPicPr>
+            <p:nvPr/>
+          </p:nvPicPr>
+          <p:blipFill>
+            <a:blip r:embed="rId5">
+              <a:extLst>
+                <a:ext uri="{28A0092B-C50C-407E-A947-70E740481C1C}">
+                  <a14:useLocalDpi xmlns:a14="http://schemas.microsoft.com/office/drawing/2010/main" val="0"/>
+                </a:ext>
+              </a:extLst>
+            </a:blip>
+            <a:stretch>
+              <a:fillRect/>
+            </a:stretch>
+          </p:blipFill>
+          <p:spPr>
+            <a:xfrm>
+              <a:off x="7827435" y="3393285"/>
+              <a:ext cx="1253189" cy="1091841"/>
+            </a:xfrm>
+            <a:prstGeom prst="rect">
+              <a:avLst/>
+            </a:prstGeom>
+          </p:spPr>
+        </p:pic>
+        <p:sp>
+          <p:nvSpPr>
+            <p:cNvPr id="12" name="楕円 11">
+              <a:extLst>
+                <a:ext uri="{FF2B5EF4-FFF2-40B4-BE49-F238E27FC236}">
+                  <a16:creationId xmlns:a16="http://schemas.microsoft.com/office/drawing/2014/main" id="{98A857AB-2678-4481-BCDC-F4A1A9B16A31}"/>
+                </a:ext>
+              </a:extLst>
+            </p:cNvPr>
+            <p:cNvSpPr/>
+            <p:nvPr/>
+          </p:nvSpPr>
+          <p:spPr>
+            <a:xfrm>
+              <a:off x="8675149" y="3773324"/>
+              <a:ext cx="180000" cy="180000"/>
+            </a:xfrm>
+            <a:prstGeom prst="ellipse">
+              <a:avLst/>
+            </a:prstGeom>
+            <a:solidFill>
+              <a:srgbClr val="008000"/>
+            </a:solidFill>
+            <a:ln>
+              <a:solidFill>
+                <a:srgbClr val="008000"/>
+              </a:solidFill>
+            </a:ln>
+          </p:spPr>
+          <p:style>
+            <a:lnRef idx="2">
+              <a:schemeClr val="accent1">
+                <a:shade val="50000"/>
+              </a:schemeClr>
+            </a:lnRef>
+            <a:fillRef idx="1">
+              <a:schemeClr val="accent1"/>
+            </a:fillRef>
+            <a:effectRef idx="0">
+              <a:schemeClr val="accent1"/>
+            </a:effectRef>
+            <a:fontRef idx="minor">
+              <a:schemeClr val="lt1"/>
+            </a:fontRef>
+          </p:style>
+          <p:txBody>
+            <a:bodyPr rtlCol="0" anchor="ctr"/>
+            <a:lstStyle/>
+            <a:p>
+              <a:pPr algn="ctr"/>
+              <a:endParaRPr kumimoji="1" lang="ja-JP" altLang="en-US"/>
+            </a:p>
+          </p:txBody>
+        </p:sp>
+        <p:cxnSp>
+          <p:nvCxnSpPr>
+            <p:cNvPr id="13" name="直線矢印コネクタ 12">
+              <a:extLst>
+                <a:ext uri="{FF2B5EF4-FFF2-40B4-BE49-F238E27FC236}">
+                  <a16:creationId xmlns:a16="http://schemas.microsoft.com/office/drawing/2014/main" id="{06589C57-588F-4016-8BFF-95CAC3E247AA}"/>
+                </a:ext>
+              </a:extLst>
+            </p:cNvPr>
+            <p:cNvCxnSpPr>
+              <a:cxnSpLocks/>
+            </p:cNvCxnSpPr>
+            <p:nvPr/>
+          </p:nvCxnSpPr>
+          <p:spPr>
+            <a:xfrm>
+              <a:off x="3175817" y="5398111"/>
+              <a:ext cx="678426" cy="90000"/>
+            </a:xfrm>
+            <a:prstGeom prst="straightConnector1">
+              <a:avLst/>
+            </a:prstGeom>
+            <a:ln w="38100">
+              <a:solidFill>
+                <a:srgbClr val="FF0000"/>
+              </a:solidFill>
+              <a:tailEnd type="triangle"/>
+            </a:ln>
+          </p:spPr>
+          <p:style>
+            <a:lnRef idx="1">
+              <a:schemeClr val="accent1"/>
+            </a:lnRef>
+            <a:fillRef idx="0">
+              <a:schemeClr val="accent1"/>
+            </a:fillRef>
+            <a:effectRef idx="0">
+              <a:schemeClr val="accent1"/>
+            </a:effectRef>
+            <a:fontRef idx="minor">
+              <a:schemeClr val="tx1"/>
+            </a:fontRef>
+          </p:style>
+        </p:cxnSp>
+        <p:cxnSp>
+          <p:nvCxnSpPr>
+            <p:cNvPr id="14" name="直線矢印コネクタ 13">
+              <a:extLst>
+                <a:ext uri="{FF2B5EF4-FFF2-40B4-BE49-F238E27FC236}">
+                  <a16:creationId xmlns:a16="http://schemas.microsoft.com/office/drawing/2014/main" id="{845C624D-C4D1-49BD-A751-A645D9BDB1AA}"/>
+                </a:ext>
+              </a:extLst>
+            </p:cNvPr>
+            <p:cNvCxnSpPr>
+              <a:cxnSpLocks/>
+            </p:cNvCxnSpPr>
+            <p:nvPr/>
+          </p:nvCxnSpPr>
+          <p:spPr>
+            <a:xfrm flipH="1">
+              <a:off x="7932088" y="4023537"/>
+              <a:ext cx="720664" cy="881166"/>
+            </a:xfrm>
+            <a:prstGeom prst="straightConnector1">
+              <a:avLst/>
+            </a:prstGeom>
+            <a:ln w="38100">
+              <a:solidFill>
+                <a:srgbClr val="FF0000"/>
+              </a:solidFill>
+              <a:tailEnd type="triangle"/>
+            </a:ln>
+          </p:spPr>
+          <p:style>
+            <a:lnRef idx="1">
+              <a:schemeClr val="accent1"/>
+            </a:lnRef>
+            <a:fillRef idx="0">
+              <a:schemeClr val="accent1"/>
+            </a:fillRef>
+            <a:effectRef idx="0">
+              <a:schemeClr val="accent1"/>
+            </a:effectRef>
+            <a:fontRef idx="minor">
+              <a:schemeClr val="tx1"/>
+            </a:fontRef>
+          </p:style>
+        </p:cxnSp>
+        <p:pic>
+          <p:nvPicPr>
+            <p:cNvPr id="15" name="グラフィックス 14">
+              <a:extLst>
+                <a:ext uri="{FF2B5EF4-FFF2-40B4-BE49-F238E27FC236}">
+                  <a16:creationId xmlns:a16="http://schemas.microsoft.com/office/drawing/2014/main" id="{56D35E44-F9CF-42F1-9A83-4050BB2EAB12}"/>
+                </a:ext>
+              </a:extLst>
+            </p:cNvPr>
+            <p:cNvPicPr>
+              <a:picLocks noChangeAspect="1"/>
+            </p:cNvPicPr>
+            <p:nvPr/>
+          </p:nvPicPr>
+          <p:blipFill>
+            <a:blip r:embed="rId6">
+              <a:extLst>
+                <a:ext uri="{28A0092B-C50C-407E-A947-70E740481C1C}">
+                  <a14:useLocalDpi xmlns:a14="http://schemas.microsoft.com/office/drawing/2010/main" val="0"/>
+                </a:ext>
+                <a:ext uri="{96DAC541-7B7A-43D3-8B79-37D633B846F1}">
+                  <asvg:svgBlip xmlns:asvg="http://schemas.microsoft.com/office/drawing/2016/SVG/main" r:embed="rId7"/>
+                </a:ext>
+              </a:extLst>
+            </a:blip>
+            <a:stretch>
+              <a:fillRect/>
+            </a:stretch>
+          </p:blipFill>
+          <p:spPr>
+            <a:xfrm>
+              <a:off x="6720785" y="5012101"/>
+              <a:ext cx="1535579" cy="1146097"/>
+            </a:xfrm>
+            <a:prstGeom prst="rect">
+              <a:avLst/>
+            </a:prstGeom>
+          </p:spPr>
+        </p:pic>
+        <p:sp>
+          <p:nvSpPr>
+            <p:cNvPr id="16" name="テキスト ボックス 15">
+              <a:extLst>
+                <a:ext uri="{FF2B5EF4-FFF2-40B4-BE49-F238E27FC236}">
+                  <a16:creationId xmlns:a16="http://schemas.microsoft.com/office/drawing/2014/main" id="{DB287C32-6D01-4264-8A59-AB49698D8845}"/>
+                </a:ext>
+              </a:extLst>
+            </p:cNvPr>
+            <p:cNvSpPr txBox="1"/>
+            <p:nvPr/>
+          </p:nvSpPr>
+          <p:spPr>
+            <a:xfrm>
+              <a:off x="6830239" y="3509916"/>
+              <a:ext cx="1121513" cy="307777"/>
+            </a:xfrm>
+            <a:prstGeom prst="rect">
+              <a:avLst/>
+            </a:prstGeom>
+            <a:noFill/>
+          </p:spPr>
+          <p:txBody>
+            <a:bodyPr wrap="square" rtlCol="0">
+              <a:spAutoFit/>
+            </a:bodyPr>
+            <a:lstStyle/>
+            <a:p>
+              <a:pPr algn="ctr"/>
+              <a:r>
+                <a:rPr kumimoji="1" lang="ja-JP" altLang="en-US" sz="1400" dirty="0"/>
+                <a:t>色データ</a:t>
+              </a:r>
+            </a:p>
+          </p:txBody>
+        </p:sp>
+        <p:sp>
+          <p:nvSpPr>
+            <p:cNvPr id="17" name="テキスト ボックス 16">
+              <a:extLst>
+                <a:ext uri="{FF2B5EF4-FFF2-40B4-BE49-F238E27FC236}">
+                  <a16:creationId xmlns:a16="http://schemas.microsoft.com/office/drawing/2014/main" id="{31F957DC-53CE-4A1C-B23D-54A0833FBD12}"/>
+                </a:ext>
+              </a:extLst>
+            </p:cNvPr>
+            <p:cNvSpPr txBox="1"/>
+            <p:nvPr/>
+          </p:nvSpPr>
+          <p:spPr>
+            <a:xfrm>
+              <a:off x="5746955" y="5290995"/>
+              <a:ext cx="698090" cy="646331"/>
+            </a:xfrm>
+            <a:prstGeom prst="rect">
+              <a:avLst/>
+            </a:prstGeom>
+            <a:noFill/>
+          </p:spPr>
+          <p:txBody>
+            <a:bodyPr wrap="square" rtlCol="0">
+              <a:spAutoFit/>
+            </a:bodyPr>
+            <a:lstStyle/>
+            <a:p>
+              <a:pPr algn="ctr"/>
+              <a:r>
+                <a:rPr lang="en-US" altLang="ja-JP" sz="3600" b="1" dirty="0"/>
+                <a:t>=</a:t>
+              </a:r>
+              <a:endParaRPr kumimoji="1" lang="ja-JP" altLang="en-US" sz="3600" b="1" dirty="0"/>
+            </a:p>
+          </p:txBody>
+        </p:sp>
+      </p:grpSp>
+    </p:spTree>
+    <p:extLst>
+      <p:ext uri="{BB962C8B-B14F-4D97-AF65-F5344CB8AC3E}">
+        <p14:creationId xmlns:p14="http://schemas.microsoft.com/office/powerpoint/2010/main" val="1345168807"/>
+      </p:ext>
+    </p:extLst>
+  </p:cSld>
+  <p:clrMapOvr>
+    <a:masterClrMapping/>
+  </p:clrMapOvr>
+</p:sld>
+</file>
+
 <file path=ppt/theme/theme1.xml><?xml version="1.0" encoding="utf-8"?>
 <a:theme xmlns:a="http://schemas.openxmlformats.org/drawingml/2006/main" name="Office テーマ">
   <a:themeElements>

--- a/paper/pulse/figures/figures.pptx
+++ b/paper/pulse/figures/figures.pptx
@@ -8,6 +8,8 @@
     <p:sldId id="256" r:id="rId2"/>
     <p:sldId id="257" r:id="rId3"/>
     <p:sldId id="258" r:id="rId4"/>
+    <p:sldId id="259" r:id="rId5"/>
+    <p:sldId id="260" r:id="rId6"/>
   </p:sldIdLst>
   <p:sldSz cx="12192000" cy="6858000"/>
   <p:notesSz cx="6858000" cy="9144000"/>
@@ -261,7 +263,7 @@
           <a:p>
             <a:fld id="{C2C73DE5-1C8B-4475-AFC6-683C13AACC76}" type="datetimeFigureOut">
               <a:rPr kumimoji="1" lang="ja-JP" altLang="en-US" smtClean="0"/>
-              <a:t>2020/12/11</a:t>
+              <a:t>2020/12/20</a:t>
             </a:fld>
             <a:endParaRPr kumimoji="1" lang="ja-JP" altLang="en-US"/>
           </a:p>
@@ -491,7 +493,7 @@
           <a:p>
             <a:fld id="{C2C73DE5-1C8B-4475-AFC6-683C13AACC76}" type="datetimeFigureOut">
               <a:rPr kumimoji="1" lang="ja-JP" altLang="en-US" smtClean="0"/>
-              <a:t>2020/12/11</a:t>
+              <a:t>2020/12/20</a:t>
             </a:fld>
             <a:endParaRPr kumimoji="1" lang="ja-JP" altLang="en-US"/>
           </a:p>
@@ -731,7 +733,7 @@
           <a:p>
             <a:fld id="{C2C73DE5-1C8B-4475-AFC6-683C13AACC76}" type="datetimeFigureOut">
               <a:rPr kumimoji="1" lang="ja-JP" altLang="en-US" smtClean="0"/>
-              <a:t>2020/12/11</a:t>
+              <a:t>2020/12/20</a:t>
             </a:fld>
             <a:endParaRPr kumimoji="1" lang="ja-JP" altLang="en-US"/>
           </a:p>
@@ -961,7 +963,7 @@
           <a:p>
             <a:fld id="{C2C73DE5-1C8B-4475-AFC6-683C13AACC76}" type="datetimeFigureOut">
               <a:rPr kumimoji="1" lang="ja-JP" altLang="en-US" smtClean="0"/>
-              <a:t>2020/12/11</a:t>
+              <a:t>2020/12/20</a:t>
             </a:fld>
             <a:endParaRPr kumimoji="1" lang="ja-JP" altLang="en-US"/>
           </a:p>
@@ -1236,7 +1238,7 @@
           <a:p>
             <a:fld id="{C2C73DE5-1C8B-4475-AFC6-683C13AACC76}" type="datetimeFigureOut">
               <a:rPr kumimoji="1" lang="ja-JP" altLang="en-US" smtClean="0"/>
-              <a:t>2020/12/11</a:t>
+              <a:t>2020/12/20</a:t>
             </a:fld>
             <a:endParaRPr kumimoji="1" lang="ja-JP" altLang="en-US"/>
           </a:p>
@@ -1565,7 +1567,7 @@
           <a:p>
             <a:fld id="{C2C73DE5-1C8B-4475-AFC6-683C13AACC76}" type="datetimeFigureOut">
               <a:rPr kumimoji="1" lang="ja-JP" altLang="en-US" smtClean="0"/>
-              <a:t>2020/12/11</a:t>
+              <a:t>2020/12/20</a:t>
             </a:fld>
             <a:endParaRPr kumimoji="1" lang="ja-JP" altLang="en-US"/>
           </a:p>
@@ -2041,7 +2043,7 @@
           <a:p>
             <a:fld id="{C2C73DE5-1C8B-4475-AFC6-683C13AACC76}" type="datetimeFigureOut">
               <a:rPr kumimoji="1" lang="ja-JP" altLang="en-US" smtClean="0"/>
-              <a:t>2020/12/11</a:t>
+              <a:t>2020/12/20</a:t>
             </a:fld>
             <a:endParaRPr kumimoji="1" lang="ja-JP" altLang="en-US"/>
           </a:p>
@@ -2182,7 +2184,7 @@
           <a:p>
             <a:fld id="{C2C73DE5-1C8B-4475-AFC6-683C13AACC76}" type="datetimeFigureOut">
               <a:rPr kumimoji="1" lang="ja-JP" altLang="en-US" smtClean="0"/>
-              <a:t>2020/12/11</a:t>
+              <a:t>2020/12/20</a:t>
             </a:fld>
             <a:endParaRPr kumimoji="1" lang="ja-JP" altLang="en-US"/>
           </a:p>
@@ -2295,7 +2297,7 @@
           <a:p>
             <a:fld id="{C2C73DE5-1C8B-4475-AFC6-683C13AACC76}" type="datetimeFigureOut">
               <a:rPr kumimoji="1" lang="ja-JP" altLang="en-US" smtClean="0"/>
-              <a:t>2020/12/11</a:t>
+              <a:t>2020/12/20</a:t>
             </a:fld>
             <a:endParaRPr kumimoji="1" lang="ja-JP" altLang="en-US"/>
           </a:p>
@@ -2638,7 +2640,7 @@
           <a:p>
             <a:fld id="{C2C73DE5-1C8B-4475-AFC6-683C13AACC76}" type="datetimeFigureOut">
               <a:rPr kumimoji="1" lang="ja-JP" altLang="en-US" smtClean="0"/>
-              <a:t>2020/12/11</a:t>
+              <a:t>2020/12/20</a:t>
             </a:fld>
             <a:endParaRPr kumimoji="1" lang="ja-JP" altLang="en-US"/>
           </a:p>
@@ -2926,7 +2928,7 @@
           <a:p>
             <a:fld id="{C2C73DE5-1C8B-4475-AFC6-683C13AACC76}" type="datetimeFigureOut">
               <a:rPr kumimoji="1" lang="ja-JP" altLang="en-US" smtClean="0"/>
-              <a:t>2020/12/11</a:t>
+              <a:t>2020/12/20</a:t>
             </a:fld>
             <a:endParaRPr kumimoji="1" lang="ja-JP" altLang="en-US"/>
           </a:p>
@@ -3199,7 +3201,7 @@
           <a:p>
             <a:fld id="{C2C73DE5-1C8B-4475-AFC6-683C13AACC76}" type="datetimeFigureOut">
               <a:rPr kumimoji="1" lang="ja-JP" altLang="en-US" smtClean="0"/>
-              <a:t>2020/12/11</a:t>
+              <a:t>2020/12/20</a:t>
             </a:fld>
             <a:endParaRPr kumimoji="1" lang="ja-JP" altLang="en-US"/>
           </a:p>
@@ -5670,6 +5672,2041 @@
 </p:sld>
 </file>
 
+<file path=ppt/slides/slide4.xml><?xml version="1.0" encoding="utf-8"?>
+<p:sld xmlns:a="http://schemas.openxmlformats.org/drawingml/2006/main" xmlns:r="http://schemas.openxmlformats.org/officeDocument/2006/relationships" xmlns:p="http://schemas.openxmlformats.org/presentationml/2006/main">
+  <p:cSld>
+    <p:spTree>
+      <p:nvGrpSpPr>
+        <p:cNvPr id="1" name=""/>
+        <p:cNvGrpSpPr/>
+        <p:nvPr/>
+      </p:nvGrpSpPr>
+      <p:grpSpPr>
+        <a:xfrm>
+          <a:off x="0" y="0"/>
+          <a:ext cx="0" cy="0"/>
+          <a:chOff x="0" y="0"/>
+          <a:chExt cx="0" cy="0"/>
+        </a:xfrm>
+      </p:grpSpPr>
+      <p:grpSp>
+        <p:nvGrpSpPr>
+          <p:cNvPr id="84" name="グループ化 83">
+            <a:extLst>
+              <a:ext uri="{FF2B5EF4-FFF2-40B4-BE49-F238E27FC236}">
+                <a16:creationId xmlns:a16="http://schemas.microsoft.com/office/drawing/2014/main" id="{DEC96F78-D4B6-4A5C-B74B-AD5196DC0D60}"/>
+              </a:ext>
+            </a:extLst>
+          </p:cNvPr>
+          <p:cNvGrpSpPr/>
+          <p:nvPr/>
+        </p:nvGrpSpPr>
+        <p:grpSpPr>
+          <a:xfrm>
+            <a:off x="3689906" y="615392"/>
+            <a:ext cx="4581526" cy="5454221"/>
+            <a:chOff x="3689906" y="615392"/>
+            <a:chExt cx="4581526" cy="5454221"/>
+          </a:xfrm>
+        </p:grpSpPr>
+        <p:pic>
+          <p:nvPicPr>
+            <p:cNvPr id="65" name="グラフィックス 64">
+              <a:extLst>
+                <a:ext uri="{FF2B5EF4-FFF2-40B4-BE49-F238E27FC236}">
+                  <a16:creationId xmlns:a16="http://schemas.microsoft.com/office/drawing/2014/main" id="{620F3ACF-D8BA-410F-BBFA-9BAA6382856C}"/>
+                </a:ext>
+              </a:extLst>
+            </p:cNvPr>
+            <p:cNvPicPr>
+              <a:picLocks noChangeAspect="1"/>
+            </p:cNvPicPr>
+            <p:nvPr/>
+          </p:nvPicPr>
+          <p:blipFill rotWithShape="1">
+            <a:blip r:embed="rId2">
+              <a:extLst>
+                <a:ext uri="{28A0092B-C50C-407E-A947-70E740481C1C}">
+                  <a14:useLocalDpi xmlns:a14="http://schemas.microsoft.com/office/drawing/2010/main" val="0"/>
+                </a:ext>
+                <a:ext uri="{96DAC541-7B7A-43D3-8B79-37D633B846F1}">
+                  <asvg:svgBlip xmlns:asvg="http://schemas.microsoft.com/office/drawing/2016/SVG/main" r:embed="rId3"/>
+                </a:ext>
+              </a:extLst>
+            </a:blip>
+            <a:srcRect b="4287"/>
+            <a:stretch/>
+          </p:blipFill>
+          <p:spPr>
+            <a:xfrm>
+              <a:off x="3689907" y="615392"/>
+              <a:ext cx="4581525" cy="3272867"/>
+            </a:xfrm>
+            <a:prstGeom prst="rect">
+              <a:avLst/>
+            </a:prstGeom>
+          </p:spPr>
+        </p:pic>
+        <p:pic>
+          <p:nvPicPr>
+            <p:cNvPr id="67" name="グラフィックス 66">
+              <a:extLst>
+                <a:ext uri="{FF2B5EF4-FFF2-40B4-BE49-F238E27FC236}">
+                  <a16:creationId xmlns:a16="http://schemas.microsoft.com/office/drawing/2014/main" id="{1DB99B82-3BA9-4BB1-84BD-3844BD581D7F}"/>
+                </a:ext>
+              </a:extLst>
+            </p:cNvPr>
+            <p:cNvPicPr>
+              <a:picLocks noChangeAspect="1"/>
+            </p:cNvPicPr>
+            <p:nvPr/>
+          </p:nvPicPr>
+          <p:blipFill rotWithShape="1">
+            <a:blip r:embed="rId4">
+              <a:extLst>
+                <a:ext uri="{28A0092B-C50C-407E-A947-70E740481C1C}">
+                  <a14:useLocalDpi xmlns:a14="http://schemas.microsoft.com/office/drawing/2010/main" val="0"/>
+                </a:ext>
+                <a:ext uri="{96DAC541-7B7A-43D3-8B79-37D633B846F1}">
+                  <asvg:svgBlip xmlns:asvg="http://schemas.microsoft.com/office/drawing/2016/SVG/main" r:embed="rId5"/>
+                </a:ext>
+              </a:extLst>
+            </a:blip>
+            <a:srcRect t="4287"/>
+            <a:stretch/>
+          </p:blipFill>
+          <p:spPr>
+            <a:xfrm>
+              <a:off x="3689906" y="2796746"/>
+              <a:ext cx="4581525" cy="3272867"/>
+            </a:xfrm>
+            <a:prstGeom prst="rect">
+              <a:avLst/>
+            </a:prstGeom>
+          </p:spPr>
+        </p:pic>
+        <p:cxnSp>
+          <p:nvCxnSpPr>
+            <p:cNvPr id="69" name="直線コネクタ 68">
+              <a:extLst>
+                <a:ext uri="{FF2B5EF4-FFF2-40B4-BE49-F238E27FC236}">
+                  <a16:creationId xmlns:a16="http://schemas.microsoft.com/office/drawing/2014/main" id="{4D9AEE40-2BC2-45D4-86E4-AEF91ABE4041}"/>
+                </a:ext>
+              </a:extLst>
+            </p:cNvPr>
+            <p:cNvCxnSpPr/>
+            <p:nvPr/>
+          </p:nvCxnSpPr>
+          <p:spPr>
+            <a:xfrm>
+              <a:off x="4020065" y="1037968"/>
+              <a:ext cx="0" cy="2026508"/>
+            </a:xfrm>
+            <a:prstGeom prst="line">
+              <a:avLst/>
+            </a:prstGeom>
+            <a:ln w="19050">
+              <a:solidFill>
+                <a:schemeClr val="tx1"/>
+              </a:solidFill>
+              <a:prstDash val="dash"/>
+            </a:ln>
+          </p:spPr>
+          <p:style>
+            <a:lnRef idx="1">
+              <a:schemeClr val="accent1"/>
+            </a:lnRef>
+            <a:fillRef idx="0">
+              <a:schemeClr val="accent1"/>
+            </a:fillRef>
+            <a:effectRef idx="0">
+              <a:schemeClr val="accent1"/>
+            </a:effectRef>
+            <a:fontRef idx="minor">
+              <a:schemeClr val="tx1"/>
+            </a:fontRef>
+          </p:style>
+        </p:cxnSp>
+        <p:cxnSp>
+          <p:nvCxnSpPr>
+            <p:cNvPr id="70" name="直線コネクタ 69">
+              <a:extLst>
+                <a:ext uri="{FF2B5EF4-FFF2-40B4-BE49-F238E27FC236}">
+                  <a16:creationId xmlns:a16="http://schemas.microsoft.com/office/drawing/2014/main" id="{4EF93F25-F101-4C8E-8A74-2E7F099070DE}"/>
+                </a:ext>
+              </a:extLst>
+            </p:cNvPr>
+            <p:cNvCxnSpPr/>
+            <p:nvPr/>
+          </p:nvCxnSpPr>
+          <p:spPr>
+            <a:xfrm>
+              <a:off x="4618800" y="844378"/>
+              <a:ext cx="0" cy="2026508"/>
+            </a:xfrm>
+            <a:prstGeom prst="line">
+              <a:avLst/>
+            </a:prstGeom>
+            <a:ln w="19050">
+              <a:solidFill>
+                <a:schemeClr val="tx1"/>
+              </a:solidFill>
+              <a:prstDash val="dash"/>
+            </a:ln>
+          </p:spPr>
+          <p:style>
+            <a:lnRef idx="1">
+              <a:schemeClr val="accent1"/>
+            </a:lnRef>
+            <a:fillRef idx="0">
+              <a:schemeClr val="accent1"/>
+            </a:fillRef>
+            <a:effectRef idx="0">
+              <a:schemeClr val="accent1"/>
+            </a:effectRef>
+            <a:fontRef idx="minor">
+              <a:schemeClr val="tx1"/>
+            </a:fontRef>
+          </p:style>
+        </p:cxnSp>
+        <p:cxnSp>
+          <p:nvCxnSpPr>
+            <p:cNvPr id="71" name="直線コネクタ 70">
+              <a:extLst>
+                <a:ext uri="{FF2B5EF4-FFF2-40B4-BE49-F238E27FC236}">
+                  <a16:creationId xmlns:a16="http://schemas.microsoft.com/office/drawing/2014/main" id="{55CCC8AE-0833-434F-8110-3380B46A12A1}"/>
+                </a:ext>
+              </a:extLst>
+            </p:cNvPr>
+            <p:cNvCxnSpPr/>
+            <p:nvPr/>
+          </p:nvCxnSpPr>
+          <p:spPr>
+            <a:xfrm>
+              <a:off x="5230800" y="893543"/>
+              <a:ext cx="0" cy="2026508"/>
+            </a:xfrm>
+            <a:prstGeom prst="line">
+              <a:avLst/>
+            </a:prstGeom>
+            <a:ln w="19050">
+              <a:solidFill>
+                <a:schemeClr val="tx1"/>
+              </a:solidFill>
+              <a:prstDash val="dash"/>
+            </a:ln>
+          </p:spPr>
+          <p:style>
+            <a:lnRef idx="1">
+              <a:schemeClr val="accent1"/>
+            </a:lnRef>
+            <a:fillRef idx="0">
+              <a:schemeClr val="accent1"/>
+            </a:fillRef>
+            <a:effectRef idx="0">
+              <a:schemeClr val="accent1"/>
+            </a:effectRef>
+            <a:fontRef idx="minor">
+              <a:schemeClr val="tx1"/>
+            </a:fontRef>
+          </p:style>
+        </p:cxnSp>
+        <p:cxnSp>
+          <p:nvCxnSpPr>
+            <p:cNvPr id="72" name="直線コネクタ 71">
+              <a:extLst>
+                <a:ext uri="{FF2B5EF4-FFF2-40B4-BE49-F238E27FC236}">
+                  <a16:creationId xmlns:a16="http://schemas.microsoft.com/office/drawing/2014/main" id="{33642976-FC21-4FFE-8FE6-A7234F1322EF}"/>
+                </a:ext>
+              </a:extLst>
+            </p:cNvPr>
+            <p:cNvCxnSpPr>
+              <a:cxnSpLocks/>
+            </p:cNvCxnSpPr>
+            <p:nvPr/>
+          </p:nvCxnSpPr>
+          <p:spPr>
+            <a:xfrm>
+              <a:off x="5865077" y="908442"/>
+              <a:ext cx="0" cy="2026508"/>
+            </a:xfrm>
+            <a:prstGeom prst="line">
+              <a:avLst/>
+            </a:prstGeom>
+            <a:ln w="19050">
+              <a:solidFill>
+                <a:schemeClr val="tx1"/>
+              </a:solidFill>
+              <a:prstDash val="dash"/>
+            </a:ln>
+          </p:spPr>
+          <p:style>
+            <a:lnRef idx="1">
+              <a:schemeClr val="accent1"/>
+            </a:lnRef>
+            <a:fillRef idx="0">
+              <a:schemeClr val="accent1"/>
+            </a:fillRef>
+            <a:effectRef idx="0">
+              <a:schemeClr val="accent1"/>
+            </a:effectRef>
+            <a:fontRef idx="minor">
+              <a:schemeClr val="tx1"/>
+            </a:fontRef>
+          </p:style>
+        </p:cxnSp>
+        <p:cxnSp>
+          <p:nvCxnSpPr>
+            <p:cNvPr id="74" name="直線コネクタ 73">
+              <a:extLst>
+                <a:ext uri="{FF2B5EF4-FFF2-40B4-BE49-F238E27FC236}">
+                  <a16:creationId xmlns:a16="http://schemas.microsoft.com/office/drawing/2014/main" id="{C1F93743-DCDE-41F0-A498-4737837E6B2D}"/>
+                </a:ext>
+              </a:extLst>
+            </p:cNvPr>
+            <p:cNvCxnSpPr/>
+            <p:nvPr/>
+          </p:nvCxnSpPr>
+          <p:spPr>
+            <a:xfrm>
+              <a:off x="6458464" y="1057424"/>
+              <a:ext cx="0" cy="2026508"/>
+            </a:xfrm>
+            <a:prstGeom prst="line">
+              <a:avLst/>
+            </a:prstGeom>
+            <a:ln w="19050">
+              <a:solidFill>
+                <a:schemeClr val="tx1"/>
+              </a:solidFill>
+              <a:prstDash val="dash"/>
+            </a:ln>
+          </p:spPr>
+          <p:style>
+            <a:lnRef idx="1">
+              <a:schemeClr val="accent1"/>
+            </a:lnRef>
+            <a:fillRef idx="0">
+              <a:schemeClr val="accent1"/>
+            </a:fillRef>
+            <a:effectRef idx="0">
+              <a:schemeClr val="accent1"/>
+            </a:effectRef>
+            <a:fontRef idx="minor">
+              <a:schemeClr val="tx1"/>
+            </a:fontRef>
+          </p:style>
+        </p:cxnSp>
+        <p:cxnSp>
+          <p:nvCxnSpPr>
+            <p:cNvPr id="75" name="直線コネクタ 74">
+              <a:extLst>
+                <a:ext uri="{FF2B5EF4-FFF2-40B4-BE49-F238E27FC236}">
+                  <a16:creationId xmlns:a16="http://schemas.microsoft.com/office/drawing/2014/main" id="{83981145-5F7A-46AA-96C9-E4EC78B8691D}"/>
+                </a:ext>
+              </a:extLst>
+            </p:cNvPr>
+            <p:cNvCxnSpPr/>
+            <p:nvPr/>
+          </p:nvCxnSpPr>
+          <p:spPr>
+            <a:xfrm>
+              <a:off x="7110218" y="1000550"/>
+              <a:ext cx="0" cy="2026508"/>
+            </a:xfrm>
+            <a:prstGeom prst="line">
+              <a:avLst/>
+            </a:prstGeom>
+            <a:ln w="19050">
+              <a:solidFill>
+                <a:schemeClr val="tx1"/>
+              </a:solidFill>
+              <a:prstDash val="dash"/>
+            </a:ln>
+          </p:spPr>
+          <p:style>
+            <a:lnRef idx="1">
+              <a:schemeClr val="accent1"/>
+            </a:lnRef>
+            <a:fillRef idx="0">
+              <a:schemeClr val="accent1"/>
+            </a:fillRef>
+            <a:effectRef idx="0">
+              <a:schemeClr val="accent1"/>
+            </a:effectRef>
+            <a:fontRef idx="minor">
+              <a:schemeClr val="tx1"/>
+            </a:fontRef>
+          </p:style>
+        </p:cxnSp>
+        <p:cxnSp>
+          <p:nvCxnSpPr>
+            <p:cNvPr id="76" name="直線コネクタ 75">
+              <a:extLst>
+                <a:ext uri="{FF2B5EF4-FFF2-40B4-BE49-F238E27FC236}">
+                  <a16:creationId xmlns:a16="http://schemas.microsoft.com/office/drawing/2014/main" id="{C0090B9C-8177-4F9B-8BA3-C307B0A8029E}"/>
+                </a:ext>
+              </a:extLst>
+            </p:cNvPr>
+            <p:cNvCxnSpPr/>
+            <p:nvPr/>
+          </p:nvCxnSpPr>
+          <p:spPr>
+            <a:xfrm>
+              <a:off x="7761971" y="990822"/>
+              <a:ext cx="0" cy="2026508"/>
+            </a:xfrm>
+            <a:prstGeom prst="line">
+              <a:avLst/>
+            </a:prstGeom>
+            <a:ln w="19050">
+              <a:solidFill>
+                <a:schemeClr val="tx1"/>
+              </a:solidFill>
+              <a:prstDash val="dash"/>
+            </a:ln>
+          </p:spPr>
+          <p:style>
+            <a:lnRef idx="1">
+              <a:schemeClr val="accent1"/>
+            </a:lnRef>
+            <a:fillRef idx="0">
+              <a:schemeClr val="accent1"/>
+            </a:fillRef>
+            <a:effectRef idx="0">
+              <a:schemeClr val="accent1"/>
+            </a:effectRef>
+            <a:fontRef idx="minor">
+              <a:schemeClr val="tx1"/>
+            </a:fontRef>
+          </p:style>
+        </p:cxnSp>
+        <p:cxnSp>
+          <p:nvCxnSpPr>
+            <p:cNvPr id="77" name="直線コネクタ 76">
+              <a:extLst>
+                <a:ext uri="{FF2B5EF4-FFF2-40B4-BE49-F238E27FC236}">
+                  <a16:creationId xmlns:a16="http://schemas.microsoft.com/office/drawing/2014/main" id="{95922AAB-00B1-4FAF-848F-F4E606FA7FDA}"/>
+                </a:ext>
+              </a:extLst>
+            </p:cNvPr>
+            <p:cNvCxnSpPr/>
+            <p:nvPr/>
+          </p:nvCxnSpPr>
+          <p:spPr>
+            <a:xfrm>
+              <a:off x="4143282" y="3859075"/>
+              <a:ext cx="0" cy="2026508"/>
+            </a:xfrm>
+            <a:prstGeom prst="line">
+              <a:avLst/>
+            </a:prstGeom>
+            <a:ln w="19050">
+              <a:solidFill>
+                <a:schemeClr val="tx1"/>
+              </a:solidFill>
+              <a:prstDash val="dash"/>
+            </a:ln>
+          </p:spPr>
+          <p:style>
+            <a:lnRef idx="1">
+              <a:schemeClr val="accent1"/>
+            </a:lnRef>
+            <a:fillRef idx="0">
+              <a:schemeClr val="accent1"/>
+            </a:fillRef>
+            <a:effectRef idx="0">
+              <a:schemeClr val="accent1"/>
+            </a:effectRef>
+            <a:fontRef idx="minor">
+              <a:schemeClr val="tx1"/>
+            </a:fontRef>
+          </p:style>
+        </p:cxnSp>
+        <p:cxnSp>
+          <p:nvCxnSpPr>
+            <p:cNvPr id="78" name="直線コネクタ 77">
+              <a:extLst>
+                <a:ext uri="{FF2B5EF4-FFF2-40B4-BE49-F238E27FC236}">
+                  <a16:creationId xmlns:a16="http://schemas.microsoft.com/office/drawing/2014/main" id="{BA3CCD12-D4C4-4BFD-8DFF-6423D7E32612}"/>
+                </a:ext>
+              </a:extLst>
+            </p:cNvPr>
+            <p:cNvCxnSpPr/>
+            <p:nvPr/>
+          </p:nvCxnSpPr>
+          <p:spPr>
+            <a:xfrm>
+              <a:off x="4746396" y="3729287"/>
+              <a:ext cx="0" cy="2026508"/>
+            </a:xfrm>
+            <a:prstGeom prst="line">
+              <a:avLst/>
+            </a:prstGeom>
+            <a:ln w="19050">
+              <a:solidFill>
+                <a:schemeClr val="tx1"/>
+              </a:solidFill>
+              <a:prstDash val="dash"/>
+            </a:ln>
+          </p:spPr>
+          <p:style>
+            <a:lnRef idx="1">
+              <a:schemeClr val="accent1"/>
+            </a:lnRef>
+            <a:fillRef idx="0">
+              <a:schemeClr val="accent1"/>
+            </a:fillRef>
+            <a:effectRef idx="0">
+              <a:schemeClr val="accent1"/>
+            </a:effectRef>
+            <a:fontRef idx="minor">
+              <a:schemeClr val="tx1"/>
+            </a:fontRef>
+          </p:style>
+        </p:cxnSp>
+        <p:cxnSp>
+          <p:nvCxnSpPr>
+            <p:cNvPr id="79" name="直線コネクタ 78">
+              <a:extLst>
+                <a:ext uri="{FF2B5EF4-FFF2-40B4-BE49-F238E27FC236}">
+                  <a16:creationId xmlns:a16="http://schemas.microsoft.com/office/drawing/2014/main" id="{55730C62-C2F1-4E25-8DA6-77E918B99987}"/>
+                </a:ext>
+              </a:extLst>
+            </p:cNvPr>
+            <p:cNvCxnSpPr/>
+            <p:nvPr/>
+          </p:nvCxnSpPr>
+          <p:spPr>
+            <a:xfrm>
+              <a:off x="5368967" y="3689148"/>
+              <a:ext cx="0" cy="2026508"/>
+            </a:xfrm>
+            <a:prstGeom prst="line">
+              <a:avLst/>
+            </a:prstGeom>
+            <a:ln w="19050">
+              <a:solidFill>
+                <a:schemeClr val="tx1"/>
+              </a:solidFill>
+              <a:prstDash val="dash"/>
+            </a:ln>
+          </p:spPr>
+          <p:style>
+            <a:lnRef idx="1">
+              <a:schemeClr val="accent1"/>
+            </a:lnRef>
+            <a:fillRef idx="0">
+              <a:schemeClr val="accent1"/>
+            </a:fillRef>
+            <a:effectRef idx="0">
+              <a:schemeClr val="accent1"/>
+            </a:effectRef>
+            <a:fontRef idx="minor">
+              <a:schemeClr val="tx1"/>
+            </a:fontRef>
+          </p:style>
+        </p:cxnSp>
+        <p:cxnSp>
+          <p:nvCxnSpPr>
+            <p:cNvPr id="80" name="直線コネクタ 79">
+              <a:extLst>
+                <a:ext uri="{FF2B5EF4-FFF2-40B4-BE49-F238E27FC236}">
+                  <a16:creationId xmlns:a16="http://schemas.microsoft.com/office/drawing/2014/main" id="{AEF8A3B2-A621-4670-A9F6-0F4F14C9CAC5}"/>
+                </a:ext>
+              </a:extLst>
+            </p:cNvPr>
+            <p:cNvCxnSpPr/>
+            <p:nvPr/>
+          </p:nvCxnSpPr>
+          <p:spPr>
+            <a:xfrm>
+              <a:off x="6000124" y="3729287"/>
+              <a:ext cx="0" cy="2026508"/>
+            </a:xfrm>
+            <a:prstGeom prst="line">
+              <a:avLst/>
+            </a:prstGeom>
+            <a:ln w="19050">
+              <a:solidFill>
+                <a:schemeClr val="tx1"/>
+              </a:solidFill>
+              <a:prstDash val="dash"/>
+            </a:ln>
+          </p:spPr>
+          <p:style>
+            <a:lnRef idx="1">
+              <a:schemeClr val="accent1"/>
+            </a:lnRef>
+            <a:fillRef idx="0">
+              <a:schemeClr val="accent1"/>
+            </a:fillRef>
+            <a:effectRef idx="0">
+              <a:schemeClr val="accent1"/>
+            </a:effectRef>
+            <a:fontRef idx="minor">
+              <a:schemeClr val="tx1"/>
+            </a:fontRef>
+          </p:style>
+        </p:cxnSp>
+        <p:cxnSp>
+          <p:nvCxnSpPr>
+            <p:cNvPr id="81" name="直線コネクタ 80">
+              <a:extLst>
+                <a:ext uri="{FF2B5EF4-FFF2-40B4-BE49-F238E27FC236}">
+                  <a16:creationId xmlns:a16="http://schemas.microsoft.com/office/drawing/2014/main" id="{4866F65D-AAED-4147-8980-65BD5E33ABEB}"/>
+                </a:ext>
+              </a:extLst>
+            </p:cNvPr>
+            <p:cNvCxnSpPr/>
+            <p:nvPr/>
+          </p:nvCxnSpPr>
+          <p:spPr>
+            <a:xfrm>
+              <a:off x="6594652" y="3719559"/>
+              <a:ext cx="0" cy="2026508"/>
+            </a:xfrm>
+            <a:prstGeom prst="line">
+              <a:avLst/>
+            </a:prstGeom>
+            <a:ln w="19050">
+              <a:solidFill>
+                <a:schemeClr val="tx1"/>
+              </a:solidFill>
+              <a:prstDash val="dash"/>
+            </a:ln>
+          </p:spPr>
+          <p:style>
+            <a:lnRef idx="1">
+              <a:schemeClr val="accent1"/>
+            </a:lnRef>
+            <a:fillRef idx="0">
+              <a:schemeClr val="accent1"/>
+            </a:fillRef>
+            <a:effectRef idx="0">
+              <a:schemeClr val="accent1"/>
+            </a:effectRef>
+            <a:fontRef idx="minor">
+              <a:schemeClr val="tx1"/>
+            </a:fontRef>
+          </p:style>
+        </p:cxnSp>
+        <p:cxnSp>
+          <p:nvCxnSpPr>
+            <p:cNvPr id="82" name="直線コネクタ 81">
+              <a:extLst>
+                <a:ext uri="{FF2B5EF4-FFF2-40B4-BE49-F238E27FC236}">
+                  <a16:creationId xmlns:a16="http://schemas.microsoft.com/office/drawing/2014/main" id="{76812661-1A62-41E0-AB7D-DEE16F9CF0D8}"/>
+                </a:ext>
+              </a:extLst>
+            </p:cNvPr>
+            <p:cNvCxnSpPr/>
+            <p:nvPr/>
+          </p:nvCxnSpPr>
+          <p:spPr>
+            <a:xfrm>
+              <a:off x="7236678" y="3622284"/>
+              <a:ext cx="0" cy="2026508"/>
+            </a:xfrm>
+            <a:prstGeom prst="line">
+              <a:avLst/>
+            </a:prstGeom>
+            <a:ln w="19050">
+              <a:solidFill>
+                <a:schemeClr val="tx1"/>
+              </a:solidFill>
+              <a:prstDash val="dash"/>
+            </a:ln>
+          </p:spPr>
+          <p:style>
+            <a:lnRef idx="1">
+              <a:schemeClr val="accent1"/>
+            </a:lnRef>
+            <a:fillRef idx="0">
+              <a:schemeClr val="accent1"/>
+            </a:fillRef>
+            <a:effectRef idx="0">
+              <a:schemeClr val="accent1"/>
+            </a:effectRef>
+            <a:fontRef idx="minor">
+              <a:schemeClr val="tx1"/>
+            </a:fontRef>
+          </p:style>
+        </p:cxnSp>
+        <p:cxnSp>
+          <p:nvCxnSpPr>
+            <p:cNvPr id="83" name="直線コネクタ 82">
+              <a:extLst>
+                <a:ext uri="{FF2B5EF4-FFF2-40B4-BE49-F238E27FC236}">
+                  <a16:creationId xmlns:a16="http://schemas.microsoft.com/office/drawing/2014/main" id="{3EEB77DB-279C-4387-85FC-8FCDE6FDCA3E}"/>
+                </a:ext>
+              </a:extLst>
+            </p:cNvPr>
+            <p:cNvCxnSpPr/>
+            <p:nvPr/>
+          </p:nvCxnSpPr>
+          <p:spPr>
+            <a:xfrm>
+              <a:off x="7898159" y="3674864"/>
+              <a:ext cx="0" cy="2026508"/>
+            </a:xfrm>
+            <a:prstGeom prst="line">
+              <a:avLst/>
+            </a:prstGeom>
+            <a:ln w="19050">
+              <a:solidFill>
+                <a:schemeClr val="tx1"/>
+              </a:solidFill>
+              <a:prstDash val="dash"/>
+            </a:ln>
+          </p:spPr>
+          <p:style>
+            <a:lnRef idx="1">
+              <a:schemeClr val="accent1"/>
+            </a:lnRef>
+            <a:fillRef idx="0">
+              <a:schemeClr val="accent1"/>
+            </a:fillRef>
+            <a:effectRef idx="0">
+              <a:schemeClr val="accent1"/>
+            </a:effectRef>
+            <a:fontRef idx="minor">
+              <a:schemeClr val="tx1"/>
+            </a:fontRef>
+          </p:style>
+        </p:cxnSp>
+      </p:grpSp>
+      <p:pic>
+        <p:nvPicPr>
+          <p:cNvPr id="89" name="図 88">
+            <a:extLst>
+              <a:ext uri="{FF2B5EF4-FFF2-40B4-BE49-F238E27FC236}">
+                <a16:creationId xmlns:a16="http://schemas.microsoft.com/office/drawing/2014/main" id="{C8C12926-DAB3-4282-A9C2-B018448FE76D}"/>
+              </a:ext>
+            </a:extLst>
+          </p:cNvPr>
+          <p:cNvPicPr>
+            <a:picLocks noChangeAspect="1"/>
+          </p:cNvPicPr>
+          <p:nvPr/>
+        </p:nvPicPr>
+        <p:blipFill>
+          <a:blip r:embed="rId6"/>
+          <a:stretch>
+            <a:fillRect/>
+          </a:stretch>
+        </p:blipFill>
+        <p:spPr>
+          <a:xfrm>
+            <a:off x="841220" y="715727"/>
+            <a:ext cx="1633870" cy="5169856"/>
+          </a:xfrm>
+          <a:prstGeom prst="rect">
+            <a:avLst/>
+          </a:prstGeom>
+        </p:spPr>
+      </p:pic>
+    </p:spTree>
+    <p:extLst>
+      <p:ext uri="{BB962C8B-B14F-4D97-AF65-F5344CB8AC3E}">
+        <p14:creationId xmlns:p14="http://schemas.microsoft.com/office/powerpoint/2010/main" val="1277876224"/>
+      </p:ext>
+    </p:extLst>
+  </p:cSld>
+  <p:clrMapOvr>
+    <a:masterClrMapping/>
+  </p:clrMapOvr>
+</p:sld>
+</file>
+
+<file path=ppt/slides/slide5.xml><?xml version="1.0" encoding="utf-8"?>
+<p:sld xmlns:a="http://schemas.openxmlformats.org/drawingml/2006/main" xmlns:r="http://schemas.openxmlformats.org/officeDocument/2006/relationships" xmlns:p="http://schemas.openxmlformats.org/presentationml/2006/main">
+  <p:cSld>
+    <p:spTree>
+      <p:nvGrpSpPr>
+        <p:cNvPr id="1" name=""/>
+        <p:cNvGrpSpPr/>
+        <p:nvPr/>
+      </p:nvGrpSpPr>
+      <p:grpSpPr>
+        <a:xfrm>
+          <a:off x="0" y="0"/>
+          <a:ext cx="0" cy="0"/>
+          <a:chOff x="0" y="0"/>
+          <a:chExt cx="0" cy="0"/>
+        </a:xfrm>
+      </p:grpSpPr>
+      <p:grpSp>
+        <p:nvGrpSpPr>
+          <p:cNvPr id="82" name="グループ化 81">
+            <a:extLst>
+              <a:ext uri="{FF2B5EF4-FFF2-40B4-BE49-F238E27FC236}">
+                <a16:creationId xmlns:a16="http://schemas.microsoft.com/office/drawing/2014/main" id="{E941B1DC-4FE8-4E68-B5D6-0F77DB1B1275}"/>
+              </a:ext>
+            </a:extLst>
+          </p:cNvPr>
+          <p:cNvGrpSpPr/>
+          <p:nvPr/>
+        </p:nvGrpSpPr>
+        <p:grpSpPr>
+          <a:xfrm>
+            <a:off x="2307254" y="4829049"/>
+            <a:ext cx="5465349" cy="1880433"/>
+            <a:chOff x="3076023" y="3023664"/>
+            <a:chExt cx="5465349" cy="1880433"/>
+          </a:xfrm>
+        </p:grpSpPr>
+        <p:sp>
+          <p:nvSpPr>
+            <p:cNvPr id="75" name="円弧 74">
+              <a:extLst>
+                <a:ext uri="{FF2B5EF4-FFF2-40B4-BE49-F238E27FC236}">
+                  <a16:creationId xmlns:a16="http://schemas.microsoft.com/office/drawing/2014/main" id="{F2143E81-5876-486C-BBCA-498F8398B66E}"/>
+                </a:ext>
+              </a:extLst>
+            </p:cNvPr>
+            <p:cNvSpPr/>
+            <p:nvPr/>
+          </p:nvSpPr>
+          <p:spPr>
+            <a:xfrm rot="5400000">
+              <a:off x="4866121" y="1322825"/>
+              <a:ext cx="1880433" cy="5282111"/>
+            </a:xfrm>
+            <a:prstGeom prst="arc">
+              <a:avLst>
+                <a:gd name="adj1" fmla="val 16200000"/>
+                <a:gd name="adj2" fmla="val 5414027"/>
+              </a:avLst>
+            </a:prstGeom>
+            <a:ln w="25400">
+              <a:solidFill>
+                <a:schemeClr val="tx1"/>
+              </a:solidFill>
+            </a:ln>
+          </p:spPr>
+          <p:style>
+            <a:lnRef idx="1">
+              <a:schemeClr val="accent1"/>
+            </a:lnRef>
+            <a:fillRef idx="0">
+              <a:schemeClr val="accent1"/>
+            </a:fillRef>
+            <a:effectRef idx="0">
+              <a:schemeClr val="accent1"/>
+            </a:effectRef>
+            <a:fontRef idx="minor">
+              <a:schemeClr val="tx1"/>
+            </a:fontRef>
+          </p:style>
+          <p:txBody>
+            <a:bodyPr rtlCol="0" anchor="ctr"/>
+            <a:lstStyle/>
+            <a:p>
+              <a:pPr algn="ctr"/>
+              <a:endParaRPr kumimoji="1" lang="ja-JP" altLang="en-US"/>
+            </a:p>
+          </p:txBody>
+        </p:sp>
+        <p:sp>
+          <p:nvSpPr>
+            <p:cNvPr id="78" name="二等辺三角形 77">
+              <a:extLst>
+                <a:ext uri="{FF2B5EF4-FFF2-40B4-BE49-F238E27FC236}">
+                  <a16:creationId xmlns:a16="http://schemas.microsoft.com/office/drawing/2014/main" id="{BEEF461A-5A29-435A-A2A6-9698F5A31A7B}"/>
+                </a:ext>
+              </a:extLst>
+            </p:cNvPr>
+            <p:cNvSpPr/>
+            <p:nvPr/>
+          </p:nvSpPr>
+          <p:spPr>
+            <a:xfrm>
+              <a:off x="3076023" y="3853900"/>
+              <a:ext cx="178517" cy="155643"/>
+            </a:xfrm>
+            <a:prstGeom prst="triangle">
+              <a:avLst/>
+            </a:prstGeom>
+            <a:solidFill>
+              <a:schemeClr val="tx1"/>
+            </a:solidFill>
+            <a:ln>
+              <a:solidFill>
+                <a:schemeClr val="tx1"/>
+              </a:solidFill>
+            </a:ln>
+          </p:spPr>
+          <p:style>
+            <a:lnRef idx="2">
+              <a:schemeClr val="accent1">
+                <a:shade val="50000"/>
+              </a:schemeClr>
+            </a:lnRef>
+            <a:fillRef idx="1">
+              <a:schemeClr val="accent1"/>
+            </a:fillRef>
+            <a:effectRef idx="0">
+              <a:schemeClr val="accent1"/>
+            </a:effectRef>
+            <a:fontRef idx="minor">
+              <a:schemeClr val="lt1"/>
+            </a:fontRef>
+          </p:style>
+          <p:txBody>
+            <a:bodyPr rtlCol="0" anchor="ctr"/>
+            <a:lstStyle/>
+            <a:p>
+              <a:pPr algn="ctr"/>
+              <a:endParaRPr kumimoji="1" lang="ja-JP" altLang="en-US"/>
+            </a:p>
+          </p:txBody>
+        </p:sp>
+        <p:sp>
+          <p:nvSpPr>
+            <p:cNvPr id="79" name="二等辺三角形 78">
+              <a:extLst>
+                <a:ext uri="{FF2B5EF4-FFF2-40B4-BE49-F238E27FC236}">
+                  <a16:creationId xmlns:a16="http://schemas.microsoft.com/office/drawing/2014/main" id="{0797A4ED-D30F-465F-8703-76EE060D8237}"/>
+                </a:ext>
+              </a:extLst>
+            </p:cNvPr>
+            <p:cNvSpPr/>
+            <p:nvPr/>
+          </p:nvSpPr>
+          <p:spPr>
+            <a:xfrm>
+              <a:off x="8362855" y="3853899"/>
+              <a:ext cx="178517" cy="155643"/>
+            </a:xfrm>
+            <a:prstGeom prst="triangle">
+              <a:avLst/>
+            </a:prstGeom>
+            <a:solidFill>
+              <a:schemeClr val="tx1"/>
+            </a:solidFill>
+            <a:ln>
+              <a:solidFill>
+                <a:schemeClr val="tx1"/>
+              </a:solidFill>
+            </a:ln>
+          </p:spPr>
+          <p:style>
+            <a:lnRef idx="2">
+              <a:schemeClr val="accent1">
+                <a:shade val="50000"/>
+              </a:schemeClr>
+            </a:lnRef>
+            <a:fillRef idx="1">
+              <a:schemeClr val="accent1"/>
+            </a:fillRef>
+            <a:effectRef idx="0">
+              <a:schemeClr val="accent1"/>
+            </a:effectRef>
+            <a:fontRef idx="minor">
+              <a:schemeClr val="lt1"/>
+            </a:fontRef>
+          </p:style>
+          <p:txBody>
+            <a:bodyPr rtlCol="0" anchor="ctr"/>
+            <a:lstStyle/>
+            <a:p>
+              <a:pPr algn="ctr"/>
+              <a:endParaRPr kumimoji="1" lang="ja-JP" altLang="en-US"/>
+            </a:p>
+          </p:txBody>
+        </p:sp>
+        <p:sp>
+          <p:nvSpPr>
+            <p:cNvPr id="81" name="テキスト ボックス 80">
+              <a:extLst>
+                <a:ext uri="{FF2B5EF4-FFF2-40B4-BE49-F238E27FC236}">
+                  <a16:creationId xmlns:a16="http://schemas.microsoft.com/office/drawing/2014/main" id="{481693F4-6F83-428B-A5EE-852FC1AC9EFA}"/>
+                </a:ext>
+              </a:extLst>
+            </p:cNvPr>
+            <p:cNvSpPr txBox="1"/>
+            <p:nvPr/>
+          </p:nvSpPr>
+          <p:spPr>
+            <a:xfrm>
+              <a:off x="5071769" y="4491371"/>
+              <a:ext cx="1718553" cy="369332"/>
+            </a:xfrm>
+            <a:prstGeom prst="rect">
+              <a:avLst/>
+            </a:prstGeom>
+            <a:noFill/>
+          </p:spPr>
+          <p:txBody>
+            <a:bodyPr wrap="square" rtlCol="0">
+              <a:spAutoFit/>
+            </a:bodyPr>
+            <a:lstStyle/>
+            <a:p>
+              <a:pPr algn="ctr"/>
+              <a:r>
+                <a:rPr kumimoji="1" lang="ja-JP" altLang="en-US" dirty="0"/>
+                <a:t>同一の波形</a:t>
+              </a:r>
+            </a:p>
+          </p:txBody>
+        </p:sp>
+      </p:grpSp>
+      <p:grpSp>
+        <p:nvGrpSpPr>
+          <p:cNvPr id="84" name="グループ化 83">
+            <a:extLst>
+              <a:ext uri="{FF2B5EF4-FFF2-40B4-BE49-F238E27FC236}">
+                <a16:creationId xmlns:a16="http://schemas.microsoft.com/office/drawing/2014/main" id="{7D41C1A1-102A-47D1-A6A7-5111DDB8C0CA}"/>
+              </a:ext>
+            </a:extLst>
+          </p:cNvPr>
+          <p:cNvGrpSpPr/>
+          <p:nvPr/>
+        </p:nvGrpSpPr>
+        <p:grpSpPr>
+          <a:xfrm>
+            <a:off x="1871916" y="1260240"/>
+            <a:ext cx="8600113" cy="3334643"/>
+            <a:chOff x="1482810" y="1472886"/>
+            <a:chExt cx="8600113" cy="3334643"/>
+          </a:xfrm>
+        </p:grpSpPr>
+        <p:pic>
+          <p:nvPicPr>
+            <p:cNvPr id="22" name="図 21">
+              <a:extLst>
+                <a:ext uri="{FF2B5EF4-FFF2-40B4-BE49-F238E27FC236}">
+                  <a16:creationId xmlns:a16="http://schemas.microsoft.com/office/drawing/2014/main" id="{1AF4DB90-30BF-4B2F-BE97-C1EAB4F340BA}"/>
+                </a:ext>
+              </a:extLst>
+            </p:cNvPr>
+            <p:cNvPicPr>
+              <a:picLocks noChangeAspect="1"/>
+            </p:cNvPicPr>
+            <p:nvPr/>
+          </p:nvPicPr>
+          <p:blipFill>
+            <a:blip r:embed="rId2"/>
+            <a:stretch>
+              <a:fillRect/>
+            </a:stretch>
+          </p:blipFill>
+          <p:spPr>
+            <a:xfrm>
+              <a:off x="1482810" y="1732572"/>
+              <a:ext cx="840259" cy="2658730"/>
+            </a:xfrm>
+            <a:prstGeom prst="rect">
+              <a:avLst/>
+            </a:prstGeom>
+          </p:spPr>
+        </p:pic>
+        <p:sp>
+          <p:nvSpPr>
+            <p:cNvPr id="23" name="楕円 22">
+              <a:extLst>
+                <a:ext uri="{FF2B5EF4-FFF2-40B4-BE49-F238E27FC236}">
+                  <a16:creationId xmlns:a16="http://schemas.microsoft.com/office/drawing/2014/main" id="{DA87FB0A-67AF-4777-A021-B2F22DE2B636}"/>
+                </a:ext>
+              </a:extLst>
+            </p:cNvPr>
+            <p:cNvSpPr/>
+            <p:nvPr/>
+          </p:nvSpPr>
+          <p:spPr>
+            <a:xfrm>
+              <a:off x="1810027" y="3507747"/>
+              <a:ext cx="108000" cy="108000"/>
+            </a:xfrm>
+            <a:prstGeom prst="ellipse">
+              <a:avLst/>
+            </a:prstGeom>
+            <a:solidFill>
+              <a:schemeClr val="tx1"/>
+            </a:solidFill>
+            <a:ln>
+              <a:solidFill>
+                <a:schemeClr val="tx1"/>
+              </a:solidFill>
+            </a:ln>
+          </p:spPr>
+          <p:style>
+            <a:lnRef idx="2">
+              <a:schemeClr val="accent1">
+                <a:shade val="50000"/>
+              </a:schemeClr>
+            </a:lnRef>
+            <a:fillRef idx="1">
+              <a:schemeClr val="accent1"/>
+            </a:fillRef>
+            <a:effectRef idx="0">
+              <a:schemeClr val="accent1"/>
+            </a:effectRef>
+            <a:fontRef idx="minor">
+              <a:schemeClr val="lt1"/>
+            </a:fontRef>
+          </p:style>
+          <p:txBody>
+            <a:bodyPr rtlCol="0" anchor="ctr"/>
+            <a:lstStyle/>
+            <a:p>
+              <a:pPr algn="ctr"/>
+              <a:endParaRPr kumimoji="1" lang="ja-JP" altLang="en-US"/>
+            </a:p>
+          </p:txBody>
+        </p:sp>
+        <p:sp>
+          <p:nvSpPr>
+            <p:cNvPr id="24" name="正方形/長方形 23">
+              <a:extLst>
+                <a:ext uri="{FF2B5EF4-FFF2-40B4-BE49-F238E27FC236}">
+                  <a16:creationId xmlns:a16="http://schemas.microsoft.com/office/drawing/2014/main" id="{75C75B40-0E5C-4F58-9F62-CB7094EAB550}"/>
+                </a:ext>
+              </a:extLst>
+            </p:cNvPr>
+            <p:cNvSpPr/>
+            <p:nvPr/>
+          </p:nvSpPr>
+          <p:spPr>
+            <a:xfrm>
+              <a:off x="4723436" y="2744581"/>
+              <a:ext cx="1718553" cy="797668"/>
+            </a:xfrm>
+            <a:prstGeom prst="rect">
+              <a:avLst/>
+            </a:prstGeom>
+            <a:solidFill>
+              <a:schemeClr val="bg1"/>
+            </a:solidFill>
+            <a:ln>
+              <a:solidFill>
+                <a:schemeClr val="tx1"/>
+              </a:solidFill>
+            </a:ln>
+          </p:spPr>
+          <p:style>
+            <a:lnRef idx="2">
+              <a:schemeClr val="accent1">
+                <a:shade val="50000"/>
+              </a:schemeClr>
+            </a:lnRef>
+            <a:fillRef idx="1">
+              <a:schemeClr val="accent1"/>
+            </a:fillRef>
+            <a:effectRef idx="0">
+              <a:schemeClr val="accent1"/>
+            </a:effectRef>
+            <a:fontRef idx="minor">
+              <a:schemeClr val="lt1"/>
+            </a:fontRef>
+          </p:style>
+          <p:txBody>
+            <a:bodyPr rtlCol="0" anchor="ctr"/>
+            <a:lstStyle/>
+            <a:p>
+              <a:pPr algn="ctr"/>
+              <a:r>
+                <a:rPr kumimoji="1" lang="ja-JP" altLang="en-US" dirty="0">
+                  <a:solidFill>
+                    <a:schemeClr val="tx1"/>
+                  </a:solidFill>
+                </a:rPr>
+                <a:t>識別モデル</a:t>
+              </a:r>
+            </a:p>
+          </p:txBody>
+        </p:sp>
+        <p:pic>
+          <p:nvPicPr>
+            <p:cNvPr id="28" name="グラフィックス 27">
+              <a:extLst>
+                <a:ext uri="{FF2B5EF4-FFF2-40B4-BE49-F238E27FC236}">
+                  <a16:creationId xmlns:a16="http://schemas.microsoft.com/office/drawing/2014/main" id="{7C898A9D-18CA-48A7-81D0-E0F0E428A660}"/>
+                </a:ext>
+              </a:extLst>
+            </p:cNvPr>
+            <p:cNvPicPr>
+              <a:picLocks noChangeAspect="1"/>
+            </p:cNvPicPr>
+            <p:nvPr/>
+          </p:nvPicPr>
+          <p:blipFill>
+            <a:blip r:embed="rId3">
+              <a:extLst>
+                <a:ext uri="{28A0092B-C50C-407E-A947-70E740481C1C}">
+                  <a14:useLocalDpi xmlns:a14="http://schemas.microsoft.com/office/drawing/2010/main" val="0"/>
+                </a:ext>
+                <a:ext uri="{96DAC541-7B7A-43D3-8B79-37D633B846F1}">
+                  <asvg:svgBlip xmlns:asvg="http://schemas.microsoft.com/office/drawing/2016/SVG/main" r:embed="rId4"/>
+                </a:ext>
+              </a:extLst>
+            </a:blip>
+            <a:stretch>
+              <a:fillRect/>
+            </a:stretch>
+          </p:blipFill>
+          <p:spPr>
+            <a:xfrm>
+              <a:off x="2650286" y="2725084"/>
+              <a:ext cx="1120989" cy="836663"/>
+            </a:xfrm>
+            <a:prstGeom prst="rect">
+              <a:avLst/>
+            </a:prstGeom>
+          </p:spPr>
+        </p:pic>
+        <p:cxnSp>
+          <p:nvCxnSpPr>
+            <p:cNvPr id="30" name="直線矢印コネクタ 29">
+              <a:extLst>
+                <a:ext uri="{FF2B5EF4-FFF2-40B4-BE49-F238E27FC236}">
+                  <a16:creationId xmlns:a16="http://schemas.microsoft.com/office/drawing/2014/main" id="{4EE00A6C-0E72-433C-93E7-874B3BD936A2}"/>
+                </a:ext>
+              </a:extLst>
+            </p:cNvPr>
+            <p:cNvCxnSpPr>
+              <a:cxnSpLocks/>
+            </p:cNvCxnSpPr>
+            <p:nvPr/>
+          </p:nvCxnSpPr>
+          <p:spPr>
+            <a:xfrm flipV="1">
+              <a:off x="2042983" y="3286897"/>
+              <a:ext cx="535460" cy="237327"/>
+            </a:xfrm>
+            <a:prstGeom prst="straightConnector1">
+              <a:avLst/>
+            </a:prstGeom>
+            <a:ln>
+              <a:solidFill>
+                <a:schemeClr val="tx1"/>
+              </a:solidFill>
+              <a:tailEnd type="triangle"/>
+            </a:ln>
+          </p:spPr>
+          <p:style>
+            <a:lnRef idx="1">
+              <a:schemeClr val="accent1"/>
+            </a:lnRef>
+            <a:fillRef idx="0">
+              <a:schemeClr val="accent1"/>
+            </a:fillRef>
+            <a:effectRef idx="0">
+              <a:schemeClr val="accent1"/>
+            </a:effectRef>
+            <a:fontRef idx="minor">
+              <a:schemeClr val="tx1"/>
+            </a:fontRef>
+          </p:style>
+        </p:cxnSp>
+        <p:sp>
+          <p:nvSpPr>
+            <p:cNvPr id="34" name="矢印: 右 33">
+              <a:extLst>
+                <a:ext uri="{FF2B5EF4-FFF2-40B4-BE49-F238E27FC236}">
+                  <a16:creationId xmlns:a16="http://schemas.microsoft.com/office/drawing/2014/main" id="{A29B291A-6FBB-41FB-BDB1-6E9ECCA86F02}"/>
+                </a:ext>
+              </a:extLst>
+            </p:cNvPr>
+            <p:cNvSpPr/>
+            <p:nvPr/>
+          </p:nvSpPr>
+          <p:spPr>
+            <a:xfrm>
+              <a:off x="3971388" y="3030935"/>
+              <a:ext cx="551935" cy="224960"/>
+            </a:xfrm>
+            <a:prstGeom prst="rightArrow">
+              <a:avLst/>
+            </a:prstGeom>
+            <a:solidFill>
+              <a:schemeClr val="tx1"/>
+            </a:solidFill>
+            <a:ln>
+              <a:solidFill>
+                <a:schemeClr val="tx1"/>
+              </a:solidFill>
+            </a:ln>
+          </p:spPr>
+          <p:style>
+            <a:lnRef idx="2">
+              <a:schemeClr val="accent1">
+                <a:shade val="50000"/>
+              </a:schemeClr>
+            </a:lnRef>
+            <a:fillRef idx="1">
+              <a:schemeClr val="accent1"/>
+            </a:fillRef>
+            <a:effectRef idx="0">
+              <a:schemeClr val="accent1"/>
+            </a:effectRef>
+            <a:fontRef idx="minor">
+              <a:schemeClr val="lt1"/>
+            </a:fontRef>
+          </p:style>
+          <p:txBody>
+            <a:bodyPr rtlCol="0" anchor="ctr"/>
+            <a:lstStyle/>
+            <a:p>
+              <a:pPr algn="ctr"/>
+              <a:endParaRPr kumimoji="1" lang="ja-JP" altLang="en-US"/>
+            </a:p>
+          </p:txBody>
+        </p:sp>
+        <p:grpSp>
+          <p:nvGrpSpPr>
+            <p:cNvPr id="61" name="グループ化 60">
+              <a:extLst>
+                <a:ext uri="{FF2B5EF4-FFF2-40B4-BE49-F238E27FC236}">
+                  <a16:creationId xmlns:a16="http://schemas.microsoft.com/office/drawing/2014/main" id="{E19BB128-8E60-4DD9-850F-AA49F4B346F2}"/>
+                </a:ext>
+              </a:extLst>
+            </p:cNvPr>
+            <p:cNvGrpSpPr/>
+            <p:nvPr/>
+          </p:nvGrpSpPr>
+          <p:grpSpPr>
+            <a:xfrm>
+              <a:off x="7336484" y="1472886"/>
+              <a:ext cx="2067699" cy="3334643"/>
+              <a:chOff x="7336484" y="1472886"/>
+              <a:chExt cx="2067699" cy="3334643"/>
+            </a:xfrm>
+          </p:grpSpPr>
+          <p:sp>
+            <p:nvSpPr>
+              <p:cNvPr id="35" name="正方形/長方形 34">
+                <a:extLst>
+                  <a:ext uri="{FF2B5EF4-FFF2-40B4-BE49-F238E27FC236}">
+                    <a16:creationId xmlns:a16="http://schemas.microsoft.com/office/drawing/2014/main" id="{AF0DC2B5-4743-4751-8E48-53C3209EE64B}"/>
+                  </a:ext>
+                </a:extLst>
+              </p:cNvPr>
+              <p:cNvSpPr/>
+              <p:nvPr/>
+            </p:nvSpPr>
+            <p:spPr>
+              <a:xfrm>
+                <a:off x="7394150" y="2607955"/>
+                <a:ext cx="1837038" cy="1070919"/>
+              </a:xfrm>
+              <a:prstGeom prst="rect">
+                <a:avLst/>
+              </a:prstGeom>
+              <a:solidFill>
+                <a:schemeClr val="bg1"/>
+              </a:solidFill>
+              <a:ln>
+                <a:solidFill>
+                  <a:schemeClr val="tx1"/>
+                </a:solidFill>
+              </a:ln>
+            </p:spPr>
+            <p:style>
+              <a:lnRef idx="2">
+                <a:schemeClr val="accent1">
+                  <a:shade val="50000"/>
+                </a:schemeClr>
+              </a:lnRef>
+              <a:fillRef idx="1">
+                <a:schemeClr val="accent1"/>
+              </a:fillRef>
+              <a:effectRef idx="0">
+                <a:schemeClr val="accent1"/>
+              </a:effectRef>
+              <a:fontRef idx="minor">
+                <a:schemeClr val="lt1"/>
+              </a:fontRef>
+            </p:style>
+            <p:txBody>
+              <a:bodyPr rtlCol="0" anchor="ctr"/>
+              <a:lstStyle/>
+              <a:p>
+                <a:pPr algn="ctr"/>
+                <a:endParaRPr kumimoji="1" lang="ja-JP" altLang="en-US"/>
+              </a:p>
+            </p:txBody>
+          </p:sp>
+          <p:sp>
+            <p:nvSpPr>
+              <p:cNvPr id="36" name="テキスト ボックス 35">
+                <a:extLst>
+                  <a:ext uri="{FF2B5EF4-FFF2-40B4-BE49-F238E27FC236}">
+                    <a16:creationId xmlns:a16="http://schemas.microsoft.com/office/drawing/2014/main" id="{E80C83BC-68ED-4079-AB6D-ED5734D72233}"/>
+                  </a:ext>
+                </a:extLst>
+              </p:cNvPr>
+              <p:cNvSpPr txBox="1"/>
+              <p:nvPr/>
+            </p:nvSpPr>
+            <p:spPr>
+              <a:xfrm>
+                <a:off x="7336484" y="3443065"/>
+                <a:ext cx="1194486" cy="276999"/>
+              </a:xfrm>
+              <a:prstGeom prst="rect">
+                <a:avLst/>
+              </a:prstGeom>
+              <a:noFill/>
+            </p:spPr>
+            <p:txBody>
+              <a:bodyPr wrap="square" rtlCol="0">
+                <a:spAutoFit/>
+              </a:bodyPr>
+              <a:lstStyle/>
+              <a:p>
+                <a:r>
+                  <a:rPr kumimoji="1" lang="ja-JP" altLang="en-US" sz="1200" dirty="0"/>
+                  <a:t>ディスプレイ</a:t>
+                </a:r>
+              </a:p>
+            </p:txBody>
+          </p:sp>
+          <p:sp>
+            <p:nvSpPr>
+              <p:cNvPr id="41" name="正方形/長方形 40">
+                <a:extLst>
+                  <a:ext uri="{FF2B5EF4-FFF2-40B4-BE49-F238E27FC236}">
+                    <a16:creationId xmlns:a16="http://schemas.microsoft.com/office/drawing/2014/main" id="{DA8F5AD4-184A-4736-A5F6-B87EEE92189B}"/>
+                  </a:ext>
+                </a:extLst>
+              </p:cNvPr>
+              <p:cNvSpPr/>
+              <p:nvPr/>
+            </p:nvSpPr>
+            <p:spPr>
+              <a:xfrm>
+                <a:off x="8577511" y="1662387"/>
+                <a:ext cx="463785" cy="988541"/>
+              </a:xfrm>
+              <a:prstGeom prst="rect">
+                <a:avLst/>
+              </a:prstGeom>
+              <a:solidFill>
+                <a:schemeClr val="bg1"/>
+              </a:solidFill>
+              <a:ln w="28575">
+                <a:solidFill>
+                  <a:schemeClr val="tx1"/>
+                </a:solidFill>
+              </a:ln>
+            </p:spPr>
+            <p:style>
+              <a:lnRef idx="2">
+                <a:schemeClr val="accent1">
+                  <a:shade val="50000"/>
+                </a:schemeClr>
+              </a:lnRef>
+              <a:fillRef idx="1">
+                <a:schemeClr val="accent1"/>
+              </a:fillRef>
+              <a:effectRef idx="0">
+                <a:schemeClr val="accent1"/>
+              </a:effectRef>
+              <a:fontRef idx="minor">
+                <a:schemeClr val="lt1"/>
+              </a:fontRef>
+            </p:style>
+            <p:txBody>
+              <a:bodyPr rtlCol="0" anchor="ctr"/>
+              <a:lstStyle/>
+              <a:p>
+                <a:pPr algn="ctr"/>
+                <a:endParaRPr kumimoji="1" lang="ja-JP" altLang="en-US"/>
+              </a:p>
+            </p:txBody>
+          </p:sp>
+          <p:sp>
+            <p:nvSpPr>
+              <p:cNvPr id="40" name="正方形/長方形 39">
+                <a:extLst>
+                  <a:ext uri="{FF2B5EF4-FFF2-40B4-BE49-F238E27FC236}">
+                    <a16:creationId xmlns:a16="http://schemas.microsoft.com/office/drawing/2014/main" id="{F89AF00B-DF27-44BF-AE5B-4816DC201E3A}"/>
+                  </a:ext>
+                </a:extLst>
+              </p:cNvPr>
+              <p:cNvSpPr/>
+              <p:nvPr/>
+            </p:nvSpPr>
+            <p:spPr>
+              <a:xfrm>
+                <a:off x="9341166" y="3086171"/>
+                <a:ext cx="63017" cy="107092"/>
+              </a:xfrm>
+              <a:prstGeom prst="rect">
+                <a:avLst/>
+              </a:prstGeom>
+              <a:noFill/>
+              <a:ln w="28575">
+                <a:solidFill>
+                  <a:schemeClr val="tx1"/>
+                </a:solidFill>
+              </a:ln>
+            </p:spPr>
+            <p:style>
+              <a:lnRef idx="2">
+                <a:schemeClr val="accent1">
+                  <a:shade val="50000"/>
+                </a:schemeClr>
+              </a:lnRef>
+              <a:fillRef idx="1">
+                <a:schemeClr val="accent1"/>
+              </a:fillRef>
+              <a:effectRef idx="0">
+                <a:schemeClr val="accent1"/>
+              </a:effectRef>
+              <a:fontRef idx="minor">
+                <a:schemeClr val="lt1"/>
+              </a:fontRef>
+            </p:style>
+            <p:txBody>
+              <a:bodyPr rtlCol="0" anchor="ctr"/>
+              <a:lstStyle/>
+              <a:p>
+                <a:pPr algn="ctr"/>
+                <a:endParaRPr kumimoji="1" lang="ja-JP" altLang="en-US"/>
+              </a:p>
+            </p:txBody>
+          </p:sp>
+          <p:sp>
+            <p:nvSpPr>
+              <p:cNvPr id="42" name="正方形/長方形 41">
+                <a:extLst>
+                  <a:ext uri="{FF2B5EF4-FFF2-40B4-BE49-F238E27FC236}">
+                    <a16:creationId xmlns:a16="http://schemas.microsoft.com/office/drawing/2014/main" id="{A18A25A0-6B00-411C-A0A6-D9C3824A0319}"/>
+                  </a:ext>
+                </a:extLst>
+              </p:cNvPr>
+              <p:cNvSpPr/>
+              <p:nvPr/>
+            </p:nvSpPr>
+            <p:spPr>
+              <a:xfrm>
+                <a:off x="8577511" y="3637684"/>
+                <a:ext cx="463785" cy="1169845"/>
+              </a:xfrm>
+              <a:prstGeom prst="rect">
+                <a:avLst/>
+              </a:prstGeom>
+              <a:solidFill>
+                <a:schemeClr val="bg1"/>
+              </a:solidFill>
+              <a:ln w="28575">
+                <a:solidFill>
+                  <a:schemeClr val="tx1"/>
+                </a:solidFill>
+              </a:ln>
+            </p:spPr>
+            <p:style>
+              <a:lnRef idx="2">
+                <a:schemeClr val="accent1">
+                  <a:shade val="50000"/>
+                </a:schemeClr>
+              </a:lnRef>
+              <a:fillRef idx="1">
+                <a:schemeClr val="accent1"/>
+              </a:fillRef>
+              <a:effectRef idx="0">
+                <a:schemeClr val="accent1"/>
+              </a:effectRef>
+              <a:fontRef idx="minor">
+                <a:schemeClr val="lt1"/>
+              </a:fontRef>
+            </p:style>
+            <p:txBody>
+              <a:bodyPr rtlCol="0" anchor="ctr"/>
+              <a:lstStyle/>
+              <a:p>
+                <a:pPr algn="ctr"/>
+                <a:endParaRPr kumimoji="1" lang="ja-JP" altLang="en-US"/>
+              </a:p>
+            </p:txBody>
+          </p:sp>
+          <p:sp>
+            <p:nvSpPr>
+              <p:cNvPr id="37" name="楕円 36">
+                <a:extLst>
+                  <a:ext uri="{FF2B5EF4-FFF2-40B4-BE49-F238E27FC236}">
+                    <a16:creationId xmlns:a16="http://schemas.microsoft.com/office/drawing/2014/main" id="{9E802C76-473B-4D1C-A3C7-B0312D0E380C}"/>
+                  </a:ext>
+                </a:extLst>
+              </p:cNvPr>
+              <p:cNvSpPr/>
+              <p:nvPr/>
+            </p:nvSpPr>
+            <p:spPr>
+              <a:xfrm>
+                <a:off x="8269404" y="2599717"/>
+                <a:ext cx="1080000" cy="1080000"/>
+              </a:xfrm>
+              <a:prstGeom prst="ellipse">
+                <a:avLst/>
+              </a:prstGeom>
+              <a:solidFill>
+                <a:schemeClr val="bg1"/>
+              </a:solidFill>
+              <a:ln w="38100">
+                <a:solidFill>
+                  <a:schemeClr val="tx1"/>
+                </a:solidFill>
+              </a:ln>
+            </p:spPr>
+            <p:style>
+              <a:lnRef idx="2">
+                <a:schemeClr val="accent1">
+                  <a:shade val="50000"/>
+                </a:schemeClr>
+              </a:lnRef>
+              <a:fillRef idx="1">
+                <a:schemeClr val="accent1"/>
+              </a:fillRef>
+              <a:effectRef idx="0">
+                <a:schemeClr val="accent1"/>
+              </a:effectRef>
+              <a:fontRef idx="minor">
+                <a:schemeClr val="lt1"/>
+              </a:fontRef>
+            </p:style>
+            <p:txBody>
+              <a:bodyPr rtlCol="0" anchor="ctr"/>
+              <a:lstStyle/>
+              <a:p>
+                <a:pPr algn="ctr"/>
+                <a:endParaRPr kumimoji="1" lang="ja-JP" altLang="en-US"/>
+              </a:p>
+            </p:txBody>
+          </p:sp>
+          <p:sp>
+            <p:nvSpPr>
+              <p:cNvPr id="43" name="楕円 42">
+                <a:extLst>
+                  <a:ext uri="{FF2B5EF4-FFF2-40B4-BE49-F238E27FC236}">
+                    <a16:creationId xmlns:a16="http://schemas.microsoft.com/office/drawing/2014/main" id="{C4FED803-44AC-4D03-800E-7BEDDF9E58CA}"/>
+                  </a:ext>
+                </a:extLst>
+              </p:cNvPr>
+              <p:cNvSpPr/>
+              <p:nvPr/>
+            </p:nvSpPr>
+            <p:spPr>
+              <a:xfrm>
+                <a:off x="8773403" y="4095371"/>
+                <a:ext cx="72000" cy="72000"/>
+              </a:xfrm>
+              <a:prstGeom prst="ellipse">
+                <a:avLst/>
+              </a:prstGeom>
+              <a:solidFill>
+                <a:schemeClr val="tx1"/>
+              </a:solidFill>
+              <a:ln>
+                <a:solidFill>
+                  <a:schemeClr val="tx1"/>
+                </a:solidFill>
+              </a:ln>
+            </p:spPr>
+            <p:style>
+              <a:lnRef idx="2">
+                <a:schemeClr val="accent1">
+                  <a:shade val="50000"/>
+                </a:schemeClr>
+              </a:lnRef>
+              <a:fillRef idx="1">
+                <a:schemeClr val="accent1"/>
+              </a:fillRef>
+              <a:effectRef idx="0">
+                <a:schemeClr val="accent1"/>
+              </a:effectRef>
+              <a:fontRef idx="minor">
+                <a:schemeClr val="lt1"/>
+              </a:fontRef>
+            </p:style>
+            <p:txBody>
+              <a:bodyPr rtlCol="0" anchor="ctr"/>
+              <a:lstStyle/>
+              <a:p>
+                <a:pPr algn="ctr"/>
+                <a:endParaRPr kumimoji="1" lang="ja-JP" altLang="en-US"/>
+              </a:p>
+            </p:txBody>
+          </p:sp>
+          <p:sp>
+            <p:nvSpPr>
+              <p:cNvPr id="44" name="楕円 43">
+                <a:extLst>
+                  <a:ext uri="{FF2B5EF4-FFF2-40B4-BE49-F238E27FC236}">
+                    <a16:creationId xmlns:a16="http://schemas.microsoft.com/office/drawing/2014/main" id="{B95791D7-5776-4143-9A33-02E86D0041A2}"/>
+                  </a:ext>
+                </a:extLst>
+              </p:cNvPr>
+              <p:cNvSpPr/>
+              <p:nvPr/>
+            </p:nvSpPr>
+            <p:spPr>
+              <a:xfrm>
+                <a:off x="8773403" y="4275371"/>
+                <a:ext cx="72000" cy="72000"/>
+              </a:xfrm>
+              <a:prstGeom prst="ellipse">
+                <a:avLst/>
+              </a:prstGeom>
+              <a:solidFill>
+                <a:schemeClr val="tx1"/>
+              </a:solidFill>
+              <a:ln>
+                <a:solidFill>
+                  <a:schemeClr val="tx1"/>
+                </a:solidFill>
+              </a:ln>
+            </p:spPr>
+            <p:style>
+              <a:lnRef idx="2">
+                <a:schemeClr val="accent1">
+                  <a:shade val="50000"/>
+                </a:schemeClr>
+              </a:lnRef>
+              <a:fillRef idx="1">
+                <a:schemeClr val="accent1"/>
+              </a:fillRef>
+              <a:effectRef idx="0">
+                <a:schemeClr val="accent1"/>
+              </a:effectRef>
+              <a:fontRef idx="minor">
+                <a:schemeClr val="lt1"/>
+              </a:fontRef>
+            </p:style>
+            <p:txBody>
+              <a:bodyPr rtlCol="0" anchor="ctr"/>
+              <a:lstStyle/>
+              <a:p>
+                <a:pPr algn="ctr"/>
+                <a:endParaRPr kumimoji="1" lang="ja-JP" altLang="en-US"/>
+              </a:p>
+            </p:txBody>
+          </p:sp>
+          <p:sp>
+            <p:nvSpPr>
+              <p:cNvPr id="45" name="楕円 44">
+                <a:extLst>
+                  <a:ext uri="{FF2B5EF4-FFF2-40B4-BE49-F238E27FC236}">
+                    <a16:creationId xmlns:a16="http://schemas.microsoft.com/office/drawing/2014/main" id="{8BE8DDFA-9286-4B23-A085-0C1F2BF68F84}"/>
+                  </a:ext>
+                </a:extLst>
+              </p:cNvPr>
+              <p:cNvSpPr/>
+              <p:nvPr/>
+            </p:nvSpPr>
+            <p:spPr>
+              <a:xfrm>
+                <a:off x="8773403" y="4455371"/>
+                <a:ext cx="72000" cy="72000"/>
+              </a:xfrm>
+              <a:prstGeom prst="ellipse">
+                <a:avLst/>
+              </a:prstGeom>
+              <a:solidFill>
+                <a:schemeClr val="tx1"/>
+              </a:solidFill>
+              <a:ln>
+                <a:solidFill>
+                  <a:schemeClr val="tx1"/>
+                </a:solidFill>
+              </a:ln>
+            </p:spPr>
+            <p:style>
+              <a:lnRef idx="2">
+                <a:schemeClr val="accent1">
+                  <a:shade val="50000"/>
+                </a:schemeClr>
+              </a:lnRef>
+              <a:fillRef idx="1">
+                <a:schemeClr val="accent1"/>
+              </a:fillRef>
+              <a:effectRef idx="0">
+                <a:schemeClr val="accent1"/>
+              </a:effectRef>
+              <a:fontRef idx="minor">
+                <a:schemeClr val="lt1"/>
+              </a:fontRef>
+            </p:style>
+            <p:txBody>
+              <a:bodyPr rtlCol="0" anchor="ctr"/>
+              <a:lstStyle/>
+              <a:p>
+                <a:pPr algn="ctr"/>
+                <a:endParaRPr kumimoji="1" lang="ja-JP" altLang="en-US"/>
+              </a:p>
+            </p:txBody>
+          </p:sp>
+          <p:sp>
+            <p:nvSpPr>
+              <p:cNvPr id="47" name="正方形/長方形 46">
+                <a:extLst>
+                  <a:ext uri="{FF2B5EF4-FFF2-40B4-BE49-F238E27FC236}">
+                    <a16:creationId xmlns:a16="http://schemas.microsoft.com/office/drawing/2014/main" id="{815E1C5E-3454-45B2-9E44-0512FAB03644}"/>
+                  </a:ext>
+                </a:extLst>
+              </p:cNvPr>
+              <p:cNvSpPr/>
+              <p:nvPr/>
+            </p:nvSpPr>
+            <p:spPr>
+              <a:xfrm>
+                <a:off x="8577510" y="1472886"/>
+                <a:ext cx="463785" cy="180323"/>
+              </a:xfrm>
+              <a:prstGeom prst="rect">
+                <a:avLst/>
+              </a:prstGeom>
+              <a:solidFill>
+                <a:schemeClr val="bg1"/>
+              </a:solidFill>
+              <a:ln w="28575">
+                <a:solidFill>
+                  <a:schemeClr val="tx1"/>
+                </a:solidFill>
+              </a:ln>
+            </p:spPr>
+            <p:style>
+              <a:lnRef idx="2">
+                <a:schemeClr val="accent1">
+                  <a:shade val="50000"/>
+                </a:schemeClr>
+              </a:lnRef>
+              <a:fillRef idx="1">
+                <a:schemeClr val="accent1"/>
+              </a:fillRef>
+              <a:effectRef idx="0">
+                <a:schemeClr val="accent1"/>
+              </a:effectRef>
+              <a:fontRef idx="minor">
+                <a:schemeClr val="lt1"/>
+              </a:fontRef>
+            </p:style>
+            <p:txBody>
+              <a:bodyPr rtlCol="0" anchor="ctr"/>
+              <a:lstStyle/>
+              <a:p>
+                <a:pPr algn="ctr"/>
+                <a:endParaRPr kumimoji="1" lang="ja-JP" altLang="en-US"/>
+              </a:p>
+            </p:txBody>
+          </p:sp>
+          <p:cxnSp>
+            <p:nvCxnSpPr>
+              <p:cNvPr id="49" name="直線コネクタ 48">
+                <a:extLst>
+                  <a:ext uri="{FF2B5EF4-FFF2-40B4-BE49-F238E27FC236}">
+                    <a16:creationId xmlns:a16="http://schemas.microsoft.com/office/drawing/2014/main" id="{F6D536B0-14FD-4F5E-AC99-8E3EEDB28D17}"/>
+                  </a:ext>
+                </a:extLst>
+              </p:cNvPr>
+              <p:cNvCxnSpPr>
+                <a:stCxn id="47" idx="0"/>
+                <a:endCxn id="47" idx="2"/>
+              </p:cNvCxnSpPr>
+              <p:nvPr/>
+            </p:nvCxnSpPr>
+            <p:spPr>
+              <a:xfrm>
+                <a:off x="8809403" y="1472886"/>
+                <a:ext cx="0" cy="180323"/>
+              </a:xfrm>
+              <a:prstGeom prst="line">
+                <a:avLst/>
+              </a:prstGeom>
+              <a:ln w="28575">
+                <a:solidFill>
+                  <a:schemeClr val="tx1"/>
+                </a:solidFill>
+              </a:ln>
+            </p:spPr>
+            <p:style>
+              <a:lnRef idx="1">
+                <a:schemeClr val="accent1"/>
+              </a:lnRef>
+              <a:fillRef idx="0">
+                <a:schemeClr val="accent1"/>
+              </a:fillRef>
+              <a:effectRef idx="0">
+                <a:schemeClr val="accent1"/>
+              </a:effectRef>
+              <a:fontRef idx="minor">
+                <a:schemeClr val="tx1"/>
+              </a:fontRef>
+            </p:style>
+          </p:cxnSp>
+          <p:pic>
+            <p:nvPicPr>
+              <p:cNvPr id="57" name="図 56">
+                <a:extLst>
+                  <a:ext uri="{FF2B5EF4-FFF2-40B4-BE49-F238E27FC236}">
+                    <a16:creationId xmlns:a16="http://schemas.microsoft.com/office/drawing/2014/main" id="{A4C8DB4D-E34D-49CB-AF2A-0B52ED62561A}"/>
+                  </a:ext>
+                </a:extLst>
+              </p:cNvPr>
+              <p:cNvPicPr>
+                <a:picLocks noChangeAspect="1"/>
+              </p:cNvPicPr>
+              <p:nvPr/>
+            </p:nvPicPr>
+            <p:blipFill rotWithShape="1">
+              <a:blip r:embed="rId5"/>
+              <a:srcRect l="4182" t="3185" r="3502" b="4662"/>
+              <a:stretch/>
+            </p:blipFill>
+            <p:spPr>
+              <a:xfrm>
+                <a:off x="8400839" y="2829629"/>
+                <a:ext cx="817125" cy="609317"/>
+              </a:xfrm>
+              <a:prstGeom prst="rect">
+                <a:avLst/>
+              </a:prstGeom>
+            </p:spPr>
+          </p:pic>
+        </p:grpSp>
+        <p:sp>
+          <p:nvSpPr>
+            <p:cNvPr id="58" name="矢印: 右 57">
+              <a:extLst>
+                <a:ext uri="{FF2B5EF4-FFF2-40B4-BE49-F238E27FC236}">
+                  <a16:creationId xmlns:a16="http://schemas.microsoft.com/office/drawing/2014/main" id="{583601FE-D8A2-413F-BE92-B119FF39093C}"/>
+                </a:ext>
+              </a:extLst>
+            </p:cNvPr>
+            <p:cNvSpPr/>
+            <p:nvPr/>
+          </p:nvSpPr>
+          <p:spPr>
+            <a:xfrm>
+              <a:off x="6642102" y="3030935"/>
+              <a:ext cx="551935" cy="224960"/>
+            </a:xfrm>
+            <a:prstGeom prst="rightArrow">
+              <a:avLst/>
+            </a:prstGeom>
+            <a:solidFill>
+              <a:schemeClr val="tx1"/>
+            </a:solidFill>
+            <a:ln>
+              <a:solidFill>
+                <a:schemeClr val="tx1"/>
+              </a:solidFill>
+            </a:ln>
+          </p:spPr>
+          <p:style>
+            <a:lnRef idx="2">
+              <a:schemeClr val="accent1">
+                <a:shade val="50000"/>
+              </a:schemeClr>
+            </a:lnRef>
+            <a:fillRef idx="1">
+              <a:schemeClr val="accent1"/>
+            </a:fillRef>
+            <a:effectRef idx="0">
+              <a:schemeClr val="accent1"/>
+            </a:effectRef>
+            <a:fontRef idx="minor">
+              <a:schemeClr val="lt1"/>
+            </a:fontRef>
+          </p:style>
+          <p:txBody>
+            <a:bodyPr rtlCol="0" anchor="ctr"/>
+            <a:lstStyle/>
+            <a:p>
+              <a:pPr algn="ctr"/>
+              <a:endParaRPr kumimoji="1" lang="ja-JP" altLang="en-US"/>
+            </a:p>
+          </p:txBody>
+        </p:sp>
+        <p:sp>
+          <p:nvSpPr>
+            <p:cNvPr id="62" name="テキスト ボックス 61">
+              <a:extLst>
+                <a:ext uri="{FF2B5EF4-FFF2-40B4-BE49-F238E27FC236}">
+                  <a16:creationId xmlns:a16="http://schemas.microsoft.com/office/drawing/2014/main" id="{988F4D48-E529-4BB1-93CB-14E169B26A6E}"/>
+                </a:ext>
+              </a:extLst>
+            </p:cNvPr>
+            <p:cNvSpPr txBox="1"/>
+            <p:nvPr/>
+          </p:nvSpPr>
+          <p:spPr>
+            <a:xfrm>
+              <a:off x="9231188" y="2420095"/>
+              <a:ext cx="851735" cy="461665"/>
+            </a:xfrm>
+            <a:prstGeom prst="rect">
+              <a:avLst/>
+            </a:prstGeom>
+            <a:noFill/>
+          </p:spPr>
+          <p:txBody>
+            <a:bodyPr wrap="square" rtlCol="0">
+              <a:spAutoFit/>
+            </a:bodyPr>
+            <a:lstStyle/>
+            <a:p>
+              <a:r>
+                <a:rPr kumimoji="1" lang="ja-JP" altLang="en-US" sz="1200" dirty="0"/>
+                <a:t>スマートウォッチ</a:t>
+              </a:r>
+            </a:p>
+          </p:txBody>
+        </p:sp>
+        <p:sp>
+          <p:nvSpPr>
+            <p:cNvPr id="83" name="テキスト ボックス 82">
+              <a:extLst>
+                <a:ext uri="{FF2B5EF4-FFF2-40B4-BE49-F238E27FC236}">
+                  <a16:creationId xmlns:a16="http://schemas.microsoft.com/office/drawing/2014/main" id="{7AC746C6-970F-49E9-86AA-4C55EF09ABF5}"/>
+                </a:ext>
+              </a:extLst>
+            </p:cNvPr>
+            <p:cNvSpPr txBox="1"/>
+            <p:nvPr/>
+          </p:nvSpPr>
+          <p:spPr>
+            <a:xfrm>
+              <a:off x="6479009" y="2809172"/>
+              <a:ext cx="851735" cy="276999"/>
+            </a:xfrm>
+            <a:prstGeom prst="rect">
+              <a:avLst/>
+            </a:prstGeom>
+            <a:noFill/>
+          </p:spPr>
+          <p:txBody>
+            <a:bodyPr wrap="square" rtlCol="0">
+              <a:spAutoFit/>
+            </a:bodyPr>
+            <a:lstStyle/>
+            <a:p>
+              <a:pPr algn="ctr"/>
+              <a:r>
+                <a:rPr kumimoji="1" lang="ja-JP" altLang="en-US" sz="1200" dirty="0"/>
+                <a:t>色データ</a:t>
+              </a:r>
+            </a:p>
+          </p:txBody>
+        </p:sp>
+      </p:grpSp>
+    </p:spTree>
+    <p:extLst>
+      <p:ext uri="{BB962C8B-B14F-4D97-AF65-F5344CB8AC3E}">
+        <p14:creationId xmlns:p14="http://schemas.microsoft.com/office/powerpoint/2010/main" val="811552574"/>
+      </p:ext>
+    </p:extLst>
+  </p:cSld>
+  <p:clrMapOvr>
+    <a:masterClrMapping/>
+  </p:clrMapOvr>
+</p:sld>
+</file>
+
 <file path=ppt/theme/theme1.xml><?xml version="1.0" encoding="utf-8"?>
 <a:theme xmlns:a="http://schemas.openxmlformats.org/drawingml/2006/main" name="Office テーマ">
   <a:themeElements>

--- a/paper/pulse/figures/figures.pptx
+++ b/paper/pulse/figures/figures.pptx
@@ -263,7 +263,7 @@
           <a:p>
             <a:fld id="{C2C73DE5-1C8B-4475-AFC6-683C13AACC76}" type="datetimeFigureOut">
               <a:rPr kumimoji="1" lang="ja-JP" altLang="en-US" smtClean="0"/>
-              <a:t>2020/12/20</a:t>
+              <a:t>2020/12/21</a:t>
             </a:fld>
             <a:endParaRPr kumimoji="1" lang="ja-JP" altLang="en-US"/>
           </a:p>
@@ -493,7 +493,7 @@
           <a:p>
             <a:fld id="{C2C73DE5-1C8B-4475-AFC6-683C13AACC76}" type="datetimeFigureOut">
               <a:rPr kumimoji="1" lang="ja-JP" altLang="en-US" smtClean="0"/>
-              <a:t>2020/12/20</a:t>
+              <a:t>2020/12/21</a:t>
             </a:fld>
             <a:endParaRPr kumimoji="1" lang="ja-JP" altLang="en-US"/>
           </a:p>
@@ -733,7 +733,7 @@
           <a:p>
             <a:fld id="{C2C73DE5-1C8B-4475-AFC6-683C13AACC76}" type="datetimeFigureOut">
               <a:rPr kumimoji="1" lang="ja-JP" altLang="en-US" smtClean="0"/>
-              <a:t>2020/12/20</a:t>
+              <a:t>2020/12/21</a:t>
             </a:fld>
             <a:endParaRPr kumimoji="1" lang="ja-JP" altLang="en-US"/>
           </a:p>
@@ -963,7 +963,7 @@
           <a:p>
             <a:fld id="{C2C73DE5-1C8B-4475-AFC6-683C13AACC76}" type="datetimeFigureOut">
               <a:rPr kumimoji="1" lang="ja-JP" altLang="en-US" smtClean="0"/>
-              <a:t>2020/12/20</a:t>
+              <a:t>2020/12/21</a:t>
             </a:fld>
             <a:endParaRPr kumimoji="1" lang="ja-JP" altLang="en-US"/>
           </a:p>
@@ -1238,7 +1238,7 @@
           <a:p>
             <a:fld id="{C2C73DE5-1C8B-4475-AFC6-683C13AACC76}" type="datetimeFigureOut">
               <a:rPr kumimoji="1" lang="ja-JP" altLang="en-US" smtClean="0"/>
-              <a:t>2020/12/20</a:t>
+              <a:t>2020/12/21</a:t>
             </a:fld>
             <a:endParaRPr kumimoji="1" lang="ja-JP" altLang="en-US"/>
           </a:p>
@@ -1567,7 +1567,7 @@
           <a:p>
             <a:fld id="{C2C73DE5-1C8B-4475-AFC6-683C13AACC76}" type="datetimeFigureOut">
               <a:rPr kumimoji="1" lang="ja-JP" altLang="en-US" smtClean="0"/>
-              <a:t>2020/12/20</a:t>
+              <a:t>2020/12/21</a:t>
             </a:fld>
             <a:endParaRPr kumimoji="1" lang="ja-JP" altLang="en-US"/>
           </a:p>
@@ -2043,7 +2043,7 @@
           <a:p>
             <a:fld id="{C2C73DE5-1C8B-4475-AFC6-683C13AACC76}" type="datetimeFigureOut">
               <a:rPr kumimoji="1" lang="ja-JP" altLang="en-US" smtClean="0"/>
-              <a:t>2020/12/20</a:t>
+              <a:t>2020/12/21</a:t>
             </a:fld>
             <a:endParaRPr kumimoji="1" lang="ja-JP" altLang="en-US"/>
           </a:p>
@@ -2184,7 +2184,7 @@
           <a:p>
             <a:fld id="{C2C73DE5-1C8B-4475-AFC6-683C13AACC76}" type="datetimeFigureOut">
               <a:rPr kumimoji="1" lang="ja-JP" altLang="en-US" smtClean="0"/>
-              <a:t>2020/12/20</a:t>
+              <a:t>2020/12/21</a:t>
             </a:fld>
             <a:endParaRPr kumimoji="1" lang="ja-JP" altLang="en-US"/>
           </a:p>
@@ -2297,7 +2297,7 @@
           <a:p>
             <a:fld id="{C2C73DE5-1C8B-4475-AFC6-683C13AACC76}" type="datetimeFigureOut">
               <a:rPr kumimoji="1" lang="ja-JP" altLang="en-US" smtClean="0"/>
-              <a:t>2020/12/20</a:t>
+              <a:t>2020/12/21</a:t>
             </a:fld>
             <a:endParaRPr kumimoji="1" lang="ja-JP" altLang="en-US"/>
           </a:p>
@@ -2640,7 +2640,7 @@
           <a:p>
             <a:fld id="{C2C73DE5-1C8B-4475-AFC6-683C13AACC76}" type="datetimeFigureOut">
               <a:rPr kumimoji="1" lang="ja-JP" altLang="en-US" smtClean="0"/>
-              <a:t>2020/12/20</a:t>
+              <a:t>2020/12/21</a:t>
             </a:fld>
             <a:endParaRPr kumimoji="1" lang="ja-JP" altLang="en-US"/>
           </a:p>
@@ -2928,7 +2928,7 @@
           <a:p>
             <a:fld id="{C2C73DE5-1C8B-4475-AFC6-683C13AACC76}" type="datetimeFigureOut">
               <a:rPr kumimoji="1" lang="ja-JP" altLang="en-US" smtClean="0"/>
-              <a:t>2020/12/20</a:t>
+              <a:t>2020/12/21</a:t>
             </a:fld>
             <a:endParaRPr kumimoji="1" lang="ja-JP" altLang="en-US"/>
           </a:p>
@@ -3201,7 +3201,7 @@
           <a:p>
             <a:fld id="{C2C73DE5-1C8B-4475-AFC6-683C13AACC76}" type="datetimeFigureOut">
               <a:rPr kumimoji="1" lang="ja-JP" altLang="en-US" smtClean="0"/>
-              <a:t>2020/12/20</a:t>
+              <a:t>2020/12/21</a:t>
             </a:fld>
             <a:endParaRPr kumimoji="1" lang="ja-JP" altLang="en-US"/>
           </a:p>
@@ -3933,8 +3933,12 @@
                 <a:t>(b) </a:t>
               </a:r>
               <a:r>
+                <a:rPr lang="ja-JP" altLang="en-US" sz="1400" dirty="0"/>
+                <a:t>生成した</a:t>
+              </a:r>
+              <a:r>
                 <a:rPr kumimoji="1" lang="ja-JP" altLang="en-US" sz="1400" dirty="0"/>
-                <a:t>擬似脈波の取得方法</a:t>
+                <a:t>脈波の取得方法</a:t>
               </a:r>
             </a:p>
           </p:txBody>

--- a/paper/pulse/figures/figures.pptx
+++ b/paper/pulse/figures/figures.pptx
@@ -10,6 +10,7 @@
     <p:sldId id="258" r:id="rId4"/>
     <p:sldId id="259" r:id="rId5"/>
     <p:sldId id="260" r:id="rId6"/>
+    <p:sldId id="261" r:id="rId7"/>
   </p:sldIdLst>
   <p:sldSz cx="12192000" cy="6858000"/>
   <p:notesSz cx="6858000" cy="9144000"/>
@@ -263,7 +264,7 @@
           <a:p>
             <a:fld id="{C2C73DE5-1C8B-4475-AFC6-683C13AACC76}" type="datetimeFigureOut">
               <a:rPr kumimoji="1" lang="ja-JP" altLang="en-US" smtClean="0"/>
-              <a:t>2020/12/21</a:t>
+              <a:t>2021/5/3</a:t>
             </a:fld>
             <a:endParaRPr kumimoji="1" lang="ja-JP" altLang="en-US"/>
           </a:p>
@@ -493,7 +494,7 @@
           <a:p>
             <a:fld id="{C2C73DE5-1C8B-4475-AFC6-683C13AACC76}" type="datetimeFigureOut">
               <a:rPr kumimoji="1" lang="ja-JP" altLang="en-US" smtClean="0"/>
-              <a:t>2020/12/21</a:t>
+              <a:t>2021/5/3</a:t>
             </a:fld>
             <a:endParaRPr kumimoji="1" lang="ja-JP" altLang="en-US"/>
           </a:p>
@@ -733,7 +734,7 @@
           <a:p>
             <a:fld id="{C2C73DE5-1C8B-4475-AFC6-683C13AACC76}" type="datetimeFigureOut">
               <a:rPr kumimoji="1" lang="ja-JP" altLang="en-US" smtClean="0"/>
-              <a:t>2020/12/21</a:t>
+              <a:t>2021/5/3</a:t>
             </a:fld>
             <a:endParaRPr kumimoji="1" lang="ja-JP" altLang="en-US"/>
           </a:p>
@@ -963,7 +964,7 @@
           <a:p>
             <a:fld id="{C2C73DE5-1C8B-4475-AFC6-683C13AACC76}" type="datetimeFigureOut">
               <a:rPr kumimoji="1" lang="ja-JP" altLang="en-US" smtClean="0"/>
-              <a:t>2020/12/21</a:t>
+              <a:t>2021/5/3</a:t>
             </a:fld>
             <a:endParaRPr kumimoji="1" lang="ja-JP" altLang="en-US"/>
           </a:p>
@@ -1238,7 +1239,7 @@
           <a:p>
             <a:fld id="{C2C73DE5-1C8B-4475-AFC6-683C13AACC76}" type="datetimeFigureOut">
               <a:rPr kumimoji="1" lang="ja-JP" altLang="en-US" smtClean="0"/>
-              <a:t>2020/12/21</a:t>
+              <a:t>2021/5/3</a:t>
             </a:fld>
             <a:endParaRPr kumimoji="1" lang="ja-JP" altLang="en-US"/>
           </a:p>
@@ -1567,7 +1568,7 @@
           <a:p>
             <a:fld id="{C2C73DE5-1C8B-4475-AFC6-683C13AACC76}" type="datetimeFigureOut">
               <a:rPr kumimoji="1" lang="ja-JP" altLang="en-US" smtClean="0"/>
-              <a:t>2020/12/21</a:t>
+              <a:t>2021/5/3</a:t>
             </a:fld>
             <a:endParaRPr kumimoji="1" lang="ja-JP" altLang="en-US"/>
           </a:p>
@@ -2043,7 +2044,7 @@
           <a:p>
             <a:fld id="{C2C73DE5-1C8B-4475-AFC6-683C13AACC76}" type="datetimeFigureOut">
               <a:rPr kumimoji="1" lang="ja-JP" altLang="en-US" smtClean="0"/>
-              <a:t>2020/12/21</a:t>
+              <a:t>2021/5/3</a:t>
             </a:fld>
             <a:endParaRPr kumimoji="1" lang="ja-JP" altLang="en-US"/>
           </a:p>
@@ -2184,7 +2185,7 @@
           <a:p>
             <a:fld id="{C2C73DE5-1C8B-4475-AFC6-683C13AACC76}" type="datetimeFigureOut">
               <a:rPr kumimoji="1" lang="ja-JP" altLang="en-US" smtClean="0"/>
-              <a:t>2020/12/21</a:t>
+              <a:t>2021/5/3</a:t>
             </a:fld>
             <a:endParaRPr kumimoji="1" lang="ja-JP" altLang="en-US"/>
           </a:p>
@@ -2297,7 +2298,7 @@
           <a:p>
             <a:fld id="{C2C73DE5-1C8B-4475-AFC6-683C13AACC76}" type="datetimeFigureOut">
               <a:rPr kumimoji="1" lang="ja-JP" altLang="en-US" smtClean="0"/>
-              <a:t>2020/12/21</a:t>
+              <a:t>2021/5/3</a:t>
             </a:fld>
             <a:endParaRPr kumimoji="1" lang="ja-JP" altLang="en-US"/>
           </a:p>
@@ -2640,7 +2641,7 @@
           <a:p>
             <a:fld id="{C2C73DE5-1C8B-4475-AFC6-683C13AACC76}" type="datetimeFigureOut">
               <a:rPr kumimoji="1" lang="ja-JP" altLang="en-US" smtClean="0"/>
-              <a:t>2020/12/21</a:t>
+              <a:t>2021/5/3</a:t>
             </a:fld>
             <a:endParaRPr kumimoji="1" lang="ja-JP" altLang="en-US"/>
           </a:p>
@@ -2928,7 +2929,7 @@
           <a:p>
             <a:fld id="{C2C73DE5-1C8B-4475-AFC6-683C13AACC76}" type="datetimeFigureOut">
               <a:rPr kumimoji="1" lang="ja-JP" altLang="en-US" smtClean="0"/>
-              <a:t>2020/12/21</a:t>
+              <a:t>2021/5/3</a:t>
             </a:fld>
             <a:endParaRPr kumimoji="1" lang="ja-JP" altLang="en-US"/>
           </a:p>
@@ -3201,7 +3202,7 @@
           <a:p>
             <a:fld id="{C2C73DE5-1C8B-4475-AFC6-683C13AACC76}" type="datetimeFigureOut">
               <a:rPr kumimoji="1" lang="ja-JP" altLang="en-US" smtClean="0"/>
-              <a:t>2020/12/21</a:t>
+              <a:t>2021/5/3</a:t>
             </a:fld>
             <a:endParaRPr kumimoji="1" lang="ja-JP" altLang="en-US"/>
           </a:p>
@@ -6442,223 +6443,6 @@
       </p:grpSpPr>
       <p:grpSp>
         <p:nvGrpSpPr>
-          <p:cNvPr id="82" name="グループ化 81">
-            <a:extLst>
-              <a:ext uri="{FF2B5EF4-FFF2-40B4-BE49-F238E27FC236}">
-                <a16:creationId xmlns:a16="http://schemas.microsoft.com/office/drawing/2014/main" id="{E941B1DC-4FE8-4E68-B5D6-0F77DB1B1275}"/>
-              </a:ext>
-            </a:extLst>
-          </p:cNvPr>
-          <p:cNvGrpSpPr/>
-          <p:nvPr/>
-        </p:nvGrpSpPr>
-        <p:grpSpPr>
-          <a:xfrm>
-            <a:off x="2307254" y="4829049"/>
-            <a:ext cx="5465349" cy="1880433"/>
-            <a:chOff x="3076023" y="3023664"/>
-            <a:chExt cx="5465349" cy="1880433"/>
-          </a:xfrm>
-        </p:grpSpPr>
-        <p:sp>
-          <p:nvSpPr>
-            <p:cNvPr id="75" name="円弧 74">
-              <a:extLst>
-                <a:ext uri="{FF2B5EF4-FFF2-40B4-BE49-F238E27FC236}">
-                  <a16:creationId xmlns:a16="http://schemas.microsoft.com/office/drawing/2014/main" id="{F2143E81-5876-486C-BBCA-498F8398B66E}"/>
-                </a:ext>
-              </a:extLst>
-            </p:cNvPr>
-            <p:cNvSpPr/>
-            <p:nvPr/>
-          </p:nvSpPr>
-          <p:spPr>
-            <a:xfrm rot="5400000">
-              <a:off x="4866121" y="1322825"/>
-              <a:ext cx="1880433" cy="5282111"/>
-            </a:xfrm>
-            <a:prstGeom prst="arc">
-              <a:avLst>
-                <a:gd name="adj1" fmla="val 16200000"/>
-                <a:gd name="adj2" fmla="val 5414027"/>
-              </a:avLst>
-            </a:prstGeom>
-            <a:ln w="25400">
-              <a:solidFill>
-                <a:schemeClr val="tx1"/>
-              </a:solidFill>
-            </a:ln>
-          </p:spPr>
-          <p:style>
-            <a:lnRef idx="1">
-              <a:schemeClr val="accent1"/>
-            </a:lnRef>
-            <a:fillRef idx="0">
-              <a:schemeClr val="accent1"/>
-            </a:fillRef>
-            <a:effectRef idx="0">
-              <a:schemeClr val="accent1"/>
-            </a:effectRef>
-            <a:fontRef idx="minor">
-              <a:schemeClr val="tx1"/>
-            </a:fontRef>
-          </p:style>
-          <p:txBody>
-            <a:bodyPr rtlCol="0" anchor="ctr"/>
-            <a:lstStyle/>
-            <a:p>
-              <a:pPr algn="ctr"/>
-              <a:endParaRPr kumimoji="1" lang="ja-JP" altLang="en-US"/>
-            </a:p>
-          </p:txBody>
-        </p:sp>
-        <p:sp>
-          <p:nvSpPr>
-            <p:cNvPr id="78" name="二等辺三角形 77">
-              <a:extLst>
-                <a:ext uri="{FF2B5EF4-FFF2-40B4-BE49-F238E27FC236}">
-                  <a16:creationId xmlns:a16="http://schemas.microsoft.com/office/drawing/2014/main" id="{BEEF461A-5A29-435A-A2A6-9698F5A31A7B}"/>
-                </a:ext>
-              </a:extLst>
-            </p:cNvPr>
-            <p:cNvSpPr/>
-            <p:nvPr/>
-          </p:nvSpPr>
-          <p:spPr>
-            <a:xfrm>
-              <a:off x="3076023" y="3853900"/>
-              <a:ext cx="178517" cy="155643"/>
-            </a:xfrm>
-            <a:prstGeom prst="triangle">
-              <a:avLst/>
-            </a:prstGeom>
-            <a:solidFill>
-              <a:schemeClr val="tx1"/>
-            </a:solidFill>
-            <a:ln>
-              <a:solidFill>
-                <a:schemeClr val="tx1"/>
-              </a:solidFill>
-            </a:ln>
-          </p:spPr>
-          <p:style>
-            <a:lnRef idx="2">
-              <a:schemeClr val="accent1">
-                <a:shade val="50000"/>
-              </a:schemeClr>
-            </a:lnRef>
-            <a:fillRef idx="1">
-              <a:schemeClr val="accent1"/>
-            </a:fillRef>
-            <a:effectRef idx="0">
-              <a:schemeClr val="accent1"/>
-            </a:effectRef>
-            <a:fontRef idx="minor">
-              <a:schemeClr val="lt1"/>
-            </a:fontRef>
-          </p:style>
-          <p:txBody>
-            <a:bodyPr rtlCol="0" anchor="ctr"/>
-            <a:lstStyle/>
-            <a:p>
-              <a:pPr algn="ctr"/>
-              <a:endParaRPr kumimoji="1" lang="ja-JP" altLang="en-US"/>
-            </a:p>
-          </p:txBody>
-        </p:sp>
-        <p:sp>
-          <p:nvSpPr>
-            <p:cNvPr id="79" name="二等辺三角形 78">
-              <a:extLst>
-                <a:ext uri="{FF2B5EF4-FFF2-40B4-BE49-F238E27FC236}">
-                  <a16:creationId xmlns:a16="http://schemas.microsoft.com/office/drawing/2014/main" id="{0797A4ED-D30F-465F-8703-76EE060D8237}"/>
-                </a:ext>
-              </a:extLst>
-            </p:cNvPr>
-            <p:cNvSpPr/>
-            <p:nvPr/>
-          </p:nvSpPr>
-          <p:spPr>
-            <a:xfrm>
-              <a:off x="8362855" y="3853899"/>
-              <a:ext cx="178517" cy="155643"/>
-            </a:xfrm>
-            <a:prstGeom prst="triangle">
-              <a:avLst/>
-            </a:prstGeom>
-            <a:solidFill>
-              <a:schemeClr val="tx1"/>
-            </a:solidFill>
-            <a:ln>
-              <a:solidFill>
-                <a:schemeClr val="tx1"/>
-              </a:solidFill>
-            </a:ln>
-          </p:spPr>
-          <p:style>
-            <a:lnRef idx="2">
-              <a:schemeClr val="accent1">
-                <a:shade val="50000"/>
-              </a:schemeClr>
-            </a:lnRef>
-            <a:fillRef idx="1">
-              <a:schemeClr val="accent1"/>
-            </a:fillRef>
-            <a:effectRef idx="0">
-              <a:schemeClr val="accent1"/>
-            </a:effectRef>
-            <a:fontRef idx="minor">
-              <a:schemeClr val="lt1"/>
-            </a:fontRef>
-          </p:style>
-          <p:txBody>
-            <a:bodyPr rtlCol="0" anchor="ctr"/>
-            <a:lstStyle/>
-            <a:p>
-              <a:pPr algn="ctr"/>
-              <a:endParaRPr kumimoji="1" lang="ja-JP" altLang="en-US"/>
-            </a:p>
-          </p:txBody>
-        </p:sp>
-        <p:sp>
-          <p:nvSpPr>
-            <p:cNvPr id="81" name="テキスト ボックス 80">
-              <a:extLst>
-                <a:ext uri="{FF2B5EF4-FFF2-40B4-BE49-F238E27FC236}">
-                  <a16:creationId xmlns:a16="http://schemas.microsoft.com/office/drawing/2014/main" id="{481693F4-6F83-428B-A5EE-852FC1AC9EFA}"/>
-                </a:ext>
-              </a:extLst>
-            </p:cNvPr>
-            <p:cNvSpPr txBox="1"/>
-            <p:nvPr/>
-          </p:nvSpPr>
-          <p:spPr>
-            <a:xfrm>
-              <a:off x="5071769" y="4491371"/>
-              <a:ext cx="1718553" cy="369332"/>
-            </a:xfrm>
-            <a:prstGeom prst="rect">
-              <a:avLst/>
-            </a:prstGeom>
-            <a:noFill/>
-          </p:spPr>
-          <p:txBody>
-            <a:bodyPr wrap="square" rtlCol="0">
-              <a:spAutoFit/>
-            </a:bodyPr>
-            <a:lstStyle/>
-            <a:p>
-              <a:pPr algn="ctr"/>
-              <a:r>
-                <a:rPr kumimoji="1" lang="ja-JP" altLang="en-US" dirty="0"/>
-                <a:t>同一の波形</a:t>
-              </a:r>
-            </a:p>
-          </p:txBody>
-        </p:sp>
-      </p:grpSp>
-      <p:grpSp>
-        <p:nvGrpSpPr>
           <p:cNvPr id="84" name="グループ化 83">
             <a:extLst>
               <a:ext uri="{FF2B5EF4-FFF2-40B4-BE49-F238E27FC236}">
@@ -7711,6 +7495,644 @@
 </p:sld>
 </file>
 
+<file path=ppt/slides/slide6.xml><?xml version="1.0" encoding="utf-8"?>
+<p:sld xmlns:a="http://schemas.openxmlformats.org/drawingml/2006/main" xmlns:r="http://schemas.openxmlformats.org/officeDocument/2006/relationships" xmlns:p="http://schemas.openxmlformats.org/presentationml/2006/main">
+  <p:cSld>
+    <p:spTree>
+      <p:nvGrpSpPr>
+        <p:cNvPr id="1" name=""/>
+        <p:cNvGrpSpPr/>
+        <p:nvPr/>
+      </p:nvGrpSpPr>
+      <p:grpSpPr>
+        <a:xfrm>
+          <a:off x="0" y="0"/>
+          <a:ext cx="0" cy="0"/>
+          <a:chOff x="0" y="0"/>
+          <a:chExt cx="0" cy="0"/>
+        </a:xfrm>
+      </p:grpSpPr>
+      <p:grpSp>
+        <p:nvGrpSpPr>
+          <p:cNvPr id="34" name="グループ化 33">
+            <a:extLst>
+              <a:ext uri="{FF2B5EF4-FFF2-40B4-BE49-F238E27FC236}">
+                <a16:creationId xmlns:a16="http://schemas.microsoft.com/office/drawing/2014/main" id="{41621508-55F2-47C9-BDEE-F2EF8EC5DE86}"/>
+              </a:ext>
+            </a:extLst>
+          </p:cNvPr>
+          <p:cNvGrpSpPr/>
+          <p:nvPr/>
+        </p:nvGrpSpPr>
+        <p:grpSpPr>
+          <a:xfrm>
+            <a:off x="1679665" y="1973787"/>
+            <a:ext cx="8832670" cy="3322202"/>
+            <a:chOff x="1410590" y="2323983"/>
+            <a:chExt cx="8832670" cy="3322202"/>
+          </a:xfrm>
+        </p:grpSpPr>
+        <p:grpSp>
+          <p:nvGrpSpPr>
+            <p:cNvPr id="13" name="グループ化 12">
+              <a:extLst>
+                <a:ext uri="{FF2B5EF4-FFF2-40B4-BE49-F238E27FC236}">
+                  <a16:creationId xmlns:a16="http://schemas.microsoft.com/office/drawing/2014/main" id="{AB53520A-97EF-4266-BDF9-878F1D664582}"/>
+                </a:ext>
+              </a:extLst>
+            </p:cNvPr>
+            <p:cNvGrpSpPr/>
+            <p:nvPr/>
+          </p:nvGrpSpPr>
+          <p:grpSpPr>
+            <a:xfrm>
+              <a:off x="1410590" y="2636195"/>
+              <a:ext cx="2971812" cy="2128841"/>
+              <a:chOff x="1410590" y="2636195"/>
+              <a:chExt cx="2971812" cy="2128841"/>
+            </a:xfrm>
+          </p:grpSpPr>
+          <p:pic>
+            <p:nvPicPr>
+              <p:cNvPr id="11" name="図 10">
+                <a:extLst>
+                  <a:ext uri="{FF2B5EF4-FFF2-40B4-BE49-F238E27FC236}">
+                    <a16:creationId xmlns:a16="http://schemas.microsoft.com/office/drawing/2014/main" id="{1EB642D9-1412-45A5-A464-B2096AE1306C}"/>
+                  </a:ext>
+                </a:extLst>
+              </p:cNvPr>
+              <p:cNvPicPr>
+                <a:picLocks noChangeAspect="1"/>
+              </p:cNvPicPr>
+              <p:nvPr/>
+            </p:nvPicPr>
+            <p:blipFill>
+              <a:blip r:embed="rId2">
+                <a:extLst>
+                  <a:ext uri="{28A0092B-C50C-407E-A947-70E740481C1C}">
+                    <a14:useLocalDpi xmlns:a14="http://schemas.microsoft.com/office/drawing/2010/main" val="0"/>
+                  </a:ext>
+                </a:extLst>
+              </a:blip>
+              <a:stretch>
+                <a:fillRect/>
+              </a:stretch>
+            </p:blipFill>
+            <p:spPr>
+              <a:xfrm>
+                <a:off x="1410590" y="2636195"/>
+                <a:ext cx="2971812" cy="2128841"/>
+              </a:xfrm>
+              <a:prstGeom prst="rect">
+                <a:avLst/>
+              </a:prstGeom>
+            </p:spPr>
+          </p:pic>
+          <p:sp>
+            <p:nvSpPr>
+              <p:cNvPr id="12" name="正方形/長方形 11">
+                <a:extLst>
+                  <a:ext uri="{FF2B5EF4-FFF2-40B4-BE49-F238E27FC236}">
+                    <a16:creationId xmlns:a16="http://schemas.microsoft.com/office/drawing/2014/main" id="{D824C82D-5FBB-4F18-A367-8AC5A24E9DE5}"/>
+                  </a:ext>
+                </a:extLst>
+              </p:cNvPr>
+              <p:cNvSpPr/>
+              <p:nvPr/>
+            </p:nvSpPr>
+            <p:spPr>
+              <a:xfrm>
+                <a:off x="2986391" y="2850206"/>
+                <a:ext cx="1031132" cy="486383"/>
+              </a:xfrm>
+              <a:prstGeom prst="rect">
+                <a:avLst/>
+              </a:prstGeom>
+              <a:solidFill>
+                <a:schemeClr val="bg1"/>
+              </a:solidFill>
+              <a:ln>
+                <a:noFill/>
+              </a:ln>
+            </p:spPr>
+            <p:style>
+              <a:lnRef idx="2">
+                <a:schemeClr val="accent1">
+                  <a:shade val="50000"/>
+                </a:schemeClr>
+              </a:lnRef>
+              <a:fillRef idx="1">
+                <a:schemeClr val="accent1"/>
+              </a:fillRef>
+              <a:effectRef idx="0">
+                <a:schemeClr val="accent1"/>
+              </a:effectRef>
+              <a:fontRef idx="minor">
+                <a:schemeClr val="lt1"/>
+              </a:fontRef>
+            </p:style>
+            <p:txBody>
+              <a:bodyPr rtlCol="0" anchor="ctr"/>
+              <a:lstStyle/>
+              <a:p>
+                <a:pPr algn="ctr"/>
+                <a:r>
+                  <a:rPr kumimoji="1" lang="ja-JP" altLang="en-US" sz="2400" b="1" dirty="0">
+                    <a:solidFill>
+                      <a:schemeClr val="tx1"/>
+                    </a:solidFill>
+                  </a:rPr>
+                  <a:t>❤ </a:t>
+                </a:r>
+                <a:r>
+                  <a:rPr lang="en-US" altLang="ja-JP" sz="2400" b="1" dirty="0">
+                    <a:solidFill>
+                      <a:schemeClr val="tx1"/>
+                    </a:solidFill>
+                  </a:rPr>
+                  <a:t>7</a:t>
+                </a:r>
+                <a:r>
+                  <a:rPr kumimoji="1" lang="en-US" altLang="ja-JP" sz="2400" b="1" dirty="0">
+                    <a:solidFill>
+                      <a:schemeClr val="tx1"/>
+                    </a:solidFill>
+                  </a:rPr>
+                  <a:t>0</a:t>
+                </a:r>
+                <a:endParaRPr kumimoji="1" lang="ja-JP" altLang="en-US" sz="2400" b="1" dirty="0">
+                  <a:solidFill>
+                    <a:schemeClr val="tx1"/>
+                  </a:solidFill>
+                </a:endParaRPr>
+              </a:p>
+            </p:txBody>
+          </p:sp>
+        </p:grpSp>
+        <p:sp>
+          <p:nvSpPr>
+            <p:cNvPr id="21" name="テキスト ボックス 20">
+              <a:extLst>
+                <a:ext uri="{FF2B5EF4-FFF2-40B4-BE49-F238E27FC236}">
+                  <a16:creationId xmlns:a16="http://schemas.microsoft.com/office/drawing/2014/main" id="{98F0DEE3-61A8-4884-A871-F264E7095E2F}"/>
+                </a:ext>
+              </a:extLst>
+            </p:cNvPr>
+            <p:cNvSpPr txBox="1"/>
+            <p:nvPr/>
+          </p:nvSpPr>
+          <p:spPr>
+            <a:xfrm>
+              <a:off x="1461666" y="4815188"/>
+              <a:ext cx="2869659" cy="461665"/>
+            </a:xfrm>
+            <a:prstGeom prst="rect">
+              <a:avLst/>
+            </a:prstGeom>
+            <a:noFill/>
+          </p:spPr>
+          <p:txBody>
+            <a:bodyPr wrap="square" rtlCol="0">
+              <a:spAutoFit/>
+            </a:bodyPr>
+            <a:lstStyle/>
+            <a:p>
+              <a:pPr algn="ctr"/>
+              <a:r>
+                <a:rPr kumimoji="1" lang="ja-JP" altLang="en-US" sz="2400" b="1" dirty="0"/>
+                <a:t>目標心拍数を入力</a:t>
+              </a:r>
+              <a:endParaRPr kumimoji="1" lang="en-US" altLang="ja-JP" sz="2400" b="1" dirty="0"/>
+            </a:p>
+          </p:txBody>
+        </p:sp>
+        <p:cxnSp>
+          <p:nvCxnSpPr>
+            <p:cNvPr id="23" name="直線矢印コネクタ 22">
+              <a:extLst>
+                <a:ext uri="{FF2B5EF4-FFF2-40B4-BE49-F238E27FC236}">
+                  <a16:creationId xmlns:a16="http://schemas.microsoft.com/office/drawing/2014/main" id="{239F1B60-A3EB-4FC0-B769-80CC15506DAB}"/>
+                </a:ext>
+              </a:extLst>
+            </p:cNvPr>
+            <p:cNvCxnSpPr>
+              <a:cxnSpLocks/>
+            </p:cNvCxnSpPr>
+            <p:nvPr/>
+          </p:nvCxnSpPr>
+          <p:spPr>
+            <a:xfrm>
+              <a:off x="4616099" y="3704719"/>
+              <a:ext cx="2188921" cy="1"/>
+            </a:xfrm>
+            <a:prstGeom prst="straightConnector1">
+              <a:avLst/>
+            </a:prstGeom>
+            <a:ln w="76200">
+              <a:solidFill>
+                <a:schemeClr val="tx1"/>
+              </a:solidFill>
+              <a:tailEnd type="triangle"/>
+            </a:ln>
+          </p:spPr>
+          <p:style>
+            <a:lnRef idx="1">
+              <a:schemeClr val="accent1"/>
+            </a:lnRef>
+            <a:fillRef idx="0">
+              <a:schemeClr val="accent1"/>
+            </a:fillRef>
+            <a:effectRef idx="0">
+              <a:schemeClr val="accent1"/>
+            </a:effectRef>
+            <a:fontRef idx="minor">
+              <a:schemeClr val="tx1"/>
+            </a:fontRef>
+          </p:style>
+        </p:cxnSp>
+        <p:sp>
+          <p:nvSpPr>
+            <p:cNvPr id="27" name="テキスト ボックス 26">
+              <a:extLst>
+                <a:ext uri="{FF2B5EF4-FFF2-40B4-BE49-F238E27FC236}">
+                  <a16:creationId xmlns:a16="http://schemas.microsoft.com/office/drawing/2014/main" id="{B2423405-DB22-4C0B-AC4E-847A19D79765}"/>
+                </a:ext>
+              </a:extLst>
+            </p:cNvPr>
+            <p:cNvSpPr txBox="1"/>
+            <p:nvPr/>
+          </p:nvSpPr>
+          <p:spPr>
+            <a:xfrm>
+              <a:off x="4526877" y="3800500"/>
+              <a:ext cx="2356630" cy="830997"/>
+            </a:xfrm>
+            <a:prstGeom prst="rect">
+              <a:avLst/>
+            </a:prstGeom>
+            <a:noFill/>
+          </p:spPr>
+          <p:txBody>
+            <a:bodyPr wrap="square" rtlCol="0">
+              <a:spAutoFit/>
+            </a:bodyPr>
+            <a:lstStyle/>
+            <a:p>
+              <a:pPr algn="ctr"/>
+              <a:r>
+                <a:rPr kumimoji="1" lang="ja-JP" altLang="en-US" sz="2400" b="1" dirty="0"/>
+                <a:t>ディスプレイに</a:t>
+              </a:r>
+              <a:endParaRPr kumimoji="1" lang="en-US" altLang="ja-JP" sz="2400" b="1" dirty="0"/>
+            </a:p>
+            <a:p>
+              <a:pPr algn="ctr"/>
+              <a:r>
+                <a:rPr lang="ja-JP" altLang="en-US" sz="2400" b="1" dirty="0"/>
+                <a:t>色データを</a:t>
+              </a:r>
+              <a:r>
+                <a:rPr kumimoji="1" lang="ja-JP" altLang="en-US" sz="2400" b="1" dirty="0"/>
+                <a:t>描画</a:t>
+              </a:r>
+            </a:p>
+          </p:txBody>
+        </p:sp>
+        <p:grpSp>
+          <p:nvGrpSpPr>
+            <p:cNvPr id="32" name="グループ化 31">
+              <a:extLst>
+                <a:ext uri="{FF2B5EF4-FFF2-40B4-BE49-F238E27FC236}">
+                  <a16:creationId xmlns:a16="http://schemas.microsoft.com/office/drawing/2014/main" id="{79854E7D-AEC9-4EE4-8921-5EE49E61F5D8}"/>
+                </a:ext>
+              </a:extLst>
+            </p:cNvPr>
+            <p:cNvGrpSpPr/>
+            <p:nvPr/>
+          </p:nvGrpSpPr>
+          <p:grpSpPr>
+            <a:xfrm>
+              <a:off x="6930702" y="2323983"/>
+              <a:ext cx="3312558" cy="2441053"/>
+              <a:chOff x="6930702" y="2323983"/>
+              <a:chExt cx="3312558" cy="2441053"/>
+            </a:xfrm>
+          </p:grpSpPr>
+          <p:sp>
+            <p:nvSpPr>
+              <p:cNvPr id="16" name="正方形/長方形 15">
+                <a:extLst>
+                  <a:ext uri="{FF2B5EF4-FFF2-40B4-BE49-F238E27FC236}">
+                    <a16:creationId xmlns:a16="http://schemas.microsoft.com/office/drawing/2014/main" id="{4A6703CF-FD48-43A5-9626-8E74BBB0DC55}"/>
+                  </a:ext>
+                </a:extLst>
+              </p:cNvPr>
+              <p:cNvSpPr/>
+              <p:nvPr/>
+            </p:nvSpPr>
+            <p:spPr>
+              <a:xfrm>
+                <a:off x="7039811" y="3100311"/>
+                <a:ext cx="2535446" cy="1200608"/>
+              </a:xfrm>
+              <a:prstGeom prst="rect">
+                <a:avLst/>
+              </a:prstGeom>
+              <a:solidFill>
+                <a:schemeClr val="bg2"/>
+              </a:solidFill>
+              <a:ln w="76200">
+                <a:solidFill>
+                  <a:schemeClr val="tx1"/>
+                </a:solidFill>
+              </a:ln>
+            </p:spPr>
+            <p:style>
+              <a:lnRef idx="2">
+                <a:schemeClr val="accent1">
+                  <a:shade val="50000"/>
+                </a:schemeClr>
+              </a:lnRef>
+              <a:fillRef idx="1">
+                <a:schemeClr val="accent1"/>
+              </a:fillRef>
+              <a:effectRef idx="0">
+                <a:schemeClr val="accent1"/>
+              </a:effectRef>
+              <a:fontRef idx="minor">
+                <a:schemeClr val="lt1"/>
+              </a:fontRef>
+            </p:style>
+            <p:txBody>
+              <a:bodyPr rtlCol="0" anchor="ctr"/>
+              <a:lstStyle/>
+              <a:p>
+                <a:pPr algn="ctr"/>
+                <a:endParaRPr kumimoji="1" lang="ja-JP" altLang="en-US"/>
+              </a:p>
+            </p:txBody>
+          </p:sp>
+          <p:grpSp>
+            <p:nvGrpSpPr>
+              <p:cNvPr id="20" name="グループ化 19">
+                <a:extLst>
+                  <a:ext uri="{FF2B5EF4-FFF2-40B4-BE49-F238E27FC236}">
+                    <a16:creationId xmlns:a16="http://schemas.microsoft.com/office/drawing/2014/main" id="{0F0A246C-BFB0-4B63-BF0D-18C5C9A29238}"/>
+                  </a:ext>
+                </a:extLst>
+              </p:cNvPr>
+              <p:cNvGrpSpPr/>
+              <p:nvPr/>
+            </p:nvGrpSpPr>
+            <p:grpSpPr>
+              <a:xfrm>
+                <a:off x="8489364" y="2636195"/>
+                <a:ext cx="1734440" cy="2128841"/>
+                <a:chOff x="8071076" y="2636195"/>
+                <a:chExt cx="1734440" cy="2128841"/>
+              </a:xfrm>
+            </p:grpSpPr>
+            <p:pic>
+              <p:nvPicPr>
+                <p:cNvPr id="18" name="図 17" descr="アイコン&#10;&#10;自動的に生成された説明">
+                  <a:extLst>
+                    <a:ext uri="{FF2B5EF4-FFF2-40B4-BE49-F238E27FC236}">
+                      <a16:creationId xmlns:a16="http://schemas.microsoft.com/office/drawing/2014/main" id="{8054644B-1863-416A-968E-BE1F9E23B058}"/>
+                    </a:ext>
+                  </a:extLst>
+                </p:cNvPr>
+                <p:cNvPicPr>
+                  <a:picLocks noChangeAspect="1"/>
+                </p:cNvPicPr>
+                <p:nvPr/>
+              </p:nvPicPr>
+              <p:blipFill>
+                <a:blip r:embed="rId3">
+                  <a:extLst>
+                    <a:ext uri="{28A0092B-C50C-407E-A947-70E740481C1C}">
+                      <a14:useLocalDpi xmlns:a14="http://schemas.microsoft.com/office/drawing/2010/main" val="0"/>
+                    </a:ext>
+                  </a:extLst>
+                </a:blip>
+                <a:stretch>
+                  <a:fillRect/>
+                </a:stretch>
+              </p:blipFill>
+              <p:spPr>
+                <a:xfrm>
+                  <a:off x="8071076" y="2636195"/>
+                  <a:ext cx="1734440" cy="2128841"/>
+                </a:xfrm>
+                <a:prstGeom prst="rect">
+                  <a:avLst/>
+                </a:prstGeom>
+              </p:spPr>
+            </p:pic>
+            <p:sp>
+              <p:nvSpPr>
+                <p:cNvPr id="19" name="テキスト ボックス 18">
+                  <a:extLst>
+                    <a:ext uri="{FF2B5EF4-FFF2-40B4-BE49-F238E27FC236}">
+                      <a16:creationId xmlns:a16="http://schemas.microsoft.com/office/drawing/2014/main" id="{B3261F00-40AA-4F22-9220-359F9AA2F125}"/>
+                    </a:ext>
+                  </a:extLst>
+                </p:cNvPr>
+                <p:cNvSpPr txBox="1"/>
+                <p:nvPr/>
+              </p:nvSpPr>
+              <p:spPr>
+                <a:xfrm>
+                  <a:off x="8667342" y="3758982"/>
+                  <a:ext cx="813651" cy="707886"/>
+                </a:xfrm>
+                <a:prstGeom prst="rect">
+                  <a:avLst/>
+                </a:prstGeom>
+                <a:noFill/>
+              </p:spPr>
+              <p:txBody>
+                <a:bodyPr wrap="square" rtlCol="0">
+                  <a:spAutoFit/>
+                </a:bodyPr>
+                <a:lstStyle/>
+                <a:p>
+                  <a:pPr algn="ctr"/>
+                  <a:r>
+                    <a:rPr kumimoji="1" lang="en-US" altLang="ja-JP" sz="4000" b="1" dirty="0">
+                      <a:solidFill>
+                        <a:srgbClr val="FF0000"/>
+                      </a:solidFill>
+                    </a:rPr>
+                    <a:t>70</a:t>
+                  </a:r>
+                  <a:endParaRPr kumimoji="1" lang="ja-JP" altLang="en-US" sz="4000" b="1" dirty="0">
+                    <a:solidFill>
+                      <a:srgbClr val="FF0000"/>
+                    </a:solidFill>
+                  </a:endParaRPr>
+                </a:p>
+              </p:txBody>
+            </p:sp>
+          </p:grpSp>
+          <p:sp>
+            <p:nvSpPr>
+              <p:cNvPr id="28" name="テキスト ボックス 27">
+                <a:extLst>
+                  <a:ext uri="{FF2B5EF4-FFF2-40B4-BE49-F238E27FC236}">
+                    <a16:creationId xmlns:a16="http://schemas.microsoft.com/office/drawing/2014/main" id="{B1C78E2D-3C96-4BD5-BCD4-B2322D390A03}"/>
+                  </a:ext>
+                </a:extLst>
+              </p:cNvPr>
+              <p:cNvSpPr txBox="1"/>
+              <p:nvPr/>
+            </p:nvSpPr>
+            <p:spPr>
+              <a:xfrm>
+                <a:off x="6930702" y="3111132"/>
+                <a:ext cx="1734441" cy="369332"/>
+              </a:xfrm>
+              <a:prstGeom prst="rect">
+                <a:avLst/>
+              </a:prstGeom>
+              <a:noFill/>
+            </p:spPr>
+            <p:txBody>
+              <a:bodyPr wrap="square" rtlCol="0">
+                <a:spAutoFit/>
+              </a:bodyPr>
+              <a:lstStyle/>
+              <a:p>
+                <a:pPr algn="ctr"/>
+                <a:r>
+                  <a:rPr kumimoji="1" lang="ja-JP" altLang="en-US" b="1" dirty="0"/>
+                  <a:t>ディスプレイ</a:t>
+                </a:r>
+              </a:p>
+            </p:txBody>
+          </p:sp>
+          <p:sp>
+            <p:nvSpPr>
+              <p:cNvPr id="30" name="テキスト ボックス 29">
+                <a:extLst>
+                  <a:ext uri="{FF2B5EF4-FFF2-40B4-BE49-F238E27FC236}">
+                    <a16:creationId xmlns:a16="http://schemas.microsoft.com/office/drawing/2014/main" id="{4328B5F8-7C70-4BD4-9D9D-F84911D4262C}"/>
+                  </a:ext>
+                </a:extLst>
+              </p:cNvPr>
+              <p:cNvSpPr txBox="1"/>
+              <p:nvPr/>
+            </p:nvSpPr>
+            <p:spPr>
+              <a:xfrm>
+                <a:off x="8207027" y="2323983"/>
+                <a:ext cx="2036233" cy="369332"/>
+              </a:xfrm>
+              <a:prstGeom prst="rect">
+                <a:avLst/>
+              </a:prstGeom>
+              <a:noFill/>
+            </p:spPr>
+            <p:txBody>
+              <a:bodyPr wrap="square" rtlCol="0">
+                <a:spAutoFit/>
+              </a:bodyPr>
+              <a:lstStyle/>
+              <a:p>
+                <a:pPr algn="ctr"/>
+                <a:r>
+                  <a:rPr kumimoji="1" lang="ja-JP" altLang="en-US" b="1" dirty="0"/>
+                  <a:t>スマートウォッチ</a:t>
+                </a:r>
+              </a:p>
+            </p:txBody>
+          </p:sp>
+        </p:grpSp>
+        <p:sp>
+          <p:nvSpPr>
+            <p:cNvPr id="31" name="テキスト ボックス 30">
+              <a:extLst>
+                <a:ext uri="{FF2B5EF4-FFF2-40B4-BE49-F238E27FC236}">
+                  <a16:creationId xmlns:a16="http://schemas.microsoft.com/office/drawing/2014/main" id="{398E140E-5AC8-44A7-9DDF-6BDADFBBD987}"/>
+                </a:ext>
+              </a:extLst>
+            </p:cNvPr>
+            <p:cNvSpPr txBox="1"/>
+            <p:nvPr/>
+          </p:nvSpPr>
+          <p:spPr>
+            <a:xfrm>
+              <a:off x="7011750" y="4815188"/>
+              <a:ext cx="2955228" cy="830997"/>
+            </a:xfrm>
+            <a:prstGeom prst="rect">
+              <a:avLst/>
+            </a:prstGeom>
+            <a:noFill/>
+          </p:spPr>
+          <p:txBody>
+            <a:bodyPr wrap="square" rtlCol="0">
+              <a:spAutoFit/>
+            </a:bodyPr>
+            <a:lstStyle/>
+            <a:p>
+              <a:pPr algn="ctr"/>
+              <a:r>
+                <a:rPr kumimoji="1" lang="ja-JP" altLang="en-US" sz="2400" b="1" dirty="0"/>
+                <a:t>スマートウォッチで目標心拍数を取得</a:t>
+              </a:r>
+            </a:p>
+          </p:txBody>
+        </p:sp>
+      </p:grpSp>
+      <p:sp>
+        <p:nvSpPr>
+          <p:cNvPr id="35" name="テキスト ボックス 34">
+            <a:extLst>
+              <a:ext uri="{FF2B5EF4-FFF2-40B4-BE49-F238E27FC236}">
+                <a16:creationId xmlns:a16="http://schemas.microsoft.com/office/drawing/2014/main" id="{17C8F259-5E43-4917-B3DD-0CAC9ABDB7C8}"/>
+              </a:ext>
+            </a:extLst>
+          </p:cNvPr>
+          <p:cNvSpPr txBox="1"/>
+          <p:nvPr/>
+        </p:nvSpPr>
+        <p:spPr>
+          <a:xfrm>
+            <a:off x="7772340" y="6446047"/>
+            <a:ext cx="4143983" cy="369332"/>
+          </a:xfrm>
+          <a:prstGeom prst="rect">
+            <a:avLst/>
+          </a:prstGeom>
+          <a:noFill/>
+        </p:spPr>
+        <p:txBody>
+          <a:bodyPr wrap="square" rtlCol="0">
+            <a:spAutoFit/>
+          </a:bodyPr>
+          <a:lstStyle/>
+          <a:p>
+            <a:r>
+              <a:rPr lang="en-US" altLang="ja-JP" dirty="0"/>
+              <a:t>https://www.silhouette-illust.com/</a:t>
+            </a:r>
+            <a:endParaRPr kumimoji="1" lang="ja-JP" altLang="en-US" dirty="0"/>
+          </a:p>
+        </p:txBody>
+      </p:sp>
+    </p:spTree>
+    <p:extLst>
+      <p:ext uri="{BB962C8B-B14F-4D97-AF65-F5344CB8AC3E}">
+        <p14:creationId xmlns:p14="http://schemas.microsoft.com/office/powerpoint/2010/main" val="66009726"/>
+      </p:ext>
+    </p:extLst>
+  </p:cSld>
+  <p:clrMapOvr>
+    <a:masterClrMapping/>
+  </p:clrMapOvr>
+</p:sld>
+</file>
+
 <file path=ppt/theme/theme1.xml><?xml version="1.0" encoding="utf-8"?>
 <a:theme xmlns:a="http://schemas.openxmlformats.org/drawingml/2006/main" name="Office テーマ">
   <a:themeElements>

--- a/paper/pulse/figures/figures.pptx
+++ b/paper/pulse/figures/figures.pptx
@@ -11,6 +11,7 @@
     <p:sldId id="259" r:id="rId5"/>
     <p:sldId id="260" r:id="rId6"/>
     <p:sldId id="261" r:id="rId7"/>
+    <p:sldId id="263" r:id="rId8"/>
   </p:sldIdLst>
   <p:sldSz cx="12192000" cy="6858000"/>
   <p:notesSz cx="6858000" cy="9144000"/>
@@ -7514,10 +7515,10 @@
       </p:grpSpPr>
       <p:grpSp>
         <p:nvGrpSpPr>
-          <p:cNvPr id="34" name="グループ化 33">
+          <p:cNvPr id="2" name="グループ化 1">
             <a:extLst>
               <a:ext uri="{FF2B5EF4-FFF2-40B4-BE49-F238E27FC236}">
-                <a16:creationId xmlns:a16="http://schemas.microsoft.com/office/drawing/2014/main" id="{41621508-55F2-47C9-BDEE-F2EF8EC5DE86}"/>
+                <a16:creationId xmlns:a16="http://schemas.microsoft.com/office/drawing/2014/main" id="{97CBD70E-F2CD-4A9E-93D0-653916FD2D3D}"/>
               </a:ext>
             </a:extLst>
           </p:cNvPr>
@@ -7526,10 +7527,10 @@
         </p:nvGrpSpPr>
         <p:grpSpPr>
           <a:xfrm>
-            <a:off x="1679665" y="1973787"/>
-            <a:ext cx="8832670" cy="3322202"/>
-            <a:chOff x="1410590" y="2323983"/>
-            <a:chExt cx="8832670" cy="3322202"/>
+            <a:off x="1689393" y="2121243"/>
+            <a:ext cx="8813214" cy="3009990"/>
+            <a:chOff x="1679665" y="2285999"/>
+            <a:chExt cx="8813214" cy="3009990"/>
           </a:xfrm>
         </p:grpSpPr>
         <p:grpSp>
@@ -7546,7 +7547,7 @@
           </p:nvGrpSpPr>
           <p:grpSpPr>
             <a:xfrm>
-              <a:off x="1410590" y="2636195"/>
+              <a:off x="1679665" y="2285999"/>
               <a:ext cx="2971812" cy="2128841"/>
               <a:chOff x="1410590" y="2636195"/>
               <a:chExt cx="2971812" cy="2128841"/>
@@ -7683,7 +7684,7 @@
           </p:nvSpPr>
           <p:spPr>
             <a:xfrm>
-              <a:off x="1461666" y="4815188"/>
+              <a:off x="1730741" y="4464992"/>
               <a:ext cx="2869659" cy="461665"/>
             </a:xfrm>
             <a:prstGeom prst="rect">
@@ -7722,7 +7723,7 @@
           </p:nvCxnSpPr>
           <p:spPr>
             <a:xfrm>
-              <a:off x="4616099" y="3704719"/>
+              <a:off x="4885174" y="3354523"/>
               <a:ext cx="2188921" cy="1"/>
             </a:xfrm>
             <a:prstGeom prst="straightConnector1">
@@ -7764,7 +7765,7 @@
           </p:nvSpPr>
           <p:spPr>
             <a:xfrm>
-              <a:off x="4526877" y="3800500"/>
+              <a:off x="4795952" y="3450304"/>
               <a:ext cx="2356630" cy="830997"/>
             </a:xfrm>
             <a:prstGeom prst="rect">
@@ -7812,10 +7813,10 @@
           </p:nvGrpSpPr>
           <p:grpSpPr>
             <a:xfrm>
-              <a:off x="6930702" y="2323983"/>
-              <a:ext cx="3312558" cy="2441053"/>
-              <a:chOff x="6930702" y="2323983"/>
-              <a:chExt cx="3312558" cy="2441053"/>
+              <a:off x="7199394" y="2285999"/>
+              <a:ext cx="3293485" cy="2128841"/>
+              <a:chOff x="6930319" y="2636195"/>
+              <a:chExt cx="3293485" cy="2128841"/>
             </a:xfrm>
           </p:grpSpPr>
           <p:sp>
@@ -7988,7 +7989,7 @@
             </p:nvSpPr>
             <p:spPr>
               <a:xfrm>
-                <a:off x="6930702" y="3111132"/>
+                <a:off x="6930319" y="3515949"/>
                 <a:ext cx="1734441" cy="369332"/>
               </a:xfrm>
               <a:prstGeom prst="rect">
@@ -8010,42 +8011,6 @@
               </a:p>
             </p:txBody>
           </p:sp>
-          <p:sp>
-            <p:nvSpPr>
-              <p:cNvPr id="30" name="テキスト ボックス 29">
-                <a:extLst>
-                  <a:ext uri="{FF2B5EF4-FFF2-40B4-BE49-F238E27FC236}">
-                    <a16:creationId xmlns:a16="http://schemas.microsoft.com/office/drawing/2014/main" id="{4328B5F8-7C70-4BD4-9D9D-F84911D4262C}"/>
-                  </a:ext>
-                </a:extLst>
-              </p:cNvPr>
-              <p:cNvSpPr txBox="1"/>
-              <p:nvPr/>
-            </p:nvSpPr>
-            <p:spPr>
-              <a:xfrm>
-                <a:off x="8207027" y="2323983"/>
-                <a:ext cx="2036233" cy="369332"/>
-              </a:xfrm>
-              <a:prstGeom prst="rect">
-                <a:avLst/>
-              </a:prstGeom>
-              <a:noFill/>
-            </p:spPr>
-            <p:txBody>
-              <a:bodyPr wrap="square" rtlCol="0">
-                <a:spAutoFit/>
-              </a:bodyPr>
-              <a:lstStyle/>
-              <a:p>
-                <a:pPr algn="ctr"/>
-                <a:r>
-                  <a:rPr kumimoji="1" lang="ja-JP" altLang="en-US" b="1" dirty="0"/>
-                  <a:t>スマートウォッチ</a:t>
-                </a:r>
-              </a:p>
-            </p:txBody>
-          </p:sp>
         </p:grpSp>
         <p:sp>
           <p:nvSpPr>
@@ -8061,7 +8026,7 @@
           </p:nvSpPr>
           <p:spPr>
             <a:xfrm>
-              <a:off x="7011750" y="4815188"/>
+              <a:off x="7280825" y="4464992"/>
               <a:ext cx="2955228" cy="830997"/>
             </a:xfrm>
             <a:prstGeom prst="rect">
@@ -8124,6 +8089,1789 @@
     <p:extLst>
       <p:ext uri="{BB962C8B-B14F-4D97-AF65-F5344CB8AC3E}">
         <p14:creationId xmlns:p14="http://schemas.microsoft.com/office/powerpoint/2010/main" val="66009726"/>
+      </p:ext>
+    </p:extLst>
+  </p:cSld>
+  <p:clrMapOvr>
+    <a:masterClrMapping/>
+  </p:clrMapOvr>
+</p:sld>
+</file>
+
+<file path=ppt/slides/slide7.xml><?xml version="1.0" encoding="utf-8"?>
+<p:sld xmlns:a="http://schemas.openxmlformats.org/drawingml/2006/main" xmlns:r="http://schemas.openxmlformats.org/officeDocument/2006/relationships" xmlns:p="http://schemas.openxmlformats.org/presentationml/2006/main">
+  <p:cSld>
+    <p:spTree>
+      <p:nvGrpSpPr>
+        <p:cNvPr id="1" name=""/>
+        <p:cNvGrpSpPr/>
+        <p:nvPr/>
+      </p:nvGrpSpPr>
+      <p:grpSpPr>
+        <a:xfrm>
+          <a:off x="0" y="0"/>
+          <a:ext cx="0" cy="0"/>
+          <a:chOff x="0" y="0"/>
+          <a:chExt cx="0" cy="0"/>
+        </a:xfrm>
+      </p:grpSpPr>
+      <p:grpSp>
+        <p:nvGrpSpPr>
+          <p:cNvPr id="69" name="グループ化 68">
+            <a:extLst>
+              <a:ext uri="{FF2B5EF4-FFF2-40B4-BE49-F238E27FC236}">
+                <a16:creationId xmlns:a16="http://schemas.microsoft.com/office/drawing/2014/main" id="{D441DC6F-062A-4D63-A848-902E5A66317B}"/>
+              </a:ext>
+            </a:extLst>
+          </p:cNvPr>
+          <p:cNvGrpSpPr/>
+          <p:nvPr/>
+        </p:nvGrpSpPr>
+        <p:grpSpPr>
+          <a:xfrm>
+            <a:off x="2057400" y="36031"/>
+            <a:ext cx="6842032" cy="6804988"/>
+            <a:chOff x="2057400" y="36031"/>
+            <a:chExt cx="6842032" cy="6804988"/>
+          </a:xfrm>
+        </p:grpSpPr>
+        <p:cxnSp>
+          <p:nvCxnSpPr>
+            <p:cNvPr id="31" name="直線コネクタ 30">
+              <a:extLst>
+                <a:ext uri="{FF2B5EF4-FFF2-40B4-BE49-F238E27FC236}">
+                  <a16:creationId xmlns:a16="http://schemas.microsoft.com/office/drawing/2014/main" id="{93992D7A-AA89-4BD4-8C74-3E0C150EEC7A}"/>
+                </a:ext>
+              </a:extLst>
+            </p:cNvPr>
+            <p:cNvCxnSpPr>
+              <a:cxnSpLocks/>
+              <a:stCxn id="17" idx="2"/>
+            </p:cNvCxnSpPr>
+            <p:nvPr/>
+          </p:nvCxnSpPr>
+          <p:spPr>
+            <a:xfrm flipH="1">
+              <a:off x="4036506" y="625040"/>
+              <a:ext cx="32" cy="6109200"/>
+            </a:xfrm>
+            <a:prstGeom prst="line">
+              <a:avLst/>
+            </a:prstGeom>
+            <a:ln w="76200">
+              <a:solidFill>
+                <a:schemeClr val="tx1"/>
+              </a:solidFill>
+            </a:ln>
+          </p:spPr>
+          <p:style>
+            <a:lnRef idx="1">
+              <a:schemeClr val="accent1"/>
+            </a:lnRef>
+            <a:fillRef idx="0">
+              <a:schemeClr val="accent1"/>
+            </a:fillRef>
+            <a:effectRef idx="0">
+              <a:schemeClr val="accent1"/>
+            </a:effectRef>
+            <a:fontRef idx="minor">
+              <a:schemeClr val="tx1"/>
+            </a:fontRef>
+          </p:style>
+        </p:cxnSp>
+        <p:cxnSp>
+          <p:nvCxnSpPr>
+            <p:cNvPr id="15" name="直線コネクタ 14">
+              <a:extLst>
+                <a:ext uri="{FF2B5EF4-FFF2-40B4-BE49-F238E27FC236}">
+                  <a16:creationId xmlns:a16="http://schemas.microsoft.com/office/drawing/2014/main" id="{77F5ACB4-7F95-40D6-912A-07862F26916F}"/>
+                </a:ext>
+              </a:extLst>
+            </p:cNvPr>
+            <p:cNvCxnSpPr>
+              <a:cxnSpLocks/>
+              <a:stCxn id="16" idx="2"/>
+              <a:endCxn id="38" idx="4"/>
+            </p:cNvCxnSpPr>
+            <p:nvPr/>
+          </p:nvCxnSpPr>
+          <p:spPr>
+            <a:xfrm>
+              <a:off x="7298721" y="625040"/>
+              <a:ext cx="19017" cy="5101200"/>
+            </a:xfrm>
+            <a:prstGeom prst="line">
+              <a:avLst/>
+            </a:prstGeom>
+            <a:ln w="76200">
+              <a:solidFill>
+                <a:schemeClr val="tx1"/>
+              </a:solidFill>
+            </a:ln>
+          </p:spPr>
+          <p:style>
+            <a:lnRef idx="1">
+              <a:schemeClr val="accent1"/>
+            </a:lnRef>
+            <a:fillRef idx="0">
+              <a:schemeClr val="accent1"/>
+            </a:fillRef>
+            <a:effectRef idx="0">
+              <a:schemeClr val="accent1"/>
+            </a:effectRef>
+            <a:fontRef idx="minor">
+              <a:schemeClr val="tx1"/>
+            </a:fontRef>
+          </p:style>
+        </p:cxnSp>
+        <p:sp>
+          <p:nvSpPr>
+            <p:cNvPr id="16" name="フローチャート: 端子 15">
+              <a:extLst>
+                <a:ext uri="{FF2B5EF4-FFF2-40B4-BE49-F238E27FC236}">
+                  <a16:creationId xmlns:a16="http://schemas.microsoft.com/office/drawing/2014/main" id="{793C2463-02BF-48FE-BB5E-0A12B430A5F6}"/>
+                </a:ext>
+              </a:extLst>
+            </p:cNvPr>
+            <p:cNvSpPr/>
+            <p:nvPr/>
+          </p:nvSpPr>
+          <p:spPr>
+            <a:xfrm>
+              <a:off x="6046569" y="36032"/>
+              <a:ext cx="2504303" cy="589009"/>
+            </a:xfrm>
+            <a:prstGeom prst="flowChartTerminator">
+              <a:avLst/>
+            </a:prstGeom>
+            <a:solidFill>
+              <a:schemeClr val="bg1"/>
+            </a:solidFill>
+            <a:ln w="38100">
+              <a:solidFill>
+                <a:schemeClr val="tx1"/>
+              </a:solidFill>
+            </a:ln>
+          </p:spPr>
+          <p:style>
+            <a:lnRef idx="2">
+              <a:schemeClr val="accent1">
+                <a:shade val="50000"/>
+              </a:schemeClr>
+            </a:lnRef>
+            <a:fillRef idx="1">
+              <a:schemeClr val="accent1"/>
+            </a:fillRef>
+            <a:effectRef idx="0">
+              <a:schemeClr val="accent1"/>
+            </a:effectRef>
+            <a:fontRef idx="minor">
+              <a:schemeClr val="lt1"/>
+            </a:fontRef>
+          </p:style>
+          <p:txBody>
+            <a:bodyPr rtlCol="0" anchor="ctr"/>
+            <a:lstStyle/>
+            <a:p>
+              <a:pPr algn="ctr"/>
+              <a:r>
+                <a:rPr kumimoji="1" lang="en-US" altLang="ja-JP" b="1" dirty="0">
+                  <a:solidFill>
+                    <a:schemeClr val="tx1"/>
+                  </a:solidFill>
+                  <a:latin typeface="Arial" panose="020B0604020202020204" pitchFamily="34" charset="0"/>
+                  <a:cs typeface="Arial" panose="020B0604020202020204" pitchFamily="34" charset="0"/>
+                </a:rPr>
+                <a:t>Processing</a:t>
+              </a:r>
+            </a:p>
+            <a:p>
+              <a:pPr algn="ctr"/>
+              <a:r>
+                <a:rPr kumimoji="1" lang="ja-JP" altLang="en-US" b="1" dirty="0">
+                  <a:solidFill>
+                    <a:schemeClr val="tx1"/>
+                  </a:solidFill>
+                </a:rPr>
+                <a:t>処理開始</a:t>
+              </a:r>
+            </a:p>
+          </p:txBody>
+        </p:sp>
+        <p:sp>
+          <p:nvSpPr>
+            <p:cNvPr id="17" name="フローチャート: 端子 16">
+              <a:extLst>
+                <a:ext uri="{FF2B5EF4-FFF2-40B4-BE49-F238E27FC236}">
+                  <a16:creationId xmlns:a16="http://schemas.microsoft.com/office/drawing/2014/main" id="{E720897E-86E4-4639-A3E4-F4EAFBD4A505}"/>
+                </a:ext>
+              </a:extLst>
+            </p:cNvPr>
+            <p:cNvSpPr/>
+            <p:nvPr/>
+          </p:nvSpPr>
+          <p:spPr>
+            <a:xfrm>
+              <a:off x="2784386" y="36031"/>
+              <a:ext cx="2504303" cy="589009"/>
+            </a:xfrm>
+            <a:prstGeom prst="flowChartTerminator">
+              <a:avLst/>
+            </a:prstGeom>
+            <a:solidFill>
+              <a:schemeClr val="bg1"/>
+            </a:solidFill>
+            <a:ln w="38100">
+              <a:solidFill>
+                <a:schemeClr val="tx1"/>
+              </a:solidFill>
+            </a:ln>
+          </p:spPr>
+          <p:style>
+            <a:lnRef idx="2">
+              <a:schemeClr val="accent1">
+                <a:shade val="50000"/>
+              </a:schemeClr>
+            </a:lnRef>
+            <a:fillRef idx="1">
+              <a:schemeClr val="accent1"/>
+            </a:fillRef>
+            <a:effectRef idx="0">
+              <a:schemeClr val="accent1"/>
+            </a:effectRef>
+            <a:fontRef idx="minor">
+              <a:schemeClr val="lt1"/>
+            </a:fontRef>
+          </p:style>
+          <p:txBody>
+            <a:bodyPr rtlCol="0" anchor="ctr"/>
+            <a:lstStyle/>
+            <a:p>
+              <a:pPr algn="ctr"/>
+              <a:r>
+                <a:rPr lang="en-US" altLang="ja-JP" b="1" dirty="0">
+                  <a:solidFill>
+                    <a:schemeClr val="tx1"/>
+                  </a:solidFill>
+                  <a:latin typeface="Arial" panose="020B0604020202020204" pitchFamily="34" charset="0"/>
+                  <a:cs typeface="Arial" panose="020B0604020202020204" pitchFamily="34" charset="0"/>
+                </a:rPr>
+                <a:t>Python</a:t>
+              </a:r>
+              <a:endParaRPr kumimoji="1" lang="en-US" altLang="ja-JP" b="1" dirty="0">
+                <a:solidFill>
+                  <a:schemeClr val="tx1"/>
+                </a:solidFill>
+                <a:latin typeface="Arial" panose="020B0604020202020204" pitchFamily="34" charset="0"/>
+                <a:cs typeface="Arial" panose="020B0604020202020204" pitchFamily="34" charset="0"/>
+              </a:endParaRPr>
+            </a:p>
+            <a:p>
+              <a:pPr algn="ctr"/>
+              <a:r>
+                <a:rPr kumimoji="1" lang="ja-JP" altLang="en-US" b="1" dirty="0">
+                  <a:solidFill>
+                    <a:schemeClr val="tx1"/>
+                  </a:solidFill>
+                </a:rPr>
+                <a:t>処理開始</a:t>
+              </a:r>
+            </a:p>
+          </p:txBody>
+        </p:sp>
+        <p:sp>
+          <p:nvSpPr>
+            <p:cNvPr id="18" name="フローチャート: 手操作入力 17">
+              <a:extLst>
+                <a:ext uri="{FF2B5EF4-FFF2-40B4-BE49-F238E27FC236}">
+                  <a16:creationId xmlns:a16="http://schemas.microsoft.com/office/drawing/2014/main" id="{4BB55667-64D0-458C-B867-28225880CE9C}"/>
+                </a:ext>
+              </a:extLst>
+            </p:cNvPr>
+            <p:cNvSpPr/>
+            <p:nvPr/>
+          </p:nvSpPr>
+          <p:spPr>
+            <a:xfrm>
+              <a:off x="2784386" y="846719"/>
+              <a:ext cx="2504303" cy="411710"/>
+            </a:xfrm>
+            <a:prstGeom prst="flowChartManualInput">
+              <a:avLst/>
+            </a:prstGeom>
+            <a:solidFill>
+              <a:schemeClr val="bg1"/>
+            </a:solidFill>
+            <a:ln w="38100">
+              <a:solidFill>
+                <a:schemeClr val="tx1"/>
+              </a:solidFill>
+            </a:ln>
+          </p:spPr>
+          <p:style>
+            <a:lnRef idx="2">
+              <a:schemeClr val="accent1">
+                <a:shade val="50000"/>
+              </a:schemeClr>
+            </a:lnRef>
+            <a:fillRef idx="1">
+              <a:schemeClr val="accent1"/>
+            </a:fillRef>
+            <a:effectRef idx="0">
+              <a:schemeClr val="accent1"/>
+            </a:effectRef>
+            <a:fontRef idx="minor">
+              <a:schemeClr val="lt1"/>
+            </a:fontRef>
+          </p:style>
+          <p:txBody>
+            <a:bodyPr rtlCol="0" anchor="ctr"/>
+            <a:lstStyle/>
+            <a:p>
+              <a:pPr algn="ctr"/>
+              <a:r>
+                <a:rPr kumimoji="1" lang="ja-JP" altLang="en-US" b="1" dirty="0">
+                  <a:solidFill>
+                    <a:schemeClr val="tx1"/>
+                  </a:solidFill>
+                </a:rPr>
+                <a:t>心拍数を入力</a:t>
+              </a:r>
+            </a:p>
+          </p:txBody>
+        </p:sp>
+        <mc:AlternateContent xmlns:mc="http://schemas.openxmlformats.org/markup-compatibility/2006" xmlns:a14="http://schemas.microsoft.com/office/drawing/2010/main">
+          <mc:Choice Requires="a14">
+            <p:sp>
+              <p:nvSpPr>
+                <p:cNvPr id="19" name="フローチャート: 定義済み処理 18">
+                  <a:extLst>
+                    <a:ext uri="{FF2B5EF4-FFF2-40B4-BE49-F238E27FC236}">
+                      <a16:creationId xmlns:a16="http://schemas.microsoft.com/office/drawing/2014/main" id="{EFCD9464-C944-48A0-BA03-79425E91C224}"/>
+                    </a:ext>
+                  </a:extLst>
+                </p:cNvPr>
+                <p:cNvSpPr/>
+                <p:nvPr/>
+              </p:nvSpPr>
+              <p:spPr>
+                <a:xfrm>
+                  <a:off x="2784386" y="1480873"/>
+                  <a:ext cx="2504301" cy="412740"/>
+                </a:xfrm>
+                <a:prstGeom prst="flowChartPredefinedProcess">
+                  <a:avLst/>
+                </a:prstGeom>
+                <a:solidFill>
+                  <a:schemeClr val="bg1"/>
+                </a:solidFill>
+                <a:ln w="38100">
+                  <a:solidFill>
+                    <a:schemeClr val="tx1"/>
+                  </a:solidFill>
+                </a:ln>
+              </p:spPr>
+              <p:style>
+                <a:lnRef idx="2">
+                  <a:schemeClr val="accent1">
+                    <a:shade val="50000"/>
+                  </a:schemeClr>
+                </a:lnRef>
+                <a:fillRef idx="1">
+                  <a:schemeClr val="accent1"/>
+                </a:fillRef>
+                <a:effectRef idx="0">
+                  <a:schemeClr val="accent1"/>
+                </a:effectRef>
+                <a:fontRef idx="minor">
+                  <a:schemeClr val="lt1"/>
+                </a:fontRef>
+              </p:style>
+              <p:txBody>
+                <a:bodyPr rtlCol="0" anchor="ctr"/>
+                <a:lstStyle/>
+                <a:p>
+                  <a:pPr algn="ctr"/>
+                  <a14:m>
+                    <m:oMath xmlns:m="http://schemas.openxmlformats.org/officeDocument/2006/math">
+                      <m:r>
+                        <a:rPr kumimoji="1" lang="en-US" altLang="ja-JP" b="1" i="1" smtClean="0">
+                          <a:solidFill>
+                            <a:schemeClr val="tx1"/>
+                          </a:solidFill>
+                          <a:latin typeface="Cambria Math" panose="02040503050406030204" pitchFamily="18" charset="0"/>
+                        </a:rPr>
+                        <m:t>𝑪𝒐𝒍𝒐𝒓𝒔</m:t>
+                      </m:r>
+                    </m:oMath>
+                  </a14:m>
+                  <a:r>
+                    <a:rPr kumimoji="1" lang="ja-JP" altLang="en-US" b="1" dirty="0">
+                      <a:solidFill>
+                        <a:schemeClr val="tx1"/>
+                      </a:solidFill>
+                    </a:rPr>
+                    <a:t>の作成</a:t>
+                  </a:r>
+                </a:p>
+              </p:txBody>
+            </p:sp>
+          </mc:Choice>
+          <mc:Fallback xmlns="">
+            <p:sp>
+              <p:nvSpPr>
+                <p:cNvPr id="19" name="フローチャート: 定義済み処理 18">
+                  <a:extLst>
+                    <a:ext uri="{FF2B5EF4-FFF2-40B4-BE49-F238E27FC236}">
+                      <a16:creationId xmlns:a16="http://schemas.microsoft.com/office/drawing/2014/main" id="{EFCD9464-C944-48A0-BA03-79425E91C224}"/>
+                    </a:ext>
+                  </a:extLst>
+                </p:cNvPr>
+                <p:cNvSpPr>
+                  <a:spLocks noRot="1" noChangeAspect="1" noMove="1" noResize="1" noEditPoints="1" noAdjustHandles="1" noChangeArrowheads="1" noChangeShapeType="1" noTextEdit="1"/>
+                </p:cNvSpPr>
+                <p:nvPr/>
+              </p:nvSpPr>
+              <p:spPr>
+                <a:xfrm>
+                  <a:off x="2784386" y="1480873"/>
+                  <a:ext cx="2504301" cy="412740"/>
+                </a:xfrm>
+                <a:prstGeom prst="flowChartPredefinedProcess">
+                  <a:avLst/>
+                </a:prstGeom>
+                <a:blipFill>
+                  <a:blip r:embed="rId2"/>
+                  <a:stretch>
+                    <a:fillRect b="-12162"/>
+                  </a:stretch>
+                </a:blipFill>
+                <a:ln w="38100">
+                  <a:solidFill>
+                    <a:schemeClr val="tx1"/>
+                  </a:solidFill>
+                </a:ln>
+              </p:spPr>
+              <p:txBody>
+                <a:bodyPr/>
+                <a:lstStyle/>
+                <a:p>
+                  <a:r>
+                    <a:rPr lang="ja-JP" altLang="en-US">
+                      <a:noFill/>
+                    </a:rPr>
+                    <a:t> </a:t>
+                  </a:r>
+                </a:p>
+              </p:txBody>
+            </p:sp>
+          </mc:Fallback>
+        </mc:AlternateContent>
+        <mc:AlternateContent xmlns:mc="http://schemas.openxmlformats.org/markup-compatibility/2006" xmlns:a14="http://schemas.microsoft.com/office/drawing/2010/main">
+          <mc:Choice Requires="a14">
+            <p:sp>
+              <p:nvSpPr>
+                <p:cNvPr id="20" name="正方形/長方形 19">
+                  <a:extLst>
+                    <a:ext uri="{FF2B5EF4-FFF2-40B4-BE49-F238E27FC236}">
+                      <a16:creationId xmlns:a16="http://schemas.microsoft.com/office/drawing/2014/main" id="{481AC35B-EF2F-4DB9-9A20-CC325AF75AEC}"/>
+                    </a:ext>
+                  </a:extLst>
+                </p:cNvPr>
+                <p:cNvSpPr/>
+                <p:nvPr/>
+              </p:nvSpPr>
+              <p:spPr>
+                <a:xfrm>
+                  <a:off x="2784367" y="2116057"/>
+                  <a:ext cx="2504290" cy="612000"/>
+                </a:xfrm>
+                <a:prstGeom prst="rect">
+                  <a:avLst/>
+                </a:prstGeom>
+                <a:solidFill>
+                  <a:schemeClr val="bg1"/>
+                </a:solidFill>
+                <a:ln w="38100">
+                  <a:solidFill>
+                    <a:schemeClr val="tx1"/>
+                  </a:solidFill>
+                </a:ln>
+              </p:spPr>
+              <p:style>
+                <a:lnRef idx="2">
+                  <a:schemeClr val="accent1">
+                    <a:shade val="50000"/>
+                  </a:schemeClr>
+                </a:lnRef>
+                <a:fillRef idx="1">
+                  <a:schemeClr val="accent1"/>
+                </a:fillRef>
+                <a:effectRef idx="0">
+                  <a:schemeClr val="accent1"/>
+                </a:effectRef>
+                <a:fontRef idx="minor">
+                  <a:schemeClr val="lt1"/>
+                </a:fontRef>
+              </p:style>
+              <p:txBody>
+                <a:bodyPr rtlCol="0" anchor="ctr"/>
+                <a:lstStyle/>
+                <a:p>
+                  <a:pPr algn="ctr"/>
+                  <a14:m>
+                    <m:oMath xmlns:m="http://schemas.openxmlformats.org/officeDocument/2006/math">
+                      <m:r>
+                        <a:rPr kumimoji="1" lang="en-US" altLang="ja-JP" b="1" i="1" smtClean="0">
+                          <a:solidFill>
+                            <a:schemeClr val="tx1"/>
+                          </a:solidFill>
+                          <a:latin typeface="Cambria Math" panose="02040503050406030204" pitchFamily="18" charset="0"/>
+                        </a:rPr>
+                        <m:t>𝑪𝒐𝒍𝒐𝒓𝒔</m:t>
+                      </m:r>
+                    </m:oMath>
+                  </a14:m>
+                  <a:r>
+                    <a:rPr kumimoji="1" lang="ja-JP" altLang="en-US" b="1" dirty="0">
+                      <a:solidFill>
+                        <a:schemeClr val="tx1"/>
+                      </a:solidFill>
+                    </a:rPr>
+                    <a:t>から</a:t>
+                  </a:r>
+                  <a:endParaRPr lang="en-US" altLang="ja-JP" b="1" dirty="0">
+                    <a:solidFill>
+                      <a:schemeClr val="tx1"/>
+                    </a:solidFill>
+                  </a:endParaRPr>
+                </a:p>
+                <a:p>
+                  <a:pPr algn="ctr"/>
+                  <a:r>
+                    <a:rPr lang="ja-JP" altLang="en-US" b="1" dirty="0">
+                      <a:solidFill>
+                        <a:schemeClr val="tx1"/>
+                      </a:solidFill>
+                    </a:rPr>
+                    <a:t>データを</a:t>
+                  </a:r>
+                  <a:r>
+                    <a:rPr lang="en-US" altLang="ja-JP" b="1" dirty="0">
+                      <a:solidFill>
+                        <a:schemeClr val="tx1"/>
+                      </a:solidFill>
+                    </a:rPr>
+                    <a:t>1</a:t>
+                  </a:r>
+                  <a:r>
+                    <a:rPr lang="ja-JP" altLang="en-US" b="1" dirty="0">
+                      <a:solidFill>
+                        <a:schemeClr val="tx1"/>
+                      </a:solidFill>
+                    </a:rPr>
+                    <a:t>個取り出す</a:t>
+                  </a:r>
+                  <a:endParaRPr kumimoji="1" lang="en-US" altLang="ja-JP" b="1" dirty="0">
+                    <a:solidFill>
+                      <a:schemeClr val="tx1"/>
+                    </a:solidFill>
+                  </a:endParaRPr>
+                </a:p>
+              </p:txBody>
+            </p:sp>
+          </mc:Choice>
+          <mc:Fallback xmlns="">
+            <p:sp>
+              <p:nvSpPr>
+                <p:cNvPr id="20" name="正方形/長方形 19">
+                  <a:extLst>
+                    <a:ext uri="{FF2B5EF4-FFF2-40B4-BE49-F238E27FC236}">
+                      <a16:creationId xmlns:a16="http://schemas.microsoft.com/office/drawing/2014/main" id="{481AC35B-EF2F-4DB9-9A20-CC325AF75AEC}"/>
+                    </a:ext>
+                  </a:extLst>
+                </p:cNvPr>
+                <p:cNvSpPr>
+                  <a:spLocks noRot="1" noChangeAspect="1" noMove="1" noResize="1" noEditPoints="1" noAdjustHandles="1" noChangeArrowheads="1" noChangeShapeType="1" noTextEdit="1"/>
+                </p:cNvSpPr>
+                <p:nvPr/>
+              </p:nvSpPr>
+              <p:spPr>
+                <a:xfrm>
+                  <a:off x="2784367" y="2116057"/>
+                  <a:ext cx="2504290" cy="612000"/>
+                </a:xfrm>
+                <a:prstGeom prst="rect">
+                  <a:avLst/>
+                </a:prstGeom>
+                <a:blipFill>
+                  <a:blip r:embed="rId3"/>
+                  <a:stretch>
+                    <a:fillRect t="-4673" b="-14019"/>
+                  </a:stretch>
+                </a:blipFill>
+                <a:ln w="38100">
+                  <a:solidFill>
+                    <a:schemeClr val="tx1"/>
+                  </a:solidFill>
+                </a:ln>
+              </p:spPr>
+              <p:txBody>
+                <a:bodyPr/>
+                <a:lstStyle/>
+                <a:p>
+                  <a:r>
+                    <a:rPr lang="ja-JP" altLang="en-US">
+                      <a:noFill/>
+                    </a:rPr>
+                    <a:t> </a:t>
+                  </a:r>
+                </a:p>
+              </p:txBody>
+            </p:sp>
+          </mc:Fallback>
+        </mc:AlternateContent>
+        <mc:AlternateContent xmlns:mc="http://schemas.openxmlformats.org/markup-compatibility/2006" xmlns:a14="http://schemas.microsoft.com/office/drawing/2010/main">
+          <mc:Choice Requires="a14">
+            <p:sp>
+              <p:nvSpPr>
+                <p:cNvPr id="21" name="正方形/長方形 20">
+                  <a:extLst>
+                    <a:ext uri="{FF2B5EF4-FFF2-40B4-BE49-F238E27FC236}">
+                      <a16:creationId xmlns:a16="http://schemas.microsoft.com/office/drawing/2014/main" id="{8AF33B28-197B-4B84-A1A0-57F2AA324900}"/>
+                    </a:ext>
+                  </a:extLst>
+                </p:cNvPr>
+                <p:cNvSpPr/>
+                <p:nvPr/>
+              </p:nvSpPr>
+              <p:spPr>
+                <a:xfrm>
+                  <a:off x="2784390" y="2949900"/>
+                  <a:ext cx="2504277" cy="412740"/>
+                </a:xfrm>
+                <a:prstGeom prst="rect">
+                  <a:avLst/>
+                </a:prstGeom>
+                <a:solidFill>
+                  <a:schemeClr val="bg1"/>
+                </a:solidFill>
+                <a:ln w="38100">
+                  <a:solidFill>
+                    <a:schemeClr val="tx1"/>
+                  </a:solidFill>
+                </a:ln>
+              </p:spPr>
+              <p:style>
+                <a:lnRef idx="2">
+                  <a:schemeClr val="accent1">
+                    <a:shade val="50000"/>
+                  </a:schemeClr>
+                </a:lnRef>
+                <a:fillRef idx="1">
+                  <a:schemeClr val="accent1"/>
+                </a:fillRef>
+                <a:effectRef idx="0">
+                  <a:schemeClr val="accent1"/>
+                </a:effectRef>
+                <a:fontRef idx="minor">
+                  <a:schemeClr val="lt1"/>
+                </a:fontRef>
+              </p:style>
+              <p:txBody>
+                <a:bodyPr rtlCol="0" anchor="ctr"/>
+                <a:lstStyle/>
+                <a:p>
+                  <a:pPr algn="ctr"/>
+                  <a:r>
+                    <a:rPr kumimoji="1" lang="ja-JP" altLang="en-US" b="1" dirty="0">
+                      <a:solidFill>
+                        <a:schemeClr val="tx1"/>
+                      </a:solidFill>
+                    </a:rPr>
+                    <a:t>現在時刻</a:t>
+                  </a:r>
+                  <a14:m>
+                    <m:oMath xmlns:m="http://schemas.openxmlformats.org/officeDocument/2006/math">
+                      <m:sSub>
+                        <m:sSubPr>
+                          <m:ctrlPr>
+                            <a:rPr kumimoji="1" lang="en-US" altLang="ja-JP" b="1" i="1" smtClean="0">
+                              <a:solidFill>
+                                <a:schemeClr val="tx1"/>
+                              </a:solidFill>
+                              <a:latin typeface="Cambria Math" panose="02040503050406030204" pitchFamily="18" charset="0"/>
+                            </a:rPr>
+                          </m:ctrlPr>
+                        </m:sSubPr>
+                        <m:e>
+                          <m:r>
+                            <a:rPr kumimoji="1" lang="en-US" altLang="ja-JP" b="1" i="1" smtClean="0">
+                              <a:solidFill>
+                                <a:schemeClr val="tx1"/>
+                              </a:solidFill>
+                              <a:latin typeface="Cambria Math" panose="02040503050406030204" pitchFamily="18" charset="0"/>
+                            </a:rPr>
+                            <m:t>𝑻</m:t>
+                          </m:r>
+                        </m:e>
+                        <m:sub>
+                          <m:r>
+                            <a:rPr kumimoji="1" lang="en-US" altLang="ja-JP" b="1" i="1" smtClean="0">
+                              <a:solidFill>
+                                <a:schemeClr val="tx1"/>
+                              </a:solidFill>
+                              <a:latin typeface="Cambria Math" panose="02040503050406030204" pitchFamily="18" charset="0"/>
+                            </a:rPr>
+                            <m:t>𝒏𝒐𝒘</m:t>
+                          </m:r>
+                        </m:sub>
+                      </m:sSub>
+                    </m:oMath>
+                  </a14:m>
+                  <a:r>
+                    <a:rPr kumimoji="1" lang="ja-JP" altLang="en-US" b="1" dirty="0">
+                      <a:solidFill>
+                        <a:schemeClr val="tx1"/>
+                      </a:solidFill>
+                    </a:rPr>
+                    <a:t>を取得</a:t>
+                  </a:r>
+                </a:p>
+              </p:txBody>
+            </p:sp>
+          </mc:Choice>
+          <mc:Fallback xmlns="">
+            <p:sp>
+              <p:nvSpPr>
+                <p:cNvPr id="21" name="正方形/長方形 20">
+                  <a:extLst>
+                    <a:ext uri="{FF2B5EF4-FFF2-40B4-BE49-F238E27FC236}">
+                      <a16:creationId xmlns:a16="http://schemas.microsoft.com/office/drawing/2014/main" id="{8AF33B28-197B-4B84-A1A0-57F2AA324900}"/>
+                    </a:ext>
+                  </a:extLst>
+                </p:cNvPr>
+                <p:cNvSpPr>
+                  <a:spLocks noRot="1" noChangeAspect="1" noMove="1" noResize="1" noEditPoints="1" noAdjustHandles="1" noChangeArrowheads="1" noChangeShapeType="1" noTextEdit="1"/>
+                </p:cNvSpPr>
+                <p:nvPr/>
+              </p:nvSpPr>
+              <p:spPr>
+                <a:xfrm>
+                  <a:off x="2784390" y="2949900"/>
+                  <a:ext cx="2504277" cy="412740"/>
+                </a:xfrm>
+                <a:prstGeom prst="rect">
+                  <a:avLst/>
+                </a:prstGeom>
+                <a:blipFill>
+                  <a:blip r:embed="rId4"/>
+                  <a:stretch>
+                    <a:fillRect b="-12162"/>
+                  </a:stretch>
+                </a:blipFill>
+                <a:ln w="38100">
+                  <a:solidFill>
+                    <a:schemeClr val="tx1"/>
+                  </a:solidFill>
+                </a:ln>
+              </p:spPr>
+              <p:txBody>
+                <a:bodyPr/>
+                <a:lstStyle/>
+                <a:p>
+                  <a:r>
+                    <a:rPr lang="ja-JP" altLang="en-US">
+                      <a:noFill/>
+                    </a:rPr>
+                    <a:t> </a:t>
+                  </a:r>
+                </a:p>
+              </p:txBody>
+            </p:sp>
+          </mc:Fallback>
+        </mc:AlternateContent>
+        <p:sp>
+          <p:nvSpPr>
+            <p:cNvPr id="25" name="正方形/長方形 24">
+              <a:extLst>
+                <a:ext uri="{FF2B5EF4-FFF2-40B4-BE49-F238E27FC236}">
+                  <a16:creationId xmlns:a16="http://schemas.microsoft.com/office/drawing/2014/main" id="{C5B93FF8-AE67-42C9-84E4-BA2BED182721}"/>
+                </a:ext>
+              </a:extLst>
+            </p:cNvPr>
+            <p:cNvSpPr/>
+            <p:nvPr/>
+          </p:nvSpPr>
+          <p:spPr>
+            <a:xfrm>
+              <a:off x="2784386" y="3583989"/>
+              <a:ext cx="2504271" cy="412740"/>
+            </a:xfrm>
+            <a:prstGeom prst="rect">
+              <a:avLst/>
+            </a:prstGeom>
+            <a:solidFill>
+              <a:schemeClr val="bg1"/>
+            </a:solidFill>
+            <a:ln w="38100">
+              <a:solidFill>
+                <a:schemeClr val="tx1"/>
+              </a:solidFill>
+            </a:ln>
+          </p:spPr>
+          <p:style>
+            <a:lnRef idx="2">
+              <a:schemeClr val="accent1">
+                <a:shade val="50000"/>
+              </a:schemeClr>
+            </a:lnRef>
+            <a:fillRef idx="1">
+              <a:schemeClr val="accent1"/>
+            </a:fillRef>
+            <a:effectRef idx="0">
+              <a:schemeClr val="accent1"/>
+            </a:effectRef>
+            <a:fontRef idx="minor">
+              <a:schemeClr val="lt1"/>
+            </a:fontRef>
+          </p:style>
+          <p:txBody>
+            <a:bodyPr rtlCol="0" anchor="ctr"/>
+            <a:lstStyle/>
+            <a:p>
+              <a:pPr algn="ctr"/>
+              <a:r>
+                <a:rPr lang="ja-JP" altLang="en-US" b="1" dirty="0">
+                  <a:solidFill>
+                    <a:schemeClr val="tx1"/>
+                  </a:solidFill>
+                </a:rPr>
+                <a:t>データの送信</a:t>
+              </a:r>
+              <a:endParaRPr kumimoji="1" lang="ja-JP" altLang="en-US" b="1" dirty="0">
+                <a:solidFill>
+                  <a:schemeClr val="tx1"/>
+                </a:solidFill>
+              </a:endParaRPr>
+            </a:p>
+          </p:txBody>
+        </p:sp>
+        <p:sp>
+          <p:nvSpPr>
+            <p:cNvPr id="26" name="正方形/長方形 25">
+              <a:extLst>
+                <a:ext uri="{FF2B5EF4-FFF2-40B4-BE49-F238E27FC236}">
+                  <a16:creationId xmlns:a16="http://schemas.microsoft.com/office/drawing/2014/main" id="{15990282-3B3F-4238-8C57-79FF8A4114E7}"/>
+                </a:ext>
+              </a:extLst>
+            </p:cNvPr>
+            <p:cNvSpPr/>
+            <p:nvPr/>
+          </p:nvSpPr>
+          <p:spPr>
+            <a:xfrm>
+              <a:off x="6046569" y="3583989"/>
+              <a:ext cx="2504271" cy="412740"/>
+            </a:xfrm>
+            <a:prstGeom prst="rect">
+              <a:avLst/>
+            </a:prstGeom>
+            <a:solidFill>
+              <a:schemeClr val="bg1"/>
+            </a:solidFill>
+            <a:ln w="38100">
+              <a:solidFill>
+                <a:schemeClr val="tx1"/>
+              </a:solidFill>
+            </a:ln>
+          </p:spPr>
+          <p:style>
+            <a:lnRef idx="2">
+              <a:schemeClr val="accent1">
+                <a:shade val="50000"/>
+              </a:schemeClr>
+            </a:lnRef>
+            <a:fillRef idx="1">
+              <a:schemeClr val="accent1"/>
+            </a:fillRef>
+            <a:effectRef idx="0">
+              <a:schemeClr val="accent1"/>
+            </a:effectRef>
+            <a:fontRef idx="minor">
+              <a:schemeClr val="lt1"/>
+            </a:fontRef>
+          </p:style>
+          <p:txBody>
+            <a:bodyPr rtlCol="0" anchor="ctr"/>
+            <a:lstStyle/>
+            <a:p>
+              <a:pPr algn="ctr"/>
+              <a:r>
+                <a:rPr lang="ja-JP" altLang="en-US" b="1" dirty="0">
+                  <a:solidFill>
+                    <a:schemeClr val="tx1"/>
+                  </a:solidFill>
+                </a:rPr>
+                <a:t>データの受信</a:t>
+              </a:r>
+              <a:endParaRPr kumimoji="1" lang="ja-JP" altLang="en-US" b="1" dirty="0">
+                <a:solidFill>
+                  <a:schemeClr val="tx1"/>
+                </a:solidFill>
+              </a:endParaRPr>
+            </a:p>
+          </p:txBody>
+        </p:sp>
+        <p:cxnSp>
+          <p:nvCxnSpPr>
+            <p:cNvPr id="13" name="直線矢印コネクタ 12">
+              <a:extLst>
+                <a:ext uri="{FF2B5EF4-FFF2-40B4-BE49-F238E27FC236}">
+                  <a16:creationId xmlns:a16="http://schemas.microsoft.com/office/drawing/2014/main" id="{5F3C520D-607A-4725-B9D2-3F8B6EBD1DF5}"/>
+                </a:ext>
+              </a:extLst>
+            </p:cNvPr>
+            <p:cNvCxnSpPr>
+              <a:cxnSpLocks/>
+              <a:stCxn id="25" idx="3"/>
+              <a:endCxn id="26" idx="1"/>
+            </p:cNvCxnSpPr>
+            <p:nvPr/>
+          </p:nvCxnSpPr>
+          <p:spPr>
+            <a:xfrm>
+              <a:off x="5288657" y="3790359"/>
+              <a:ext cx="757912" cy="0"/>
+            </a:xfrm>
+            <a:prstGeom prst="straightConnector1">
+              <a:avLst/>
+            </a:prstGeom>
+            <a:ln w="38100">
+              <a:solidFill>
+                <a:schemeClr val="tx1"/>
+              </a:solidFill>
+              <a:tailEnd type="triangle"/>
+            </a:ln>
+          </p:spPr>
+          <p:style>
+            <a:lnRef idx="1">
+              <a:schemeClr val="accent1"/>
+            </a:lnRef>
+            <a:fillRef idx="0">
+              <a:schemeClr val="accent1"/>
+            </a:fillRef>
+            <a:effectRef idx="0">
+              <a:schemeClr val="accent1"/>
+            </a:effectRef>
+            <a:fontRef idx="minor">
+              <a:schemeClr val="tx1"/>
+            </a:fontRef>
+          </p:style>
+        </p:cxnSp>
+        <p:sp>
+          <p:nvSpPr>
+            <p:cNvPr id="4" name="フローチャート: 表示 3">
+              <a:extLst>
+                <a:ext uri="{FF2B5EF4-FFF2-40B4-BE49-F238E27FC236}">
+                  <a16:creationId xmlns:a16="http://schemas.microsoft.com/office/drawing/2014/main" id="{82FD7EC9-776F-48B2-8A23-F734FEA98452}"/>
+                </a:ext>
+              </a:extLst>
+            </p:cNvPr>
+            <p:cNvSpPr/>
+            <p:nvPr/>
+          </p:nvSpPr>
+          <p:spPr>
+            <a:xfrm>
+              <a:off x="6046569" y="4219173"/>
+              <a:ext cx="2504270" cy="602210"/>
+            </a:xfrm>
+            <a:prstGeom prst="flowChartDisplay">
+              <a:avLst/>
+            </a:prstGeom>
+            <a:solidFill>
+              <a:schemeClr val="bg1"/>
+            </a:solidFill>
+            <a:ln w="38100">
+              <a:solidFill>
+                <a:schemeClr val="tx1"/>
+              </a:solidFill>
+            </a:ln>
+          </p:spPr>
+          <p:style>
+            <a:lnRef idx="2">
+              <a:schemeClr val="accent1">
+                <a:shade val="50000"/>
+              </a:schemeClr>
+            </a:lnRef>
+            <a:fillRef idx="1">
+              <a:schemeClr val="accent1"/>
+            </a:fillRef>
+            <a:effectRef idx="0">
+              <a:schemeClr val="accent1"/>
+            </a:effectRef>
+            <a:fontRef idx="minor">
+              <a:schemeClr val="lt1"/>
+            </a:fontRef>
+          </p:style>
+          <p:txBody>
+            <a:bodyPr rtlCol="0" anchor="ctr"/>
+            <a:lstStyle/>
+            <a:p>
+              <a:pPr algn="ctr"/>
+              <a:r>
+                <a:rPr kumimoji="1" lang="ja-JP" altLang="en-US" b="1" dirty="0">
+                  <a:solidFill>
+                    <a:schemeClr val="tx1"/>
+                  </a:solidFill>
+                </a:rPr>
+                <a:t>ディスプレイに描画</a:t>
+              </a:r>
+            </a:p>
+          </p:txBody>
+        </p:sp>
+        <p:sp>
+          <p:nvSpPr>
+            <p:cNvPr id="27" name="正方形/長方形 26">
+              <a:extLst>
+                <a:ext uri="{FF2B5EF4-FFF2-40B4-BE49-F238E27FC236}">
+                  <a16:creationId xmlns:a16="http://schemas.microsoft.com/office/drawing/2014/main" id="{89D544C9-555F-46E0-8537-36656B52A03A}"/>
+                </a:ext>
+              </a:extLst>
+            </p:cNvPr>
+            <p:cNvSpPr/>
+            <p:nvPr/>
+          </p:nvSpPr>
+          <p:spPr>
+            <a:xfrm>
+              <a:off x="6046568" y="5043827"/>
+              <a:ext cx="2504271" cy="412740"/>
+            </a:xfrm>
+            <a:prstGeom prst="rect">
+              <a:avLst/>
+            </a:prstGeom>
+            <a:solidFill>
+              <a:schemeClr val="bg1"/>
+            </a:solidFill>
+            <a:ln w="38100">
+              <a:solidFill>
+                <a:schemeClr val="tx1"/>
+              </a:solidFill>
+            </a:ln>
+          </p:spPr>
+          <p:style>
+            <a:lnRef idx="2">
+              <a:schemeClr val="accent1">
+                <a:shade val="50000"/>
+              </a:schemeClr>
+            </a:lnRef>
+            <a:fillRef idx="1">
+              <a:schemeClr val="accent1"/>
+            </a:fillRef>
+            <a:effectRef idx="0">
+              <a:schemeClr val="accent1"/>
+            </a:effectRef>
+            <a:fontRef idx="minor">
+              <a:schemeClr val="lt1"/>
+            </a:fontRef>
+          </p:style>
+          <p:txBody>
+            <a:bodyPr rtlCol="0" anchor="ctr"/>
+            <a:lstStyle/>
+            <a:p>
+              <a:pPr algn="ctr"/>
+              <a:r>
+                <a:rPr kumimoji="1" lang="ja-JP" altLang="en-US" b="1" dirty="0">
+                  <a:solidFill>
+                    <a:schemeClr val="tx1"/>
+                  </a:solidFill>
+                </a:rPr>
+                <a:t>完了を通知</a:t>
+              </a:r>
+            </a:p>
+          </p:txBody>
+        </p:sp>
+        <p:sp>
+          <p:nvSpPr>
+            <p:cNvPr id="28" name="正方形/長方形 27">
+              <a:extLst>
+                <a:ext uri="{FF2B5EF4-FFF2-40B4-BE49-F238E27FC236}">
+                  <a16:creationId xmlns:a16="http://schemas.microsoft.com/office/drawing/2014/main" id="{32FBC6B8-F911-493D-93E1-B60DD6B72E52}"/>
+                </a:ext>
+              </a:extLst>
+            </p:cNvPr>
+            <p:cNvSpPr/>
+            <p:nvPr/>
+          </p:nvSpPr>
+          <p:spPr>
+            <a:xfrm>
+              <a:off x="2784386" y="5043827"/>
+              <a:ext cx="2504271" cy="412740"/>
+            </a:xfrm>
+            <a:prstGeom prst="rect">
+              <a:avLst/>
+            </a:prstGeom>
+            <a:solidFill>
+              <a:schemeClr val="bg1"/>
+            </a:solidFill>
+            <a:ln w="38100">
+              <a:solidFill>
+                <a:schemeClr val="tx1"/>
+              </a:solidFill>
+            </a:ln>
+          </p:spPr>
+          <p:style>
+            <a:lnRef idx="2">
+              <a:schemeClr val="accent1">
+                <a:shade val="50000"/>
+              </a:schemeClr>
+            </a:lnRef>
+            <a:fillRef idx="1">
+              <a:schemeClr val="accent1"/>
+            </a:fillRef>
+            <a:effectRef idx="0">
+              <a:schemeClr val="accent1"/>
+            </a:effectRef>
+            <a:fontRef idx="minor">
+              <a:schemeClr val="lt1"/>
+            </a:fontRef>
+          </p:style>
+          <p:txBody>
+            <a:bodyPr rtlCol="0" anchor="ctr"/>
+            <a:lstStyle/>
+            <a:p>
+              <a:pPr algn="ctr"/>
+              <a:r>
+                <a:rPr kumimoji="1" lang="ja-JP" altLang="en-US" b="1" dirty="0">
+                  <a:solidFill>
+                    <a:schemeClr val="tx1"/>
+                  </a:solidFill>
+                </a:rPr>
+                <a:t>通知の受信</a:t>
+              </a:r>
+            </a:p>
+          </p:txBody>
+        </p:sp>
+        <p:cxnSp>
+          <p:nvCxnSpPr>
+            <p:cNvPr id="29" name="直線矢印コネクタ 28">
+              <a:extLst>
+                <a:ext uri="{FF2B5EF4-FFF2-40B4-BE49-F238E27FC236}">
+                  <a16:creationId xmlns:a16="http://schemas.microsoft.com/office/drawing/2014/main" id="{DC35C993-5A53-4902-8677-69DC4E180AC5}"/>
+                </a:ext>
+              </a:extLst>
+            </p:cNvPr>
+            <p:cNvCxnSpPr>
+              <a:cxnSpLocks/>
+              <a:stCxn id="27" idx="1"/>
+              <a:endCxn id="28" idx="3"/>
+            </p:cNvCxnSpPr>
+            <p:nvPr/>
+          </p:nvCxnSpPr>
+          <p:spPr>
+            <a:xfrm flipH="1">
+              <a:off x="5288657" y="5250197"/>
+              <a:ext cx="757911" cy="0"/>
+            </a:xfrm>
+            <a:prstGeom prst="straightConnector1">
+              <a:avLst/>
+            </a:prstGeom>
+            <a:ln w="38100">
+              <a:solidFill>
+                <a:schemeClr val="tx1"/>
+              </a:solidFill>
+              <a:tailEnd type="triangle"/>
+            </a:ln>
+          </p:spPr>
+          <p:style>
+            <a:lnRef idx="1">
+              <a:schemeClr val="accent1"/>
+            </a:lnRef>
+            <a:fillRef idx="0">
+              <a:schemeClr val="accent1"/>
+            </a:fillRef>
+            <a:effectRef idx="0">
+              <a:schemeClr val="accent1"/>
+            </a:effectRef>
+            <a:fontRef idx="minor">
+              <a:schemeClr val="tx1"/>
+            </a:fontRef>
+          </p:style>
+        </p:cxnSp>
+        <p:sp>
+          <p:nvSpPr>
+            <p:cNvPr id="38" name="矢印: U ターン 37">
+              <a:extLst>
+                <a:ext uri="{FF2B5EF4-FFF2-40B4-BE49-F238E27FC236}">
+                  <a16:creationId xmlns:a16="http://schemas.microsoft.com/office/drawing/2014/main" id="{82C9F6D9-B70C-4264-8CB3-166F416EFBAE}"/>
+                </a:ext>
+              </a:extLst>
+            </p:cNvPr>
+            <p:cNvSpPr/>
+            <p:nvPr/>
+          </p:nvSpPr>
+          <p:spPr>
+            <a:xfrm rot="5400000" flipH="1">
+              <a:off x="6920585" y="3718800"/>
+              <a:ext cx="2376000" cy="1581694"/>
+            </a:xfrm>
+            <a:prstGeom prst="uturnArrow">
+              <a:avLst>
+                <a:gd name="adj1" fmla="val 2500"/>
+                <a:gd name="adj2" fmla="val 3906"/>
+                <a:gd name="adj3" fmla="val 10417"/>
+                <a:gd name="adj4" fmla="val 0"/>
+                <a:gd name="adj5" fmla="val 94791"/>
+              </a:avLst>
+            </a:prstGeom>
+            <a:solidFill>
+              <a:schemeClr val="tx1"/>
+            </a:solidFill>
+            <a:ln w="57150">
+              <a:solidFill>
+                <a:schemeClr val="tx1"/>
+              </a:solidFill>
+            </a:ln>
+          </p:spPr>
+          <p:style>
+            <a:lnRef idx="2">
+              <a:schemeClr val="accent1">
+                <a:shade val="50000"/>
+              </a:schemeClr>
+            </a:lnRef>
+            <a:fillRef idx="1">
+              <a:schemeClr val="accent1"/>
+            </a:fillRef>
+            <a:effectRef idx="0">
+              <a:schemeClr val="accent1"/>
+            </a:effectRef>
+            <a:fontRef idx="minor">
+              <a:schemeClr val="lt1"/>
+            </a:fontRef>
+          </p:style>
+          <p:txBody>
+            <a:bodyPr rtlCol="0" anchor="ctr"/>
+            <a:lstStyle/>
+            <a:p>
+              <a:pPr algn="ctr"/>
+              <a:endParaRPr kumimoji="1" lang="ja-JP" altLang="en-US">
+                <a:solidFill>
+                  <a:schemeClr val="tx1"/>
+                </a:solidFill>
+              </a:endParaRPr>
+            </a:p>
+          </p:txBody>
+        </p:sp>
+        <mc:AlternateContent xmlns:mc="http://schemas.openxmlformats.org/markup-compatibility/2006" xmlns:a14="http://schemas.microsoft.com/office/drawing/2010/main">
+          <mc:Choice Requires="a14">
+            <p:sp>
+              <p:nvSpPr>
+                <p:cNvPr id="41" name="フローチャート: 判断 40">
+                  <a:extLst>
+                    <a:ext uri="{FF2B5EF4-FFF2-40B4-BE49-F238E27FC236}">
+                      <a16:creationId xmlns:a16="http://schemas.microsoft.com/office/drawing/2014/main" id="{B8BF0AD2-BB53-4692-8604-C1DD64DF1869}"/>
+                    </a:ext>
+                  </a:extLst>
+                </p:cNvPr>
+                <p:cNvSpPr/>
+                <p:nvPr/>
+              </p:nvSpPr>
+              <p:spPr>
+                <a:xfrm>
+                  <a:off x="2784352" y="5679011"/>
+                  <a:ext cx="2504305" cy="872567"/>
+                </a:xfrm>
+                <a:prstGeom prst="flowChartDecision">
+                  <a:avLst/>
+                </a:prstGeom>
+                <a:solidFill>
+                  <a:schemeClr val="bg1"/>
+                </a:solidFill>
+                <a:ln w="38100">
+                  <a:solidFill>
+                    <a:schemeClr val="tx1"/>
+                  </a:solidFill>
+                </a:ln>
+              </p:spPr>
+              <p:style>
+                <a:lnRef idx="2">
+                  <a:schemeClr val="accent1">
+                    <a:shade val="50000"/>
+                  </a:schemeClr>
+                </a:lnRef>
+                <a:fillRef idx="1">
+                  <a:schemeClr val="accent1"/>
+                </a:fillRef>
+                <a:effectRef idx="0">
+                  <a:schemeClr val="accent1"/>
+                </a:effectRef>
+                <a:fontRef idx="minor">
+                  <a:schemeClr val="lt1"/>
+                </a:fontRef>
+              </p:style>
+              <p:txBody>
+                <a:bodyPr rtlCol="0" anchor="ctr"/>
+                <a:lstStyle/>
+                <a:p>
+                  <a:pPr algn="ctr"/>
+                  <a14:m>
+                    <m:oMath xmlns:m="http://schemas.openxmlformats.org/officeDocument/2006/math">
+                      <m:sSub>
+                        <m:sSubPr>
+                          <m:ctrlPr>
+                            <a:rPr kumimoji="1" lang="en-US" altLang="ja-JP" b="1" i="1" smtClean="0">
+                              <a:solidFill>
+                                <a:schemeClr val="tx1"/>
+                              </a:solidFill>
+                              <a:latin typeface="Cambria Math" panose="02040503050406030204" pitchFamily="18" charset="0"/>
+                            </a:rPr>
+                          </m:ctrlPr>
+                        </m:sSubPr>
+                        <m:e>
+                          <m:r>
+                            <a:rPr kumimoji="1" lang="en-US" altLang="ja-JP" b="1" i="1" smtClean="0">
+                              <a:solidFill>
+                                <a:schemeClr val="tx1"/>
+                              </a:solidFill>
+                              <a:latin typeface="Cambria Math" panose="02040503050406030204" pitchFamily="18" charset="0"/>
+                            </a:rPr>
+                            <m:t>𝑻</m:t>
+                          </m:r>
+                        </m:e>
+                        <m:sub>
+                          <m:r>
+                            <a:rPr kumimoji="1" lang="en-US" altLang="ja-JP" b="1" i="1" smtClean="0">
+                              <a:solidFill>
+                                <a:schemeClr val="tx1"/>
+                              </a:solidFill>
+                              <a:latin typeface="Cambria Math" panose="02040503050406030204" pitchFamily="18" charset="0"/>
+                            </a:rPr>
+                            <m:t>𝒏𝒐𝒘</m:t>
+                          </m:r>
+                        </m:sub>
+                      </m:sSub>
+                    </m:oMath>
+                  </a14:m>
+                  <a:r>
+                    <a:rPr kumimoji="1" lang="ja-JP" altLang="en-US" b="1" dirty="0">
+                      <a:solidFill>
+                        <a:schemeClr val="tx1"/>
+                      </a:solidFill>
+                    </a:rPr>
+                    <a:t>から</a:t>
+                  </a:r>
+                  <a14:m>
+                    <m:oMath xmlns:m="http://schemas.openxmlformats.org/officeDocument/2006/math">
+                      <m:sSub>
+                        <m:sSubPr>
+                          <m:ctrlPr>
+                            <a:rPr kumimoji="1" lang="en-US" altLang="ja-JP" b="1" i="1" dirty="0" smtClean="0">
+                              <a:solidFill>
+                                <a:schemeClr val="tx1"/>
+                              </a:solidFill>
+                              <a:latin typeface="Cambria Math" panose="02040503050406030204" pitchFamily="18" charset="0"/>
+                            </a:rPr>
+                          </m:ctrlPr>
+                        </m:sSubPr>
+                        <m:e>
+                          <m:r>
+                            <a:rPr kumimoji="1" lang="en-US" altLang="ja-JP" b="1" i="1" dirty="0" smtClean="0">
+                              <a:solidFill>
+                                <a:schemeClr val="tx1"/>
+                              </a:solidFill>
+                              <a:latin typeface="Cambria Math" panose="02040503050406030204" pitchFamily="18" charset="0"/>
+                            </a:rPr>
+                            <m:t>𝑻</m:t>
+                          </m:r>
+                        </m:e>
+                        <m:sub>
+                          <m:r>
+                            <a:rPr kumimoji="1" lang="en-US" altLang="ja-JP" b="1" i="1" dirty="0" smtClean="0">
+                              <a:solidFill>
+                                <a:schemeClr val="tx1"/>
+                              </a:solidFill>
+                              <a:latin typeface="Cambria Math" panose="02040503050406030204" pitchFamily="18" charset="0"/>
+                            </a:rPr>
+                            <m:t>𝒘𝒂𝒊𝒕</m:t>
+                          </m:r>
+                        </m:sub>
+                      </m:sSub>
+                    </m:oMath>
+                  </a14:m>
+                  <a:r>
+                    <a:rPr kumimoji="1" lang="ja-JP" altLang="en-US" b="1" dirty="0">
+                      <a:solidFill>
+                        <a:schemeClr val="tx1"/>
+                      </a:solidFill>
+                    </a:rPr>
+                    <a:t>経過</a:t>
+                  </a:r>
+                </a:p>
+              </p:txBody>
+            </p:sp>
+          </mc:Choice>
+          <mc:Fallback xmlns="">
+            <p:sp>
+              <p:nvSpPr>
+                <p:cNvPr id="41" name="フローチャート: 判断 40">
+                  <a:extLst>
+                    <a:ext uri="{FF2B5EF4-FFF2-40B4-BE49-F238E27FC236}">
+                      <a16:creationId xmlns:a16="http://schemas.microsoft.com/office/drawing/2014/main" id="{B8BF0AD2-BB53-4692-8604-C1DD64DF1869}"/>
+                    </a:ext>
+                  </a:extLst>
+                </p:cNvPr>
+                <p:cNvSpPr>
+                  <a:spLocks noRot="1" noChangeAspect="1" noMove="1" noResize="1" noEditPoints="1" noAdjustHandles="1" noChangeArrowheads="1" noChangeShapeType="1" noTextEdit="1"/>
+                </p:cNvSpPr>
+                <p:nvPr/>
+              </p:nvSpPr>
+              <p:spPr>
+                <a:xfrm>
+                  <a:off x="2784352" y="5679011"/>
+                  <a:ext cx="2504305" cy="872567"/>
+                </a:xfrm>
+                <a:prstGeom prst="flowChartDecision">
+                  <a:avLst/>
+                </a:prstGeom>
+                <a:blipFill>
+                  <a:blip r:embed="rId5"/>
+                  <a:stretch>
+                    <a:fillRect/>
+                  </a:stretch>
+                </a:blipFill>
+                <a:ln w="38100">
+                  <a:solidFill>
+                    <a:schemeClr val="tx1"/>
+                  </a:solidFill>
+                </a:ln>
+              </p:spPr>
+              <p:txBody>
+                <a:bodyPr/>
+                <a:lstStyle/>
+                <a:p>
+                  <a:r>
+                    <a:rPr lang="ja-JP" altLang="en-US">
+                      <a:noFill/>
+                    </a:rPr>
+                    <a:t> </a:t>
+                  </a:r>
+                </a:p>
+              </p:txBody>
+            </p:sp>
+          </mc:Fallback>
+        </mc:AlternateContent>
+        <p:sp>
+          <p:nvSpPr>
+            <p:cNvPr id="47" name="矢印: U ターン 46">
+              <a:extLst>
+                <a:ext uri="{FF2B5EF4-FFF2-40B4-BE49-F238E27FC236}">
+                  <a16:creationId xmlns:a16="http://schemas.microsoft.com/office/drawing/2014/main" id="{1BB64918-BC20-4FED-9C28-D0F0D0EF3EF0}"/>
+                </a:ext>
+              </a:extLst>
+            </p:cNvPr>
+            <p:cNvSpPr/>
+            <p:nvPr/>
+          </p:nvSpPr>
+          <p:spPr>
+            <a:xfrm rot="16200000">
+              <a:off x="672819" y="4070188"/>
+              <a:ext cx="3757772" cy="341793"/>
+            </a:xfrm>
+            <a:prstGeom prst="uturnArrow">
+              <a:avLst>
+                <a:gd name="adj1" fmla="val 5721"/>
+                <a:gd name="adj2" fmla="val 20123"/>
+                <a:gd name="adj3" fmla="val 38285"/>
+                <a:gd name="adj4" fmla="val 0"/>
+                <a:gd name="adj5" fmla="val 94791"/>
+              </a:avLst>
+            </a:prstGeom>
+            <a:solidFill>
+              <a:schemeClr val="tx1"/>
+            </a:solidFill>
+            <a:ln w="57150">
+              <a:solidFill>
+                <a:schemeClr val="tx1"/>
+              </a:solidFill>
+            </a:ln>
+          </p:spPr>
+          <p:style>
+            <a:lnRef idx="2">
+              <a:schemeClr val="accent1">
+                <a:shade val="50000"/>
+              </a:schemeClr>
+            </a:lnRef>
+            <a:fillRef idx="1">
+              <a:schemeClr val="accent1"/>
+            </a:fillRef>
+            <a:effectRef idx="0">
+              <a:schemeClr val="accent1"/>
+            </a:effectRef>
+            <a:fontRef idx="minor">
+              <a:schemeClr val="lt1"/>
+            </a:fontRef>
+          </p:style>
+          <p:txBody>
+            <a:bodyPr rtlCol="0" anchor="ctr"/>
+            <a:lstStyle/>
+            <a:p>
+              <a:pPr algn="ctr"/>
+              <a:endParaRPr kumimoji="1" lang="ja-JP" altLang="en-US">
+                <a:solidFill>
+                  <a:schemeClr val="tx1"/>
+                </a:solidFill>
+              </a:endParaRPr>
+            </a:p>
+          </p:txBody>
+        </p:sp>
+        <p:sp>
+          <p:nvSpPr>
+            <p:cNvPr id="54" name="矢印: U ターン 53">
+              <a:extLst>
+                <a:ext uri="{FF2B5EF4-FFF2-40B4-BE49-F238E27FC236}">
+                  <a16:creationId xmlns:a16="http://schemas.microsoft.com/office/drawing/2014/main" id="{23532D1A-3BD0-4F21-9F68-39A48D84B29B}"/>
+                </a:ext>
+              </a:extLst>
+            </p:cNvPr>
+            <p:cNvSpPr/>
+            <p:nvPr/>
+          </p:nvSpPr>
+          <p:spPr>
+            <a:xfrm rot="5400000" flipH="1">
+              <a:off x="5247314" y="6209090"/>
+              <a:ext cx="625815" cy="341793"/>
+            </a:xfrm>
+            <a:prstGeom prst="uturnArrow">
+              <a:avLst>
+                <a:gd name="adj1" fmla="val 5721"/>
+                <a:gd name="adj2" fmla="val 20123"/>
+                <a:gd name="adj3" fmla="val 38285"/>
+                <a:gd name="adj4" fmla="val 0"/>
+                <a:gd name="adj5" fmla="val 94791"/>
+              </a:avLst>
+            </a:prstGeom>
+            <a:solidFill>
+              <a:schemeClr val="tx1"/>
+            </a:solidFill>
+            <a:ln w="57150">
+              <a:solidFill>
+                <a:schemeClr val="tx1"/>
+              </a:solidFill>
+            </a:ln>
+          </p:spPr>
+          <p:style>
+            <a:lnRef idx="2">
+              <a:schemeClr val="accent1">
+                <a:shade val="50000"/>
+              </a:schemeClr>
+            </a:lnRef>
+            <a:fillRef idx="1">
+              <a:schemeClr val="accent1"/>
+            </a:fillRef>
+            <a:effectRef idx="0">
+              <a:schemeClr val="accent1"/>
+            </a:effectRef>
+            <a:fontRef idx="minor">
+              <a:schemeClr val="lt1"/>
+            </a:fontRef>
+          </p:style>
+          <p:txBody>
+            <a:bodyPr rtlCol="0" anchor="ctr"/>
+            <a:lstStyle/>
+            <a:p>
+              <a:pPr algn="ctr"/>
+              <a:endParaRPr kumimoji="1" lang="ja-JP" altLang="en-US">
+                <a:solidFill>
+                  <a:schemeClr val="tx1"/>
+                </a:solidFill>
+              </a:endParaRPr>
+            </a:p>
+          </p:txBody>
+        </p:sp>
+        <p:cxnSp>
+          <p:nvCxnSpPr>
+            <p:cNvPr id="56" name="直線コネクタ 55">
+              <a:extLst>
+                <a:ext uri="{FF2B5EF4-FFF2-40B4-BE49-F238E27FC236}">
+                  <a16:creationId xmlns:a16="http://schemas.microsoft.com/office/drawing/2014/main" id="{8A5A45AE-73AF-4B76-9FBA-53606D7DD50E}"/>
+                </a:ext>
+              </a:extLst>
+            </p:cNvPr>
+            <p:cNvCxnSpPr>
+              <a:cxnSpLocks/>
+            </p:cNvCxnSpPr>
+            <p:nvPr/>
+          </p:nvCxnSpPr>
+          <p:spPr>
+            <a:xfrm flipH="1">
+              <a:off x="4073525" y="6683116"/>
+              <a:ext cx="1317600" cy="14400"/>
+            </a:xfrm>
+            <a:prstGeom prst="line">
+              <a:avLst/>
+            </a:prstGeom>
+            <a:ln w="76200">
+              <a:solidFill>
+                <a:schemeClr val="tx1"/>
+              </a:solidFill>
+            </a:ln>
+          </p:spPr>
+          <p:style>
+            <a:lnRef idx="1">
+              <a:schemeClr val="accent1"/>
+            </a:lnRef>
+            <a:fillRef idx="0">
+              <a:schemeClr val="accent1"/>
+            </a:fillRef>
+            <a:effectRef idx="0">
+              <a:schemeClr val="accent1"/>
+            </a:effectRef>
+            <a:fontRef idx="minor">
+              <a:schemeClr val="tx1"/>
+            </a:fontRef>
+          </p:style>
+        </p:cxnSp>
+        <p:sp>
+          <p:nvSpPr>
+            <p:cNvPr id="60" name="正方形/長方形 59">
+              <a:extLst>
+                <a:ext uri="{FF2B5EF4-FFF2-40B4-BE49-F238E27FC236}">
+                  <a16:creationId xmlns:a16="http://schemas.microsoft.com/office/drawing/2014/main" id="{D071338F-DD6C-478F-BB9E-6BAE6DB542B3}"/>
+                </a:ext>
+              </a:extLst>
+            </p:cNvPr>
+            <p:cNvSpPr/>
+            <p:nvPr/>
+          </p:nvSpPr>
+          <p:spPr>
+            <a:xfrm>
+              <a:off x="2057400" y="5670628"/>
+              <a:ext cx="651865" cy="282497"/>
+            </a:xfrm>
+            <a:prstGeom prst="rect">
+              <a:avLst/>
+            </a:prstGeom>
+            <a:solidFill>
+              <a:schemeClr val="bg1"/>
+            </a:solidFill>
+            <a:ln>
+              <a:noFill/>
+            </a:ln>
+          </p:spPr>
+          <p:style>
+            <a:lnRef idx="2">
+              <a:schemeClr val="accent1">
+                <a:shade val="50000"/>
+              </a:schemeClr>
+            </a:lnRef>
+            <a:fillRef idx="1">
+              <a:schemeClr val="accent1"/>
+            </a:fillRef>
+            <a:effectRef idx="0">
+              <a:schemeClr val="accent1"/>
+            </a:effectRef>
+            <a:fontRef idx="minor">
+              <a:schemeClr val="lt1"/>
+            </a:fontRef>
+          </p:style>
+          <p:txBody>
+            <a:bodyPr rtlCol="0" anchor="ctr"/>
+            <a:lstStyle/>
+            <a:p>
+              <a:pPr algn="ctr"/>
+              <a:r>
+                <a:rPr kumimoji="1" lang="en-US" altLang="ja-JP" b="1" dirty="0">
+                  <a:solidFill>
+                    <a:schemeClr val="tx1"/>
+                  </a:solidFill>
+                  <a:latin typeface="Arial" panose="020B0604020202020204" pitchFamily="34" charset="0"/>
+                  <a:cs typeface="Arial" panose="020B0604020202020204" pitchFamily="34" charset="0"/>
+                </a:rPr>
+                <a:t>Yes</a:t>
+              </a:r>
+              <a:endParaRPr kumimoji="1" lang="ja-JP" altLang="en-US" b="1" dirty="0">
+                <a:solidFill>
+                  <a:schemeClr val="tx1"/>
+                </a:solidFill>
+                <a:latin typeface="Arial" panose="020B0604020202020204" pitchFamily="34" charset="0"/>
+                <a:cs typeface="Arial" panose="020B0604020202020204" pitchFamily="34" charset="0"/>
+              </a:endParaRPr>
+            </a:p>
+          </p:txBody>
+        </p:sp>
+        <p:sp>
+          <p:nvSpPr>
+            <p:cNvPr id="61" name="正方形/長方形 60">
+              <a:extLst>
+                <a:ext uri="{FF2B5EF4-FFF2-40B4-BE49-F238E27FC236}">
+                  <a16:creationId xmlns:a16="http://schemas.microsoft.com/office/drawing/2014/main" id="{A62C49EF-766A-4FEF-8BCD-782D4D290507}"/>
+                </a:ext>
+              </a:extLst>
+            </p:cNvPr>
+            <p:cNvSpPr/>
+            <p:nvPr/>
+          </p:nvSpPr>
+          <p:spPr>
+            <a:xfrm>
+              <a:off x="4616414" y="6558522"/>
+              <a:ext cx="567843" cy="282497"/>
+            </a:xfrm>
+            <a:prstGeom prst="rect">
+              <a:avLst/>
+            </a:prstGeom>
+            <a:solidFill>
+              <a:schemeClr val="bg1"/>
+            </a:solidFill>
+            <a:ln>
+              <a:noFill/>
+            </a:ln>
+          </p:spPr>
+          <p:style>
+            <a:lnRef idx="2">
+              <a:schemeClr val="accent1">
+                <a:shade val="50000"/>
+              </a:schemeClr>
+            </a:lnRef>
+            <a:fillRef idx="1">
+              <a:schemeClr val="accent1"/>
+            </a:fillRef>
+            <a:effectRef idx="0">
+              <a:schemeClr val="accent1"/>
+            </a:effectRef>
+            <a:fontRef idx="minor">
+              <a:schemeClr val="lt1"/>
+            </a:fontRef>
+          </p:style>
+          <p:txBody>
+            <a:bodyPr rtlCol="0" anchor="ctr"/>
+            <a:lstStyle/>
+            <a:p>
+              <a:pPr algn="ctr"/>
+              <a:r>
+                <a:rPr kumimoji="1" lang="en-US" altLang="ja-JP" b="1" dirty="0">
+                  <a:solidFill>
+                    <a:schemeClr val="tx1"/>
+                  </a:solidFill>
+                  <a:latin typeface="Arial" panose="020B0604020202020204" pitchFamily="34" charset="0"/>
+                  <a:cs typeface="Arial" panose="020B0604020202020204" pitchFamily="34" charset="0"/>
+                </a:rPr>
+                <a:t>No</a:t>
+              </a:r>
+              <a:endParaRPr kumimoji="1" lang="ja-JP" altLang="en-US" b="1" dirty="0">
+                <a:solidFill>
+                  <a:schemeClr val="tx1"/>
+                </a:solidFill>
+                <a:latin typeface="Arial" panose="020B0604020202020204" pitchFamily="34" charset="0"/>
+                <a:cs typeface="Arial" panose="020B0604020202020204" pitchFamily="34" charset="0"/>
+              </a:endParaRPr>
+            </a:p>
+          </p:txBody>
+        </p:sp>
+      </p:grpSp>
+    </p:spTree>
+    <p:extLst>
+      <p:ext uri="{BB962C8B-B14F-4D97-AF65-F5344CB8AC3E}">
+        <p14:creationId xmlns:p14="http://schemas.microsoft.com/office/powerpoint/2010/main" val="2622891098"/>
       </p:ext>
     </p:extLst>
   </p:cSld>

--- a/paper/pulse/figures/figures.pptx
+++ b/paper/pulse/figures/figures.pptx
@@ -12,6 +12,7 @@
     <p:sldId id="260" r:id="rId6"/>
     <p:sldId id="261" r:id="rId7"/>
     <p:sldId id="263" r:id="rId8"/>
+    <p:sldId id="264" r:id="rId9"/>
   </p:sldIdLst>
   <p:sldSz cx="12192000" cy="6858000"/>
   <p:notesSz cx="6858000" cy="9144000"/>
@@ -265,7 +266,7 @@
           <a:p>
             <a:fld id="{C2C73DE5-1C8B-4475-AFC6-683C13AACC76}" type="datetimeFigureOut">
               <a:rPr kumimoji="1" lang="ja-JP" altLang="en-US" smtClean="0"/>
-              <a:t>2021/5/3</a:t>
+              <a:t>2021/5/4</a:t>
             </a:fld>
             <a:endParaRPr kumimoji="1" lang="ja-JP" altLang="en-US"/>
           </a:p>
@@ -495,7 +496,7 @@
           <a:p>
             <a:fld id="{C2C73DE5-1C8B-4475-AFC6-683C13AACC76}" type="datetimeFigureOut">
               <a:rPr kumimoji="1" lang="ja-JP" altLang="en-US" smtClean="0"/>
-              <a:t>2021/5/3</a:t>
+              <a:t>2021/5/4</a:t>
             </a:fld>
             <a:endParaRPr kumimoji="1" lang="ja-JP" altLang="en-US"/>
           </a:p>
@@ -735,7 +736,7 @@
           <a:p>
             <a:fld id="{C2C73DE5-1C8B-4475-AFC6-683C13AACC76}" type="datetimeFigureOut">
               <a:rPr kumimoji="1" lang="ja-JP" altLang="en-US" smtClean="0"/>
-              <a:t>2021/5/3</a:t>
+              <a:t>2021/5/4</a:t>
             </a:fld>
             <a:endParaRPr kumimoji="1" lang="ja-JP" altLang="en-US"/>
           </a:p>
@@ -965,7 +966,7 @@
           <a:p>
             <a:fld id="{C2C73DE5-1C8B-4475-AFC6-683C13AACC76}" type="datetimeFigureOut">
               <a:rPr kumimoji="1" lang="ja-JP" altLang="en-US" smtClean="0"/>
-              <a:t>2021/5/3</a:t>
+              <a:t>2021/5/4</a:t>
             </a:fld>
             <a:endParaRPr kumimoji="1" lang="ja-JP" altLang="en-US"/>
           </a:p>
@@ -1240,7 +1241,7 @@
           <a:p>
             <a:fld id="{C2C73DE5-1C8B-4475-AFC6-683C13AACC76}" type="datetimeFigureOut">
               <a:rPr kumimoji="1" lang="ja-JP" altLang="en-US" smtClean="0"/>
-              <a:t>2021/5/3</a:t>
+              <a:t>2021/5/4</a:t>
             </a:fld>
             <a:endParaRPr kumimoji="1" lang="ja-JP" altLang="en-US"/>
           </a:p>
@@ -1569,7 +1570,7 @@
           <a:p>
             <a:fld id="{C2C73DE5-1C8B-4475-AFC6-683C13AACC76}" type="datetimeFigureOut">
               <a:rPr kumimoji="1" lang="ja-JP" altLang="en-US" smtClean="0"/>
-              <a:t>2021/5/3</a:t>
+              <a:t>2021/5/4</a:t>
             </a:fld>
             <a:endParaRPr kumimoji="1" lang="ja-JP" altLang="en-US"/>
           </a:p>
@@ -2045,7 +2046,7 @@
           <a:p>
             <a:fld id="{C2C73DE5-1C8B-4475-AFC6-683C13AACC76}" type="datetimeFigureOut">
               <a:rPr kumimoji="1" lang="ja-JP" altLang="en-US" smtClean="0"/>
-              <a:t>2021/5/3</a:t>
+              <a:t>2021/5/4</a:t>
             </a:fld>
             <a:endParaRPr kumimoji="1" lang="ja-JP" altLang="en-US"/>
           </a:p>
@@ -2186,7 +2187,7 @@
           <a:p>
             <a:fld id="{C2C73DE5-1C8B-4475-AFC6-683C13AACC76}" type="datetimeFigureOut">
               <a:rPr kumimoji="1" lang="ja-JP" altLang="en-US" smtClean="0"/>
-              <a:t>2021/5/3</a:t>
+              <a:t>2021/5/4</a:t>
             </a:fld>
             <a:endParaRPr kumimoji="1" lang="ja-JP" altLang="en-US"/>
           </a:p>
@@ -2299,7 +2300,7 @@
           <a:p>
             <a:fld id="{C2C73DE5-1C8B-4475-AFC6-683C13AACC76}" type="datetimeFigureOut">
               <a:rPr kumimoji="1" lang="ja-JP" altLang="en-US" smtClean="0"/>
-              <a:t>2021/5/3</a:t>
+              <a:t>2021/5/4</a:t>
             </a:fld>
             <a:endParaRPr kumimoji="1" lang="ja-JP" altLang="en-US"/>
           </a:p>
@@ -2642,7 +2643,7 @@
           <a:p>
             <a:fld id="{C2C73DE5-1C8B-4475-AFC6-683C13AACC76}" type="datetimeFigureOut">
               <a:rPr kumimoji="1" lang="ja-JP" altLang="en-US" smtClean="0"/>
-              <a:t>2021/5/3</a:t>
+              <a:t>2021/5/4</a:t>
             </a:fld>
             <a:endParaRPr kumimoji="1" lang="ja-JP" altLang="en-US"/>
           </a:p>
@@ -2930,7 +2931,7 @@
           <a:p>
             <a:fld id="{C2C73DE5-1C8B-4475-AFC6-683C13AACC76}" type="datetimeFigureOut">
               <a:rPr kumimoji="1" lang="ja-JP" altLang="en-US" smtClean="0"/>
-              <a:t>2021/5/3</a:t>
+              <a:t>2021/5/4</a:t>
             </a:fld>
             <a:endParaRPr kumimoji="1" lang="ja-JP" altLang="en-US"/>
           </a:p>
@@ -3203,7 +3204,7 @@
           <a:p>
             <a:fld id="{C2C73DE5-1C8B-4475-AFC6-683C13AACC76}" type="datetimeFigureOut">
               <a:rPr kumimoji="1" lang="ja-JP" altLang="en-US" smtClean="0"/>
-              <a:t>2021/5/3</a:t>
+              <a:t>2021/5/4</a:t>
             </a:fld>
             <a:endParaRPr kumimoji="1" lang="ja-JP" altLang="en-US"/>
           </a:p>
@@ -9881,6 +9882,837 @@
 </p:sld>
 </file>
 
+<file path=ppt/slides/slide8.xml><?xml version="1.0" encoding="utf-8"?>
+<p:sld xmlns:a="http://schemas.openxmlformats.org/drawingml/2006/main" xmlns:r="http://schemas.openxmlformats.org/officeDocument/2006/relationships" xmlns:p="http://schemas.openxmlformats.org/presentationml/2006/main">
+  <p:cSld>
+    <p:spTree>
+      <p:nvGrpSpPr>
+        <p:cNvPr id="1" name=""/>
+        <p:cNvGrpSpPr/>
+        <p:nvPr/>
+      </p:nvGrpSpPr>
+      <p:grpSpPr>
+        <a:xfrm>
+          <a:off x="0" y="0"/>
+          <a:ext cx="0" cy="0"/>
+          <a:chOff x="0" y="0"/>
+          <a:chExt cx="0" cy="0"/>
+        </a:xfrm>
+      </p:grpSpPr>
+      <p:grpSp>
+        <p:nvGrpSpPr>
+          <p:cNvPr id="96" name="グループ化 95">
+            <a:extLst>
+              <a:ext uri="{FF2B5EF4-FFF2-40B4-BE49-F238E27FC236}">
+                <a16:creationId xmlns:a16="http://schemas.microsoft.com/office/drawing/2014/main" id="{5FF89FCC-D4F7-41F0-A407-E1C5C031B6E2}"/>
+              </a:ext>
+            </a:extLst>
+          </p:cNvPr>
+          <p:cNvGrpSpPr/>
+          <p:nvPr/>
+        </p:nvGrpSpPr>
+        <p:grpSpPr>
+          <a:xfrm>
+            <a:off x="1151431" y="756471"/>
+            <a:ext cx="9889138" cy="5345057"/>
+            <a:chOff x="1011775" y="397291"/>
+            <a:chExt cx="9889138" cy="5345057"/>
+          </a:xfrm>
+        </p:grpSpPr>
+        <p:grpSp>
+          <p:nvGrpSpPr>
+            <p:cNvPr id="86" name="グループ化 85">
+              <a:extLst>
+                <a:ext uri="{FF2B5EF4-FFF2-40B4-BE49-F238E27FC236}">
+                  <a16:creationId xmlns:a16="http://schemas.microsoft.com/office/drawing/2014/main" id="{90525FCC-43CE-45C5-8719-B599278C2C01}"/>
+                </a:ext>
+              </a:extLst>
+            </p:cNvPr>
+            <p:cNvGrpSpPr/>
+            <p:nvPr/>
+          </p:nvGrpSpPr>
+          <p:grpSpPr>
+            <a:xfrm>
+              <a:off x="1153943" y="397291"/>
+              <a:ext cx="6262429" cy="2181542"/>
+              <a:chOff x="1153943" y="66545"/>
+              <a:chExt cx="6262429" cy="2181542"/>
+            </a:xfrm>
+          </p:grpSpPr>
+          <p:pic>
+            <p:nvPicPr>
+              <p:cNvPr id="9" name="図 8" descr="電子機器, コンパクトディスク が含まれている画像&#10;&#10;自動的に生成された説明">
+                <a:extLst>
+                  <a:ext uri="{FF2B5EF4-FFF2-40B4-BE49-F238E27FC236}">
+                    <a16:creationId xmlns:a16="http://schemas.microsoft.com/office/drawing/2014/main" id="{F96AC29E-EFA7-4803-B591-7E10CEB29A50}"/>
+                  </a:ext>
+                </a:extLst>
+              </p:cNvPr>
+              <p:cNvPicPr>
+                <a:picLocks noChangeAspect="1"/>
+              </p:cNvPicPr>
+              <p:nvPr/>
+            </p:nvPicPr>
+            <p:blipFill>
+              <a:blip r:embed="rId2">
+                <a:clrChange>
+                  <a:clrFrom>
+                    <a:srgbClr val="000000"/>
+                  </a:clrFrom>
+                  <a:clrTo>
+                    <a:srgbClr val="000000">
+                      <a:alpha val="0"/>
+                    </a:srgbClr>
+                  </a:clrTo>
+                </a:clrChange>
+                <a:extLst>
+                  <a:ext uri="{28A0092B-C50C-407E-A947-70E740481C1C}">
+                    <a14:useLocalDpi xmlns:a14="http://schemas.microsoft.com/office/drawing/2010/main" val="0"/>
+                  </a:ext>
+                </a:extLst>
+              </a:blip>
+              <a:stretch>
+                <a:fillRect/>
+              </a:stretch>
+            </p:blipFill>
+            <p:spPr>
+              <a:xfrm>
+                <a:off x="5065628" y="66545"/>
+                <a:ext cx="1781432" cy="1781432"/>
+              </a:xfrm>
+              <a:prstGeom prst="rect">
+                <a:avLst/>
+              </a:prstGeom>
+            </p:spPr>
+          </p:pic>
+          <p:pic>
+            <p:nvPicPr>
+              <p:cNvPr id="21" name="図 20" descr="電子機器, コンパクトディスク が含まれている画像&#10;&#10;自動的に生成された説明">
+                <a:extLst>
+                  <a:ext uri="{FF2B5EF4-FFF2-40B4-BE49-F238E27FC236}">
+                    <a16:creationId xmlns:a16="http://schemas.microsoft.com/office/drawing/2014/main" id="{ADD19E9F-7419-4A14-9C7C-314428B9DF88}"/>
+                  </a:ext>
+                </a:extLst>
+              </p:cNvPr>
+              <p:cNvPicPr>
+                <a:picLocks noChangeAspect="1"/>
+              </p:cNvPicPr>
+              <p:nvPr/>
+            </p:nvPicPr>
+            <p:blipFill>
+              <a:blip r:embed="rId3">
+                <a:clrChange>
+                  <a:clrFrom>
+                    <a:srgbClr val="000000"/>
+                  </a:clrFrom>
+                  <a:clrTo>
+                    <a:srgbClr val="000000">
+                      <a:alpha val="0"/>
+                    </a:srgbClr>
+                  </a:clrTo>
+                </a:clrChange>
+                <a:extLst>
+                  <a:ext uri="{28A0092B-C50C-407E-A947-70E740481C1C}">
+                    <a14:useLocalDpi xmlns:a14="http://schemas.microsoft.com/office/drawing/2010/main" val="0"/>
+                  </a:ext>
+                </a:extLst>
+              </a:blip>
+              <a:stretch>
+                <a:fillRect/>
+              </a:stretch>
+            </p:blipFill>
+            <p:spPr>
+              <a:xfrm>
+                <a:off x="1700472" y="66545"/>
+                <a:ext cx="1781432" cy="1781432"/>
+              </a:xfrm>
+              <a:prstGeom prst="rect">
+                <a:avLst/>
+              </a:prstGeom>
+            </p:spPr>
+          </p:pic>
+          <p:sp>
+            <p:nvSpPr>
+              <p:cNvPr id="26" name="テキスト ボックス 25">
+                <a:extLst>
+                  <a:ext uri="{FF2B5EF4-FFF2-40B4-BE49-F238E27FC236}">
+                    <a16:creationId xmlns:a16="http://schemas.microsoft.com/office/drawing/2014/main" id="{D1AE6A7B-8440-4F58-8553-4838BB37AA5C}"/>
+                  </a:ext>
+                </a:extLst>
+              </p:cNvPr>
+              <p:cNvSpPr txBox="1"/>
+              <p:nvPr/>
+            </p:nvSpPr>
+            <p:spPr>
+              <a:xfrm>
+                <a:off x="4496316" y="1847977"/>
+                <a:ext cx="2920056" cy="400110"/>
+              </a:xfrm>
+              <a:prstGeom prst="rect">
+                <a:avLst/>
+              </a:prstGeom>
+              <a:noFill/>
+            </p:spPr>
+            <p:txBody>
+              <a:bodyPr wrap="square" rtlCol="0">
+                <a:spAutoFit/>
+              </a:bodyPr>
+              <a:lstStyle/>
+              <a:p>
+                <a:pPr algn="ctr"/>
+                <a:r>
+                  <a:rPr lang="en-US" altLang="ja-JP" sz="2000" b="1" dirty="0"/>
+                  <a:t>(2)</a:t>
+                </a:r>
+                <a:r>
+                  <a:rPr kumimoji="1" lang="en-US" altLang="ja-JP" sz="2000" b="1" dirty="0"/>
+                  <a:t> </a:t>
+                </a:r>
+                <a:r>
+                  <a:rPr kumimoji="1" lang="ja-JP" altLang="en-US" sz="2000" b="1" dirty="0"/>
+                  <a:t>センサデータ変化時</a:t>
+                </a:r>
+              </a:p>
+            </p:txBody>
+          </p:sp>
+          <p:sp>
+            <p:nvSpPr>
+              <p:cNvPr id="28" name="テキスト ボックス 27">
+                <a:extLst>
+                  <a:ext uri="{FF2B5EF4-FFF2-40B4-BE49-F238E27FC236}">
+                    <a16:creationId xmlns:a16="http://schemas.microsoft.com/office/drawing/2014/main" id="{98FE9AF6-FC92-433E-A2FA-96DC5791CB63}"/>
+                  </a:ext>
+                </a:extLst>
+              </p:cNvPr>
+              <p:cNvSpPr txBox="1"/>
+              <p:nvPr/>
+            </p:nvSpPr>
+            <p:spPr>
+              <a:xfrm>
+                <a:off x="1153943" y="1847977"/>
+                <a:ext cx="2874490" cy="400110"/>
+              </a:xfrm>
+              <a:prstGeom prst="rect">
+                <a:avLst/>
+              </a:prstGeom>
+              <a:noFill/>
+            </p:spPr>
+            <p:txBody>
+              <a:bodyPr wrap="square" rtlCol="0">
+                <a:spAutoFit/>
+              </a:bodyPr>
+              <a:lstStyle/>
+              <a:p>
+                <a:pPr algn="ctr"/>
+                <a:r>
+                  <a:rPr lang="en-US" altLang="ja-JP" sz="2000" b="1" dirty="0"/>
+                  <a:t>(1)</a:t>
+                </a:r>
+                <a:r>
+                  <a:rPr kumimoji="1" lang="en-US" altLang="ja-JP" sz="2000" b="1" dirty="0"/>
+                  <a:t> </a:t>
+                </a:r>
+                <a:r>
+                  <a:rPr kumimoji="1" lang="ja-JP" altLang="en-US" sz="2000" b="1" dirty="0"/>
+                  <a:t>起動直後</a:t>
+                </a:r>
+              </a:p>
+            </p:txBody>
+          </p:sp>
+        </p:grpSp>
+        <p:grpSp>
+          <p:nvGrpSpPr>
+            <p:cNvPr id="36" name="グループ化 35">
+              <a:extLst>
+                <a:ext uri="{FF2B5EF4-FFF2-40B4-BE49-F238E27FC236}">
+                  <a16:creationId xmlns:a16="http://schemas.microsoft.com/office/drawing/2014/main" id="{D3E3D729-F009-49F8-9019-E8B13095161E}"/>
+                </a:ext>
+              </a:extLst>
+            </p:cNvPr>
+            <p:cNvGrpSpPr/>
+            <p:nvPr/>
+          </p:nvGrpSpPr>
+          <p:grpSpPr>
+            <a:xfrm>
+              <a:off x="1011775" y="3560806"/>
+              <a:ext cx="9889138" cy="2181542"/>
+              <a:chOff x="588942" y="3429000"/>
+              <a:chExt cx="9889138" cy="2181542"/>
+            </a:xfrm>
+          </p:grpSpPr>
+          <p:pic>
+            <p:nvPicPr>
+              <p:cNvPr id="11" name="図 10" descr="電子機器, コンパクトディスク, メーター が含まれている画像&#10;&#10;自動的に生成された説明">
+                <a:extLst>
+                  <a:ext uri="{FF2B5EF4-FFF2-40B4-BE49-F238E27FC236}">
+                    <a16:creationId xmlns:a16="http://schemas.microsoft.com/office/drawing/2014/main" id="{6C478AA2-B6C3-4E1F-A9BB-9A6BB631B244}"/>
+                  </a:ext>
+                </a:extLst>
+              </p:cNvPr>
+              <p:cNvPicPr>
+                <a:picLocks noChangeAspect="1"/>
+              </p:cNvPicPr>
+              <p:nvPr/>
+            </p:nvPicPr>
+            <p:blipFill>
+              <a:blip r:embed="rId4">
+                <a:clrChange>
+                  <a:clrFrom>
+                    <a:srgbClr val="000000"/>
+                  </a:clrFrom>
+                  <a:clrTo>
+                    <a:srgbClr val="000000">
+                      <a:alpha val="0"/>
+                    </a:srgbClr>
+                  </a:clrTo>
+                </a:clrChange>
+                <a:extLst>
+                  <a:ext uri="{28A0092B-C50C-407E-A947-70E740481C1C}">
+                    <a14:useLocalDpi xmlns:a14="http://schemas.microsoft.com/office/drawing/2010/main" val="0"/>
+                  </a:ext>
+                </a:extLst>
+              </a:blip>
+              <a:stretch>
+                <a:fillRect/>
+              </a:stretch>
+            </p:blipFill>
+            <p:spPr>
+              <a:xfrm>
+                <a:off x="1277639" y="3429000"/>
+                <a:ext cx="1781432" cy="1781432"/>
+              </a:xfrm>
+              <a:prstGeom prst="rect">
+                <a:avLst/>
+              </a:prstGeom>
+            </p:spPr>
+          </p:pic>
+          <p:pic>
+            <p:nvPicPr>
+              <p:cNvPr id="13" name="図 12" descr="電子機器, コンパクトディスク が含まれている画像&#10;&#10;自動的に生成された説明">
+                <a:extLst>
+                  <a:ext uri="{FF2B5EF4-FFF2-40B4-BE49-F238E27FC236}">
+                    <a16:creationId xmlns:a16="http://schemas.microsoft.com/office/drawing/2014/main" id="{9A225808-B145-4A6C-965A-23F04F8A90B8}"/>
+                  </a:ext>
+                </a:extLst>
+              </p:cNvPr>
+              <p:cNvPicPr>
+                <a:picLocks noChangeAspect="1"/>
+              </p:cNvPicPr>
+              <p:nvPr/>
+            </p:nvPicPr>
+            <p:blipFill>
+              <a:blip r:embed="rId5">
+                <a:clrChange>
+                  <a:clrFrom>
+                    <a:srgbClr val="000000"/>
+                  </a:clrFrom>
+                  <a:clrTo>
+                    <a:srgbClr val="000000">
+                      <a:alpha val="0"/>
+                    </a:srgbClr>
+                  </a:clrTo>
+                </a:clrChange>
+                <a:extLst>
+                  <a:ext uri="{28A0092B-C50C-407E-A947-70E740481C1C}">
+                    <a14:useLocalDpi xmlns:a14="http://schemas.microsoft.com/office/drawing/2010/main" val="0"/>
+                  </a:ext>
+                </a:extLst>
+              </a:blip>
+              <a:stretch>
+                <a:fillRect/>
+              </a:stretch>
+            </p:blipFill>
+            <p:spPr>
+              <a:xfrm>
+                <a:off x="4642795" y="3429000"/>
+                <a:ext cx="1781432" cy="1781432"/>
+              </a:xfrm>
+              <a:prstGeom prst="rect">
+                <a:avLst/>
+              </a:prstGeom>
+            </p:spPr>
+          </p:pic>
+          <p:pic>
+            <p:nvPicPr>
+              <p:cNvPr id="17" name="図 16" descr="電子機器, コンパクトディスク, メーター が含まれている画像&#10;&#10;自動的に生成された説明">
+                <a:extLst>
+                  <a:ext uri="{FF2B5EF4-FFF2-40B4-BE49-F238E27FC236}">
+                    <a16:creationId xmlns:a16="http://schemas.microsoft.com/office/drawing/2014/main" id="{AFEC48C2-6F99-49A5-91CD-350F1703E4CE}"/>
+                  </a:ext>
+                </a:extLst>
+              </p:cNvPr>
+              <p:cNvPicPr>
+                <a:picLocks noChangeAspect="1"/>
+              </p:cNvPicPr>
+              <p:nvPr/>
+            </p:nvPicPr>
+            <p:blipFill>
+              <a:blip r:embed="rId6">
+                <a:clrChange>
+                  <a:clrFrom>
+                    <a:srgbClr val="000000"/>
+                  </a:clrFrom>
+                  <a:clrTo>
+                    <a:srgbClr val="000000">
+                      <a:alpha val="0"/>
+                    </a:srgbClr>
+                  </a:clrTo>
+                </a:clrChange>
+                <a:extLst>
+                  <a:ext uri="{28A0092B-C50C-407E-A947-70E740481C1C}">
+                    <a14:useLocalDpi xmlns:a14="http://schemas.microsoft.com/office/drawing/2010/main" val="0"/>
+                  </a:ext>
+                </a:extLst>
+              </a:blip>
+              <a:stretch>
+                <a:fillRect/>
+              </a:stretch>
+            </p:blipFill>
+            <p:spPr>
+              <a:xfrm>
+                <a:off x="8007951" y="3429000"/>
+                <a:ext cx="1781432" cy="1781432"/>
+              </a:xfrm>
+              <a:prstGeom prst="rect">
+                <a:avLst/>
+              </a:prstGeom>
+            </p:spPr>
+          </p:pic>
+          <p:sp>
+            <p:nvSpPr>
+              <p:cNvPr id="32" name="テキスト ボックス 31">
+                <a:extLst>
+                  <a:ext uri="{FF2B5EF4-FFF2-40B4-BE49-F238E27FC236}">
+                    <a16:creationId xmlns:a16="http://schemas.microsoft.com/office/drawing/2014/main" id="{B5F3B4C6-94C2-4468-94FD-86499BC79EB4}"/>
+                  </a:ext>
+                </a:extLst>
+              </p:cNvPr>
+              <p:cNvSpPr txBox="1"/>
+              <p:nvPr/>
+            </p:nvSpPr>
+            <p:spPr>
+              <a:xfrm>
+                <a:off x="588942" y="5210432"/>
+                <a:ext cx="3158826" cy="400110"/>
+              </a:xfrm>
+              <a:prstGeom prst="rect">
+                <a:avLst/>
+              </a:prstGeom>
+              <a:noFill/>
+            </p:spPr>
+            <p:txBody>
+              <a:bodyPr wrap="square" rtlCol="0">
+                <a:spAutoFit/>
+              </a:bodyPr>
+              <a:lstStyle/>
+              <a:p>
+                <a:pPr algn="ctr"/>
+                <a:r>
+                  <a:rPr lang="en-US" altLang="ja-JP" sz="2000" b="1" dirty="0"/>
+                  <a:t>(3)</a:t>
+                </a:r>
+                <a:r>
+                  <a:rPr kumimoji="1" lang="en-US" altLang="ja-JP" sz="2000" b="1" dirty="0"/>
+                  <a:t> </a:t>
+                </a:r>
+                <a:r>
+                  <a:rPr lang="ja-JP" altLang="en-US" sz="2000" b="1" dirty="0"/>
+                  <a:t>キャリブレーション中</a:t>
+                </a:r>
+                <a:endParaRPr kumimoji="1" lang="ja-JP" altLang="en-US" sz="2000" b="1" dirty="0"/>
+              </a:p>
+            </p:txBody>
+          </p:sp>
+          <p:sp>
+            <p:nvSpPr>
+              <p:cNvPr id="33" name="テキスト ボックス 32">
+                <a:extLst>
+                  <a:ext uri="{FF2B5EF4-FFF2-40B4-BE49-F238E27FC236}">
+                    <a16:creationId xmlns:a16="http://schemas.microsoft.com/office/drawing/2014/main" id="{2DEC1265-786E-45A4-9D68-38037AEA86CC}"/>
+                  </a:ext>
+                </a:extLst>
+              </p:cNvPr>
+              <p:cNvSpPr txBox="1"/>
+              <p:nvPr/>
+            </p:nvSpPr>
+            <p:spPr>
+              <a:xfrm>
+                <a:off x="4073483" y="5210432"/>
+                <a:ext cx="2920056" cy="400110"/>
+              </a:xfrm>
+              <a:prstGeom prst="rect">
+                <a:avLst/>
+              </a:prstGeom>
+              <a:noFill/>
+            </p:spPr>
+            <p:txBody>
+              <a:bodyPr wrap="square" rtlCol="0">
+                <a:spAutoFit/>
+              </a:bodyPr>
+              <a:lstStyle/>
+              <a:p>
+                <a:pPr algn="ctr"/>
+                <a:r>
+                  <a:rPr lang="en-US" altLang="ja-JP" sz="2000" b="1" dirty="0"/>
+                  <a:t>(4)</a:t>
+                </a:r>
+                <a:r>
+                  <a:rPr kumimoji="1" lang="en-US" altLang="ja-JP" sz="2000" b="1" dirty="0"/>
+                  <a:t> </a:t>
+                </a:r>
+                <a:r>
+                  <a:rPr kumimoji="1" lang="ja-JP" altLang="en-US" sz="2000" b="1" dirty="0"/>
+                  <a:t>センサデータ記録中</a:t>
+                </a:r>
+              </a:p>
+            </p:txBody>
+          </p:sp>
+          <p:sp>
+            <p:nvSpPr>
+              <p:cNvPr id="34" name="テキスト ボックス 33">
+                <a:extLst>
+                  <a:ext uri="{FF2B5EF4-FFF2-40B4-BE49-F238E27FC236}">
+                    <a16:creationId xmlns:a16="http://schemas.microsoft.com/office/drawing/2014/main" id="{16ACCB4D-C88C-486D-A204-DBAA590A03E7}"/>
+                  </a:ext>
+                </a:extLst>
+              </p:cNvPr>
+              <p:cNvSpPr txBox="1"/>
+              <p:nvPr/>
+            </p:nvSpPr>
+            <p:spPr>
+              <a:xfrm>
+                <a:off x="7319254" y="5210432"/>
+                <a:ext cx="3158826" cy="400110"/>
+              </a:xfrm>
+              <a:prstGeom prst="rect">
+                <a:avLst/>
+              </a:prstGeom>
+              <a:noFill/>
+            </p:spPr>
+            <p:txBody>
+              <a:bodyPr wrap="square" rtlCol="0">
+                <a:spAutoFit/>
+              </a:bodyPr>
+              <a:lstStyle/>
+              <a:p>
+                <a:pPr algn="ctr"/>
+                <a:r>
+                  <a:rPr lang="en-US" altLang="ja-JP" sz="2000" b="1" dirty="0"/>
+                  <a:t>(5)</a:t>
+                </a:r>
+                <a:r>
+                  <a:rPr kumimoji="1" lang="en-US" altLang="ja-JP" sz="2000" b="1" dirty="0"/>
+                  <a:t> </a:t>
+                </a:r>
+                <a:r>
+                  <a:rPr kumimoji="1" lang="ja-JP" altLang="en-US" sz="2000" b="1" dirty="0"/>
+                  <a:t>センサデータ取得完了</a:t>
+                </a:r>
+              </a:p>
+            </p:txBody>
+          </p:sp>
+        </p:grpSp>
+        <p:cxnSp>
+          <p:nvCxnSpPr>
+            <p:cNvPr id="41" name="直線矢印コネクタ 40">
+              <a:extLst>
+                <a:ext uri="{FF2B5EF4-FFF2-40B4-BE49-F238E27FC236}">
+                  <a16:creationId xmlns:a16="http://schemas.microsoft.com/office/drawing/2014/main" id="{42161879-041E-49FE-B0E8-7F0893F07099}"/>
+                </a:ext>
+              </a:extLst>
+            </p:cNvPr>
+            <p:cNvCxnSpPr>
+              <a:cxnSpLocks/>
+            </p:cNvCxnSpPr>
+            <p:nvPr/>
+          </p:nvCxnSpPr>
+          <p:spPr>
+            <a:xfrm>
+              <a:off x="3672000" y="4451522"/>
+              <a:ext cx="1188000" cy="0"/>
+            </a:xfrm>
+            <a:prstGeom prst="straightConnector1">
+              <a:avLst/>
+            </a:prstGeom>
+            <a:ln w="57150">
+              <a:solidFill>
+                <a:schemeClr val="tx1"/>
+              </a:solidFill>
+              <a:tailEnd type="triangle"/>
+            </a:ln>
+          </p:spPr>
+          <p:style>
+            <a:lnRef idx="1">
+              <a:schemeClr val="accent1"/>
+            </a:lnRef>
+            <a:fillRef idx="0">
+              <a:schemeClr val="accent1"/>
+            </a:fillRef>
+            <a:effectRef idx="0">
+              <a:schemeClr val="accent1"/>
+            </a:effectRef>
+            <a:fontRef idx="minor">
+              <a:schemeClr val="tx1"/>
+            </a:fontRef>
+          </p:style>
+        </p:cxnSp>
+        <p:cxnSp>
+          <p:nvCxnSpPr>
+            <p:cNvPr id="44" name="直線矢印コネクタ 43">
+              <a:extLst>
+                <a:ext uri="{FF2B5EF4-FFF2-40B4-BE49-F238E27FC236}">
+                  <a16:creationId xmlns:a16="http://schemas.microsoft.com/office/drawing/2014/main" id="{05361DB0-5EB6-4FF3-8368-4C58B752DF55}"/>
+                </a:ext>
+              </a:extLst>
+            </p:cNvPr>
+            <p:cNvCxnSpPr>
+              <a:cxnSpLocks/>
+            </p:cNvCxnSpPr>
+            <p:nvPr/>
+          </p:nvCxnSpPr>
+          <p:spPr>
+            <a:xfrm>
+              <a:off x="7056000" y="4451522"/>
+              <a:ext cx="1188000" cy="0"/>
+            </a:xfrm>
+            <a:prstGeom prst="straightConnector1">
+              <a:avLst/>
+            </a:prstGeom>
+            <a:ln w="57150">
+              <a:solidFill>
+                <a:schemeClr val="tx1"/>
+              </a:solidFill>
+              <a:tailEnd type="triangle"/>
+            </a:ln>
+          </p:spPr>
+          <p:style>
+            <a:lnRef idx="1">
+              <a:schemeClr val="accent1"/>
+            </a:lnRef>
+            <a:fillRef idx="0">
+              <a:schemeClr val="accent1"/>
+            </a:fillRef>
+            <a:effectRef idx="0">
+              <a:schemeClr val="accent1"/>
+            </a:effectRef>
+            <a:fontRef idx="minor">
+              <a:schemeClr val="tx1"/>
+            </a:fontRef>
+          </p:style>
+        </p:cxnSp>
+        <p:cxnSp>
+          <p:nvCxnSpPr>
+            <p:cNvPr id="47" name="直線矢印コネクタ 46">
+              <a:extLst>
+                <a:ext uri="{FF2B5EF4-FFF2-40B4-BE49-F238E27FC236}">
+                  <a16:creationId xmlns:a16="http://schemas.microsoft.com/office/drawing/2014/main" id="{944ED066-9BFA-4450-B74C-38C74522DFBB}"/>
+                </a:ext>
+              </a:extLst>
+            </p:cNvPr>
+            <p:cNvCxnSpPr>
+              <a:cxnSpLocks/>
+            </p:cNvCxnSpPr>
+            <p:nvPr/>
+          </p:nvCxnSpPr>
+          <p:spPr>
+            <a:xfrm flipH="1">
+              <a:off x="3668689" y="2750192"/>
+              <a:ext cx="1396939" cy="1203785"/>
+            </a:xfrm>
+            <a:prstGeom prst="straightConnector1">
+              <a:avLst/>
+            </a:prstGeom>
+            <a:ln w="57150">
+              <a:solidFill>
+                <a:schemeClr val="tx1"/>
+              </a:solidFill>
+              <a:tailEnd type="triangle"/>
+            </a:ln>
+          </p:spPr>
+          <p:style>
+            <a:lnRef idx="1">
+              <a:schemeClr val="accent1"/>
+            </a:lnRef>
+            <a:fillRef idx="0">
+              <a:schemeClr val="accent1"/>
+            </a:fillRef>
+            <a:effectRef idx="0">
+              <a:schemeClr val="accent1"/>
+            </a:effectRef>
+            <a:fontRef idx="minor">
+              <a:schemeClr val="tx1"/>
+            </a:fontRef>
+          </p:style>
+        </p:cxnSp>
+        <p:sp>
+          <p:nvSpPr>
+            <p:cNvPr id="55" name="正方形/長方形 54">
+              <a:extLst>
+                <a:ext uri="{FF2B5EF4-FFF2-40B4-BE49-F238E27FC236}">
+                  <a16:creationId xmlns:a16="http://schemas.microsoft.com/office/drawing/2014/main" id="{8B7D5D93-A0EF-424F-8DEE-2113BE1096EE}"/>
+                </a:ext>
+              </a:extLst>
+            </p:cNvPr>
+            <p:cNvSpPr/>
+            <p:nvPr/>
+          </p:nvSpPr>
+          <p:spPr>
+            <a:xfrm>
+              <a:off x="3204703" y="3215358"/>
+              <a:ext cx="2324909" cy="273455"/>
+            </a:xfrm>
+            <a:prstGeom prst="rect">
+              <a:avLst/>
+            </a:prstGeom>
+            <a:solidFill>
+              <a:schemeClr val="bg1"/>
+            </a:solidFill>
+            <a:ln>
+              <a:noFill/>
+            </a:ln>
+          </p:spPr>
+          <p:style>
+            <a:lnRef idx="2">
+              <a:schemeClr val="accent1">
+                <a:shade val="50000"/>
+              </a:schemeClr>
+            </a:lnRef>
+            <a:fillRef idx="1">
+              <a:schemeClr val="accent1"/>
+            </a:fillRef>
+            <a:effectRef idx="0">
+              <a:schemeClr val="accent1"/>
+            </a:effectRef>
+            <a:fontRef idx="minor">
+              <a:schemeClr val="lt1"/>
+            </a:fontRef>
+          </p:style>
+          <p:txBody>
+            <a:bodyPr rtlCol="0" anchor="ctr"/>
+            <a:lstStyle/>
+            <a:p>
+              <a:pPr algn="ctr"/>
+              <a:r>
+                <a:rPr kumimoji="1" lang="en-US" altLang="ja-JP" sz="1600" b="1" dirty="0">
+                  <a:solidFill>
+                    <a:schemeClr val="tx1"/>
+                  </a:solidFill>
+                </a:rPr>
+                <a:t>RECORD</a:t>
+              </a:r>
+              <a:r>
+                <a:rPr kumimoji="1" lang="ja-JP" altLang="en-US" sz="1600" b="1" dirty="0">
+                  <a:solidFill>
+                    <a:schemeClr val="tx1"/>
+                  </a:solidFill>
+                </a:rPr>
+                <a:t>ボタンを押下</a:t>
+              </a:r>
+            </a:p>
+          </p:txBody>
+        </p:sp>
+        <p:cxnSp>
+          <p:nvCxnSpPr>
+            <p:cNvPr id="92" name="直線矢印コネクタ 91">
+              <a:extLst>
+                <a:ext uri="{FF2B5EF4-FFF2-40B4-BE49-F238E27FC236}">
+                  <a16:creationId xmlns:a16="http://schemas.microsoft.com/office/drawing/2014/main" id="{1C0D3CCF-0161-4E71-AE13-74382718581C}"/>
+                </a:ext>
+              </a:extLst>
+            </p:cNvPr>
+            <p:cNvCxnSpPr>
+              <a:cxnSpLocks/>
+            </p:cNvCxnSpPr>
+            <p:nvPr/>
+          </p:nvCxnSpPr>
+          <p:spPr>
+            <a:xfrm flipH="1" flipV="1">
+              <a:off x="6788784" y="2750191"/>
+              <a:ext cx="1396939" cy="1203785"/>
+            </a:xfrm>
+            <a:prstGeom prst="straightConnector1">
+              <a:avLst/>
+            </a:prstGeom>
+            <a:ln w="57150">
+              <a:solidFill>
+                <a:schemeClr val="tx1"/>
+              </a:solidFill>
+              <a:tailEnd type="triangle"/>
+            </a:ln>
+          </p:spPr>
+          <p:style>
+            <a:lnRef idx="1">
+              <a:schemeClr val="accent1"/>
+            </a:lnRef>
+            <a:fillRef idx="0">
+              <a:schemeClr val="accent1"/>
+            </a:fillRef>
+            <a:effectRef idx="0">
+              <a:schemeClr val="accent1"/>
+            </a:effectRef>
+            <a:fontRef idx="minor">
+              <a:schemeClr val="tx1"/>
+            </a:fontRef>
+          </p:style>
+        </p:cxnSp>
+        <p:cxnSp>
+          <p:nvCxnSpPr>
+            <p:cNvPr id="93" name="直線矢印コネクタ 92">
+              <a:extLst>
+                <a:ext uri="{FF2B5EF4-FFF2-40B4-BE49-F238E27FC236}">
+                  <a16:creationId xmlns:a16="http://schemas.microsoft.com/office/drawing/2014/main" id="{3775ED71-2C3D-4AB8-BC7B-D7DB9597FE2C}"/>
+                </a:ext>
+              </a:extLst>
+            </p:cNvPr>
+            <p:cNvCxnSpPr>
+              <a:cxnSpLocks/>
+            </p:cNvCxnSpPr>
+            <p:nvPr/>
+          </p:nvCxnSpPr>
+          <p:spPr>
+            <a:xfrm>
+              <a:off x="3672000" y="1288007"/>
+              <a:ext cx="1188000" cy="0"/>
+            </a:xfrm>
+            <a:prstGeom prst="straightConnector1">
+              <a:avLst/>
+            </a:prstGeom>
+            <a:ln w="57150">
+              <a:solidFill>
+                <a:schemeClr val="tx1"/>
+              </a:solidFill>
+              <a:tailEnd type="triangle"/>
+            </a:ln>
+          </p:spPr>
+          <p:style>
+            <a:lnRef idx="1">
+              <a:schemeClr val="accent1"/>
+            </a:lnRef>
+            <a:fillRef idx="0">
+              <a:schemeClr val="accent1"/>
+            </a:fillRef>
+            <a:effectRef idx="0">
+              <a:schemeClr val="accent1"/>
+            </a:effectRef>
+            <a:fontRef idx="minor">
+              <a:schemeClr val="tx1"/>
+            </a:fontRef>
+          </p:style>
+        </p:cxnSp>
+      </p:grpSp>
+    </p:spTree>
+    <p:extLst>
+      <p:ext uri="{BB962C8B-B14F-4D97-AF65-F5344CB8AC3E}">
+        <p14:creationId xmlns:p14="http://schemas.microsoft.com/office/powerpoint/2010/main" val="1141826585"/>
+      </p:ext>
+    </p:extLst>
+  </p:cSld>
+  <p:clrMapOvr>
+    <a:masterClrMapping/>
+  </p:clrMapOvr>
+</p:sld>
+</file>
+
 <file path=ppt/theme/theme1.xml><?xml version="1.0" encoding="utf-8"?>
 <a:theme xmlns:a="http://schemas.openxmlformats.org/drawingml/2006/main" name="Office テーマ">
   <a:themeElements>

--- a/paper/pulse/figures/figures.pptx
+++ b/paper/pulse/figures/figures.pptx
@@ -3636,9 +3636,9 @@
         <p:grpSpPr>
           <a:xfrm>
             <a:off x="2610747" y="1809344"/>
-            <a:ext cx="5880939" cy="3177437"/>
+            <a:ext cx="5880939" cy="3208214"/>
             <a:chOff x="2610747" y="1809344"/>
-            <a:chExt cx="5880939" cy="3177437"/>
+            <a:chExt cx="5880939" cy="3208214"/>
           </a:xfrm>
         </p:grpSpPr>
         <p:pic>
@@ -3736,7 +3736,7 @@
             <a:solidFill>
               <a:schemeClr val="bg1"/>
             </a:solidFill>
-            <a:ln>
+            <a:ln w="38100">
               <a:solidFill>
                 <a:schemeClr val="tx1"/>
               </a:solidFill>
@@ -3764,7 +3764,7 @@
             <a:p>
               <a:pPr algn="ctr"/>
               <a:r>
-                <a:rPr kumimoji="1" lang="ja-JP" altLang="en-US" dirty="0">
+                <a:rPr kumimoji="1" lang="ja-JP" altLang="en-US" b="1" dirty="0">
                   <a:solidFill>
                     <a:schemeClr val="tx1"/>
                   </a:solidFill>
@@ -3877,7 +3877,7 @@
           <p:spPr>
             <a:xfrm>
               <a:off x="2610747" y="4679004"/>
-              <a:ext cx="2983695" cy="307777"/>
+              <a:ext cx="2983695" cy="338554"/>
             </a:xfrm>
             <a:prstGeom prst="rect">
               <a:avLst/>
@@ -3892,11 +3892,11 @@
             <a:p>
               <a:pPr algn="ctr"/>
               <a:r>
-                <a:rPr kumimoji="1" lang="en-US" altLang="ja-JP" sz="1400" dirty="0"/>
+                <a:rPr kumimoji="1" lang="en-US" altLang="ja-JP" sz="1600" b="1" dirty="0"/>
                 <a:t>(a) </a:t>
               </a:r>
               <a:r>
-                <a:rPr kumimoji="1" lang="ja-JP" altLang="en-US" sz="1400" dirty="0"/>
+                <a:rPr kumimoji="1" lang="ja-JP" altLang="en-US" sz="1600" b="1" dirty="0"/>
                 <a:t>参考にする脈波の取得方法</a:t>
               </a:r>
             </a:p>
@@ -3917,7 +3917,7 @@
           <p:spPr>
             <a:xfrm>
               <a:off x="5507991" y="4679004"/>
-              <a:ext cx="2983695" cy="307777"/>
+              <a:ext cx="2983695" cy="338554"/>
             </a:xfrm>
             <a:prstGeom prst="rect">
               <a:avLst/>
@@ -3932,15 +3932,15 @@
             <a:p>
               <a:pPr algn="ctr"/>
               <a:r>
-                <a:rPr kumimoji="1" lang="en-US" altLang="ja-JP" sz="1400" dirty="0"/>
+                <a:rPr kumimoji="1" lang="en-US" altLang="ja-JP" sz="1600" b="1" dirty="0"/>
                 <a:t>(b) </a:t>
               </a:r>
               <a:r>
-                <a:rPr lang="ja-JP" altLang="en-US" sz="1400" dirty="0"/>
+                <a:rPr lang="ja-JP" altLang="en-US" sz="1600" b="1" dirty="0"/>
                 <a:t>生成した</a:t>
               </a:r>
               <a:r>
-                <a:rPr kumimoji="1" lang="ja-JP" altLang="en-US" sz="1400" dirty="0"/>
+                <a:rPr kumimoji="1" lang="ja-JP" altLang="en-US" sz="1600" b="1" dirty="0"/>
                 <a:t>脈波の取得方法</a:t>
               </a:r>
             </a:p>

--- a/paper/pulse/figures/figures.pptx
+++ b/paper/pulse/figures/figures.pptx
@@ -13,6 +13,7 @@
     <p:sldId id="261" r:id="rId7"/>
     <p:sldId id="263" r:id="rId8"/>
     <p:sldId id="264" r:id="rId9"/>
+    <p:sldId id="265" r:id="rId10"/>
   </p:sldIdLst>
   <p:sldSz cx="12192000" cy="6858000"/>
   <p:notesSz cx="6858000" cy="9144000"/>
@@ -266,7 +267,7 @@
           <a:p>
             <a:fld id="{C2C73DE5-1C8B-4475-AFC6-683C13AACC76}" type="datetimeFigureOut">
               <a:rPr kumimoji="1" lang="ja-JP" altLang="en-US" smtClean="0"/>
-              <a:t>2021/5/4</a:t>
+              <a:t>2021/5/5</a:t>
             </a:fld>
             <a:endParaRPr kumimoji="1" lang="ja-JP" altLang="en-US"/>
           </a:p>
@@ -496,7 +497,7 @@
           <a:p>
             <a:fld id="{C2C73DE5-1C8B-4475-AFC6-683C13AACC76}" type="datetimeFigureOut">
               <a:rPr kumimoji="1" lang="ja-JP" altLang="en-US" smtClean="0"/>
-              <a:t>2021/5/4</a:t>
+              <a:t>2021/5/5</a:t>
             </a:fld>
             <a:endParaRPr kumimoji="1" lang="ja-JP" altLang="en-US"/>
           </a:p>
@@ -736,7 +737,7 @@
           <a:p>
             <a:fld id="{C2C73DE5-1C8B-4475-AFC6-683C13AACC76}" type="datetimeFigureOut">
               <a:rPr kumimoji="1" lang="ja-JP" altLang="en-US" smtClean="0"/>
-              <a:t>2021/5/4</a:t>
+              <a:t>2021/5/5</a:t>
             </a:fld>
             <a:endParaRPr kumimoji="1" lang="ja-JP" altLang="en-US"/>
           </a:p>
@@ -966,7 +967,7 @@
           <a:p>
             <a:fld id="{C2C73DE5-1C8B-4475-AFC6-683C13AACC76}" type="datetimeFigureOut">
               <a:rPr kumimoji="1" lang="ja-JP" altLang="en-US" smtClean="0"/>
-              <a:t>2021/5/4</a:t>
+              <a:t>2021/5/5</a:t>
             </a:fld>
             <a:endParaRPr kumimoji="1" lang="ja-JP" altLang="en-US"/>
           </a:p>
@@ -1241,7 +1242,7 @@
           <a:p>
             <a:fld id="{C2C73DE5-1C8B-4475-AFC6-683C13AACC76}" type="datetimeFigureOut">
               <a:rPr kumimoji="1" lang="ja-JP" altLang="en-US" smtClean="0"/>
-              <a:t>2021/5/4</a:t>
+              <a:t>2021/5/5</a:t>
             </a:fld>
             <a:endParaRPr kumimoji="1" lang="ja-JP" altLang="en-US"/>
           </a:p>
@@ -1570,7 +1571,7 @@
           <a:p>
             <a:fld id="{C2C73DE5-1C8B-4475-AFC6-683C13AACC76}" type="datetimeFigureOut">
               <a:rPr kumimoji="1" lang="ja-JP" altLang="en-US" smtClean="0"/>
-              <a:t>2021/5/4</a:t>
+              <a:t>2021/5/5</a:t>
             </a:fld>
             <a:endParaRPr kumimoji="1" lang="ja-JP" altLang="en-US"/>
           </a:p>
@@ -2046,7 +2047,7 @@
           <a:p>
             <a:fld id="{C2C73DE5-1C8B-4475-AFC6-683C13AACC76}" type="datetimeFigureOut">
               <a:rPr kumimoji="1" lang="ja-JP" altLang="en-US" smtClean="0"/>
-              <a:t>2021/5/4</a:t>
+              <a:t>2021/5/5</a:t>
             </a:fld>
             <a:endParaRPr kumimoji="1" lang="ja-JP" altLang="en-US"/>
           </a:p>
@@ -2187,7 +2188,7 @@
           <a:p>
             <a:fld id="{C2C73DE5-1C8B-4475-AFC6-683C13AACC76}" type="datetimeFigureOut">
               <a:rPr kumimoji="1" lang="ja-JP" altLang="en-US" smtClean="0"/>
-              <a:t>2021/5/4</a:t>
+              <a:t>2021/5/5</a:t>
             </a:fld>
             <a:endParaRPr kumimoji="1" lang="ja-JP" altLang="en-US"/>
           </a:p>
@@ -2300,7 +2301,7 @@
           <a:p>
             <a:fld id="{C2C73DE5-1C8B-4475-AFC6-683C13AACC76}" type="datetimeFigureOut">
               <a:rPr kumimoji="1" lang="ja-JP" altLang="en-US" smtClean="0"/>
-              <a:t>2021/5/4</a:t>
+              <a:t>2021/5/5</a:t>
             </a:fld>
             <a:endParaRPr kumimoji="1" lang="ja-JP" altLang="en-US"/>
           </a:p>
@@ -2643,7 +2644,7 @@
           <a:p>
             <a:fld id="{C2C73DE5-1C8B-4475-AFC6-683C13AACC76}" type="datetimeFigureOut">
               <a:rPr kumimoji="1" lang="ja-JP" altLang="en-US" smtClean="0"/>
-              <a:t>2021/5/4</a:t>
+              <a:t>2021/5/5</a:t>
             </a:fld>
             <a:endParaRPr kumimoji="1" lang="ja-JP" altLang="en-US"/>
           </a:p>
@@ -2931,7 +2932,7 @@
           <a:p>
             <a:fld id="{C2C73DE5-1C8B-4475-AFC6-683C13AACC76}" type="datetimeFigureOut">
               <a:rPr kumimoji="1" lang="ja-JP" altLang="en-US" smtClean="0"/>
-              <a:t>2021/5/4</a:t>
+              <a:t>2021/5/5</a:t>
             </a:fld>
             <a:endParaRPr kumimoji="1" lang="ja-JP" altLang="en-US"/>
           </a:p>
@@ -3204,7 +3205,7 @@
           <a:p>
             <a:fld id="{C2C73DE5-1C8B-4475-AFC6-683C13AACC76}" type="datetimeFigureOut">
               <a:rPr kumimoji="1" lang="ja-JP" altLang="en-US" smtClean="0"/>
-              <a:t>2021/5/4</a:t>
+              <a:t>2021/5/5</a:t>
             </a:fld>
             <a:endParaRPr kumimoji="1" lang="ja-JP" altLang="en-US"/>
           </a:p>
@@ -10713,6 +10714,906 @@
 </p:sld>
 </file>
 
+<file path=ppt/slides/slide9.xml><?xml version="1.0" encoding="utf-8"?>
+<p:sld xmlns:a="http://schemas.openxmlformats.org/drawingml/2006/main" xmlns:r="http://schemas.openxmlformats.org/officeDocument/2006/relationships" xmlns:p="http://schemas.openxmlformats.org/presentationml/2006/main">
+  <p:cSld>
+    <p:spTree>
+      <p:nvGrpSpPr>
+        <p:cNvPr id="1" name=""/>
+        <p:cNvGrpSpPr/>
+        <p:nvPr/>
+      </p:nvGrpSpPr>
+      <p:grpSpPr>
+        <a:xfrm>
+          <a:off x="0" y="0"/>
+          <a:ext cx="0" cy="0"/>
+          <a:chOff x="0" y="0"/>
+          <a:chExt cx="0" cy="0"/>
+        </a:xfrm>
+      </p:grpSpPr>
+      <p:grpSp>
+        <p:nvGrpSpPr>
+          <p:cNvPr id="80" name="グループ化 79">
+            <a:extLst>
+              <a:ext uri="{FF2B5EF4-FFF2-40B4-BE49-F238E27FC236}">
+                <a16:creationId xmlns:a16="http://schemas.microsoft.com/office/drawing/2014/main" id="{C7E61841-59A0-4DA3-8554-EAE8E5865BBD}"/>
+              </a:ext>
+            </a:extLst>
+          </p:cNvPr>
+          <p:cNvGrpSpPr/>
+          <p:nvPr/>
+        </p:nvGrpSpPr>
+        <p:grpSpPr>
+          <a:xfrm>
+            <a:off x="694308" y="964323"/>
+            <a:ext cx="10802057" cy="4435670"/>
+            <a:chOff x="694308" y="964323"/>
+            <a:chExt cx="10802057" cy="4435670"/>
+          </a:xfrm>
+        </p:grpSpPr>
+        <p:cxnSp>
+          <p:nvCxnSpPr>
+            <p:cNvPr id="56" name="直線矢印コネクタ 55">
+              <a:extLst>
+                <a:ext uri="{FF2B5EF4-FFF2-40B4-BE49-F238E27FC236}">
+                  <a16:creationId xmlns:a16="http://schemas.microsoft.com/office/drawing/2014/main" id="{CCA7E854-66A7-4D52-8445-FB131735AB67}"/>
+                </a:ext>
+              </a:extLst>
+            </p:cNvPr>
+            <p:cNvCxnSpPr>
+              <a:cxnSpLocks/>
+            </p:cNvCxnSpPr>
+            <p:nvPr/>
+          </p:nvCxnSpPr>
+          <p:spPr>
+            <a:xfrm>
+              <a:off x="5888660" y="2742393"/>
+              <a:ext cx="2188921" cy="1"/>
+            </a:xfrm>
+            <a:prstGeom prst="straightConnector1">
+              <a:avLst/>
+            </a:prstGeom>
+            <a:ln w="76200">
+              <a:solidFill>
+                <a:schemeClr val="tx1"/>
+              </a:solidFill>
+              <a:tailEnd type="triangle"/>
+            </a:ln>
+          </p:spPr>
+          <p:style>
+            <a:lnRef idx="1">
+              <a:schemeClr val="accent1"/>
+            </a:lnRef>
+            <a:fillRef idx="0">
+              <a:schemeClr val="accent1"/>
+            </a:fillRef>
+            <a:effectRef idx="0">
+              <a:schemeClr val="accent1"/>
+            </a:effectRef>
+            <a:fontRef idx="minor">
+              <a:schemeClr val="tx1"/>
+            </a:fontRef>
+          </p:style>
+        </p:cxnSp>
+        <p:sp>
+          <p:nvSpPr>
+            <p:cNvPr id="59" name="テキスト ボックス 58">
+              <a:extLst>
+                <a:ext uri="{FF2B5EF4-FFF2-40B4-BE49-F238E27FC236}">
+                  <a16:creationId xmlns:a16="http://schemas.microsoft.com/office/drawing/2014/main" id="{CF071F88-0078-4D3A-8A91-ACAEBD0950C0}"/>
+                </a:ext>
+              </a:extLst>
+            </p:cNvPr>
+            <p:cNvSpPr txBox="1"/>
+            <p:nvPr/>
+          </p:nvSpPr>
+          <p:spPr>
+            <a:xfrm>
+              <a:off x="5799438" y="2838174"/>
+              <a:ext cx="2356630" cy="830997"/>
+            </a:xfrm>
+            <a:prstGeom prst="rect">
+              <a:avLst/>
+            </a:prstGeom>
+            <a:noFill/>
+          </p:spPr>
+          <p:txBody>
+            <a:bodyPr wrap="square" rtlCol="0">
+              <a:spAutoFit/>
+            </a:bodyPr>
+            <a:lstStyle/>
+            <a:p>
+              <a:pPr algn="ctr"/>
+              <a:r>
+                <a:rPr kumimoji="1" lang="ja-JP" altLang="en-US" sz="2400" b="1" dirty="0"/>
+                <a:t>ディスプレイに</a:t>
+              </a:r>
+              <a:endParaRPr kumimoji="1" lang="en-US" altLang="ja-JP" sz="2400" b="1" dirty="0"/>
+            </a:p>
+            <a:p>
+              <a:pPr algn="ctr"/>
+              <a:r>
+                <a:rPr lang="ja-JP" altLang="en-US" sz="2400" b="1" dirty="0"/>
+                <a:t>色データを</a:t>
+              </a:r>
+              <a:r>
+                <a:rPr kumimoji="1" lang="ja-JP" altLang="en-US" sz="2400" b="1" dirty="0"/>
+                <a:t>描画</a:t>
+              </a:r>
+            </a:p>
+          </p:txBody>
+        </p:sp>
+        <p:sp>
+          <p:nvSpPr>
+            <p:cNvPr id="63" name="テキスト ボックス 62">
+              <a:extLst>
+                <a:ext uri="{FF2B5EF4-FFF2-40B4-BE49-F238E27FC236}">
+                  <a16:creationId xmlns:a16="http://schemas.microsoft.com/office/drawing/2014/main" id="{98A1910D-49CC-487B-812C-55AAED285660}"/>
+                </a:ext>
+              </a:extLst>
+            </p:cNvPr>
+            <p:cNvSpPr txBox="1"/>
+            <p:nvPr/>
+          </p:nvSpPr>
+          <p:spPr>
+            <a:xfrm>
+              <a:off x="8284311" y="3852862"/>
+              <a:ext cx="2955228" cy="830997"/>
+            </a:xfrm>
+            <a:prstGeom prst="rect">
+              <a:avLst/>
+            </a:prstGeom>
+            <a:noFill/>
+          </p:spPr>
+          <p:txBody>
+            <a:bodyPr wrap="square" rtlCol="0">
+              <a:spAutoFit/>
+            </a:bodyPr>
+            <a:lstStyle/>
+            <a:p>
+              <a:pPr algn="ctr"/>
+              <a:r>
+                <a:rPr kumimoji="1" lang="ja-JP" altLang="en-US" sz="2400" b="1" dirty="0"/>
+                <a:t>スマートウォッチで脈波を再現</a:t>
+              </a:r>
+            </a:p>
+          </p:txBody>
+        </p:sp>
+        <p:grpSp>
+          <p:nvGrpSpPr>
+            <p:cNvPr id="13" name="グループ化 12">
+              <a:extLst>
+                <a:ext uri="{FF2B5EF4-FFF2-40B4-BE49-F238E27FC236}">
+                  <a16:creationId xmlns:a16="http://schemas.microsoft.com/office/drawing/2014/main" id="{ADD4619B-BEC4-4BEE-A2E3-3978736D9A70}"/>
+                </a:ext>
+              </a:extLst>
+            </p:cNvPr>
+            <p:cNvGrpSpPr/>
+            <p:nvPr/>
+          </p:nvGrpSpPr>
+          <p:grpSpPr>
+            <a:xfrm>
+              <a:off x="8202880" y="1673869"/>
+              <a:ext cx="3293485" cy="2128841"/>
+              <a:chOff x="7516658" y="2148156"/>
+              <a:chExt cx="3293485" cy="2128841"/>
+            </a:xfrm>
+          </p:grpSpPr>
+          <p:grpSp>
+            <p:nvGrpSpPr>
+              <p:cNvPr id="60" name="グループ化 59">
+                <a:extLst>
+                  <a:ext uri="{FF2B5EF4-FFF2-40B4-BE49-F238E27FC236}">
+                    <a16:creationId xmlns:a16="http://schemas.microsoft.com/office/drawing/2014/main" id="{590D6387-1046-4E8F-A6E2-2077D6A2E985}"/>
+                  </a:ext>
+                </a:extLst>
+              </p:cNvPr>
+              <p:cNvGrpSpPr/>
+              <p:nvPr/>
+            </p:nvGrpSpPr>
+            <p:grpSpPr>
+              <a:xfrm>
+                <a:off x="7516658" y="2148156"/>
+                <a:ext cx="3293485" cy="2128841"/>
+                <a:chOff x="6930319" y="2636195"/>
+                <a:chExt cx="3293485" cy="2128841"/>
+              </a:xfrm>
+            </p:grpSpPr>
+            <p:sp>
+              <p:nvSpPr>
+                <p:cNvPr id="64" name="正方形/長方形 63">
+                  <a:extLst>
+                    <a:ext uri="{FF2B5EF4-FFF2-40B4-BE49-F238E27FC236}">
+                      <a16:creationId xmlns:a16="http://schemas.microsoft.com/office/drawing/2014/main" id="{607231B1-C8CB-46D5-A8D1-BDB6A2051478}"/>
+                    </a:ext>
+                  </a:extLst>
+                </p:cNvPr>
+                <p:cNvSpPr/>
+                <p:nvPr/>
+              </p:nvSpPr>
+              <p:spPr>
+                <a:xfrm>
+                  <a:off x="7039811" y="3100311"/>
+                  <a:ext cx="2535446" cy="1200608"/>
+                </a:xfrm>
+                <a:prstGeom prst="rect">
+                  <a:avLst/>
+                </a:prstGeom>
+                <a:solidFill>
+                  <a:schemeClr val="bg2"/>
+                </a:solidFill>
+                <a:ln w="76200">
+                  <a:solidFill>
+                    <a:schemeClr val="tx1"/>
+                  </a:solidFill>
+                </a:ln>
+              </p:spPr>
+              <p:style>
+                <a:lnRef idx="2">
+                  <a:schemeClr val="accent1">
+                    <a:shade val="50000"/>
+                  </a:schemeClr>
+                </a:lnRef>
+                <a:fillRef idx="1">
+                  <a:schemeClr val="accent1"/>
+                </a:fillRef>
+                <a:effectRef idx="0">
+                  <a:schemeClr val="accent1"/>
+                </a:effectRef>
+                <a:fontRef idx="minor">
+                  <a:schemeClr val="lt1"/>
+                </a:fontRef>
+              </p:style>
+              <p:txBody>
+                <a:bodyPr rtlCol="0" anchor="ctr"/>
+                <a:lstStyle/>
+                <a:p>
+                  <a:pPr algn="ctr"/>
+                  <a:endParaRPr kumimoji="1" lang="ja-JP" altLang="en-US"/>
+                </a:p>
+              </p:txBody>
+            </p:sp>
+            <p:pic>
+              <p:nvPicPr>
+                <p:cNvPr id="67" name="図 66" descr="アイコン&#10;&#10;自動的に生成された説明">
+                  <a:extLst>
+                    <a:ext uri="{FF2B5EF4-FFF2-40B4-BE49-F238E27FC236}">
+                      <a16:creationId xmlns:a16="http://schemas.microsoft.com/office/drawing/2014/main" id="{31C82F6F-C917-4AA6-BD83-CE7271DA542F}"/>
+                    </a:ext>
+                  </a:extLst>
+                </p:cNvPr>
+                <p:cNvPicPr>
+                  <a:picLocks noChangeAspect="1"/>
+                </p:cNvPicPr>
+                <p:nvPr/>
+              </p:nvPicPr>
+              <p:blipFill>
+                <a:blip r:embed="rId2">
+                  <a:extLst>
+                    <a:ext uri="{28A0092B-C50C-407E-A947-70E740481C1C}">
+                      <a14:useLocalDpi xmlns:a14="http://schemas.microsoft.com/office/drawing/2010/main" val="0"/>
+                    </a:ext>
+                  </a:extLst>
+                </a:blip>
+                <a:stretch>
+                  <a:fillRect/>
+                </a:stretch>
+              </p:blipFill>
+              <p:spPr>
+                <a:xfrm>
+                  <a:off x="8489364" y="2636195"/>
+                  <a:ext cx="1734440" cy="2128841"/>
+                </a:xfrm>
+                <a:prstGeom prst="rect">
+                  <a:avLst/>
+                </a:prstGeom>
+              </p:spPr>
+            </p:pic>
+            <p:sp>
+              <p:nvSpPr>
+                <p:cNvPr id="66" name="テキスト ボックス 65">
+                  <a:extLst>
+                    <a:ext uri="{FF2B5EF4-FFF2-40B4-BE49-F238E27FC236}">
+                      <a16:creationId xmlns:a16="http://schemas.microsoft.com/office/drawing/2014/main" id="{7C75A40B-8431-4AF2-813E-5CA8B59283B8}"/>
+                    </a:ext>
+                  </a:extLst>
+                </p:cNvPr>
+                <p:cNvSpPr txBox="1"/>
+                <p:nvPr/>
+              </p:nvSpPr>
+              <p:spPr>
+                <a:xfrm>
+                  <a:off x="6930319" y="3515949"/>
+                  <a:ext cx="1734441" cy="369332"/>
+                </a:xfrm>
+                <a:prstGeom prst="rect">
+                  <a:avLst/>
+                </a:prstGeom>
+                <a:noFill/>
+              </p:spPr>
+              <p:txBody>
+                <a:bodyPr wrap="square" rtlCol="0">
+                  <a:spAutoFit/>
+                </a:bodyPr>
+                <a:lstStyle/>
+                <a:p>
+                  <a:pPr algn="ctr"/>
+                  <a:r>
+                    <a:rPr kumimoji="1" lang="ja-JP" altLang="en-US" b="1" dirty="0"/>
+                    <a:t>ディスプレイ</a:t>
+                  </a:r>
+                </a:p>
+              </p:txBody>
+            </p:sp>
+          </p:grpSp>
+          <p:grpSp>
+            <p:nvGrpSpPr>
+              <p:cNvPr id="12" name="グループ化 11">
+                <a:extLst>
+                  <a:ext uri="{FF2B5EF4-FFF2-40B4-BE49-F238E27FC236}">
+                    <a16:creationId xmlns:a16="http://schemas.microsoft.com/office/drawing/2014/main" id="{B200FCAC-C262-4ED5-B90C-6759DA4E2009}"/>
+                  </a:ext>
+                </a:extLst>
+              </p:cNvPr>
+              <p:cNvGrpSpPr/>
+              <p:nvPr/>
+            </p:nvGrpSpPr>
+            <p:grpSpPr>
+              <a:xfrm>
+                <a:off x="9260895" y="2690932"/>
+                <a:ext cx="1108329" cy="1043287"/>
+                <a:chOff x="10161596" y="387812"/>
+                <a:chExt cx="1108329" cy="1043287"/>
+              </a:xfrm>
+            </p:grpSpPr>
+            <p:sp>
+              <p:nvSpPr>
+                <p:cNvPr id="3" name="正方形/長方形 2">
+                  <a:extLst>
+                    <a:ext uri="{FF2B5EF4-FFF2-40B4-BE49-F238E27FC236}">
+                      <a16:creationId xmlns:a16="http://schemas.microsoft.com/office/drawing/2014/main" id="{6D7BC1B5-59C4-435A-8A30-B4AB322A3444}"/>
+                    </a:ext>
+                  </a:extLst>
+                </p:cNvPr>
+                <p:cNvSpPr/>
+                <p:nvPr/>
+              </p:nvSpPr>
+              <p:spPr>
+                <a:xfrm>
+                  <a:off x="10232868" y="387812"/>
+                  <a:ext cx="965787" cy="1043287"/>
+                </a:xfrm>
+                <a:prstGeom prst="rect">
+                  <a:avLst/>
+                </a:prstGeom>
+                <a:solidFill>
+                  <a:schemeClr val="bg1"/>
+                </a:solidFill>
+                <a:ln>
+                  <a:solidFill>
+                    <a:schemeClr val="bg1"/>
+                  </a:solidFill>
+                </a:ln>
+              </p:spPr>
+              <p:style>
+                <a:lnRef idx="2">
+                  <a:schemeClr val="accent1">
+                    <a:shade val="50000"/>
+                  </a:schemeClr>
+                </a:lnRef>
+                <a:fillRef idx="1">
+                  <a:schemeClr val="accent1"/>
+                </a:fillRef>
+                <a:effectRef idx="0">
+                  <a:schemeClr val="accent1"/>
+                </a:effectRef>
+                <a:fontRef idx="minor">
+                  <a:schemeClr val="lt1"/>
+                </a:fontRef>
+              </p:style>
+              <p:txBody>
+                <a:bodyPr rtlCol="0" anchor="ctr"/>
+                <a:lstStyle/>
+                <a:p>
+                  <a:pPr algn="ctr"/>
+                  <a:endParaRPr kumimoji="1" lang="ja-JP" altLang="en-US"/>
+                </a:p>
+              </p:txBody>
+            </p:sp>
+            <p:pic>
+              <p:nvPicPr>
+                <p:cNvPr id="7" name="図 6">
+                  <a:extLst>
+                    <a:ext uri="{FF2B5EF4-FFF2-40B4-BE49-F238E27FC236}">
+                      <a16:creationId xmlns:a16="http://schemas.microsoft.com/office/drawing/2014/main" id="{91CF1660-DEC6-40F3-8590-4CB161081891}"/>
+                    </a:ext>
+                  </a:extLst>
+                </p:cNvPr>
+                <p:cNvPicPr>
+                  <a:picLocks noChangeAspect="1"/>
+                </p:cNvPicPr>
+                <p:nvPr/>
+              </p:nvPicPr>
+              <p:blipFill rotWithShape="1">
+                <a:blip r:embed="rId3"/>
+                <a:srcRect l="3240" t="2180" r="2008" b="3058"/>
+                <a:stretch/>
+              </p:blipFill>
+              <p:spPr>
+                <a:xfrm>
+                  <a:off x="10161596" y="495726"/>
+                  <a:ext cx="1108329" cy="826536"/>
+                </a:xfrm>
+                <a:prstGeom prst="rect">
+                  <a:avLst/>
+                </a:prstGeom>
+              </p:spPr>
+            </p:pic>
+          </p:grpSp>
+        </p:grpSp>
+        <p:sp>
+          <p:nvSpPr>
+            <p:cNvPr id="55" name="テキスト ボックス 54">
+              <a:extLst>
+                <a:ext uri="{FF2B5EF4-FFF2-40B4-BE49-F238E27FC236}">
+                  <a16:creationId xmlns:a16="http://schemas.microsoft.com/office/drawing/2014/main" id="{F358BB4B-740C-48E0-9B26-900B806AD784}"/>
+                </a:ext>
+              </a:extLst>
+            </p:cNvPr>
+            <p:cNvSpPr txBox="1"/>
+            <p:nvPr/>
+          </p:nvSpPr>
+          <p:spPr>
+            <a:xfrm>
+              <a:off x="694308" y="4568996"/>
+              <a:ext cx="4998262" cy="830997"/>
+            </a:xfrm>
+            <a:prstGeom prst="rect">
+              <a:avLst/>
+            </a:prstGeom>
+            <a:noFill/>
+          </p:spPr>
+          <p:txBody>
+            <a:bodyPr wrap="square" rtlCol="0">
+              <a:spAutoFit/>
+            </a:bodyPr>
+            <a:lstStyle/>
+            <a:p>
+              <a:pPr algn="ctr"/>
+              <a:r>
+                <a:rPr kumimoji="1" lang="ja-JP" altLang="en-US" sz="2400" b="1" dirty="0"/>
+                <a:t>身体部位から</a:t>
+              </a:r>
+              <a:r>
+                <a:rPr lang="ja-JP" altLang="en-US" sz="2400" b="1" dirty="0"/>
+                <a:t>脈波</a:t>
+              </a:r>
+              <a:r>
+                <a:rPr kumimoji="1" lang="ja-JP" altLang="en-US" sz="2400" b="1" dirty="0"/>
+                <a:t>を</a:t>
+              </a:r>
+              <a:r>
+                <a:rPr lang="ja-JP" altLang="en-US" sz="2400" b="1" dirty="0"/>
+                <a:t>取得し</a:t>
+              </a:r>
+              <a:endParaRPr lang="en-US" altLang="ja-JP" sz="2400" b="1" dirty="0"/>
+            </a:p>
+            <a:p>
+              <a:pPr algn="ctr"/>
+              <a:r>
+                <a:rPr kumimoji="1" lang="ja-JP" altLang="en-US" sz="2400" b="1" dirty="0"/>
+                <a:t>色データを生成</a:t>
+              </a:r>
+              <a:endParaRPr kumimoji="1" lang="en-US" altLang="ja-JP" sz="2400" b="1" dirty="0"/>
+            </a:p>
+          </p:txBody>
+        </p:sp>
+        <p:grpSp>
+          <p:nvGrpSpPr>
+            <p:cNvPr id="77" name="グループ化 76">
+              <a:extLst>
+                <a:ext uri="{FF2B5EF4-FFF2-40B4-BE49-F238E27FC236}">
+                  <a16:creationId xmlns:a16="http://schemas.microsoft.com/office/drawing/2014/main" id="{D72959C4-7478-4759-9743-5598C8EA04DE}"/>
+                </a:ext>
+              </a:extLst>
+            </p:cNvPr>
+            <p:cNvGrpSpPr/>
+            <p:nvPr/>
+          </p:nvGrpSpPr>
+          <p:grpSpPr>
+            <a:xfrm>
+              <a:off x="694309" y="964323"/>
+              <a:ext cx="4998263" cy="3547007"/>
+              <a:chOff x="282191" y="964323"/>
+              <a:chExt cx="4998263" cy="3547007"/>
+            </a:xfrm>
+          </p:grpSpPr>
+          <p:sp>
+            <p:nvSpPr>
+              <p:cNvPr id="52" name="正方形/長方形 51">
+                <a:extLst>
+                  <a:ext uri="{FF2B5EF4-FFF2-40B4-BE49-F238E27FC236}">
+                    <a16:creationId xmlns:a16="http://schemas.microsoft.com/office/drawing/2014/main" id="{959F28DE-82F8-4CB4-861E-4CD49973255A}"/>
+                  </a:ext>
+                </a:extLst>
+              </p:cNvPr>
+              <p:cNvSpPr/>
+              <p:nvPr/>
+            </p:nvSpPr>
+            <p:spPr>
+              <a:xfrm>
+                <a:off x="3138407" y="2239155"/>
+                <a:ext cx="1966929" cy="989137"/>
+              </a:xfrm>
+              <a:prstGeom prst="rect">
+                <a:avLst/>
+              </a:prstGeom>
+              <a:solidFill>
+                <a:schemeClr val="bg1"/>
+              </a:solidFill>
+              <a:ln w="38100">
+                <a:solidFill>
+                  <a:schemeClr val="tx1"/>
+                </a:solidFill>
+              </a:ln>
+            </p:spPr>
+            <p:style>
+              <a:lnRef idx="2">
+                <a:schemeClr val="accent1">
+                  <a:shade val="50000"/>
+                </a:schemeClr>
+              </a:lnRef>
+              <a:fillRef idx="1">
+                <a:schemeClr val="accent1"/>
+              </a:fillRef>
+              <a:effectRef idx="0">
+                <a:schemeClr val="accent1"/>
+              </a:effectRef>
+              <a:fontRef idx="minor">
+                <a:schemeClr val="lt1"/>
+              </a:fontRef>
+            </p:style>
+            <p:txBody>
+              <a:bodyPr rtlCol="0" anchor="ctr"/>
+              <a:lstStyle/>
+              <a:p>
+                <a:pPr algn="ctr"/>
+                <a:r>
+                  <a:rPr lang="ja-JP" altLang="en-US" sz="2400" b="1" dirty="0">
+                    <a:solidFill>
+                      <a:schemeClr val="tx1"/>
+                    </a:solidFill>
+                  </a:rPr>
+                  <a:t>生成モデル</a:t>
+                </a:r>
+                <a:endParaRPr kumimoji="1" lang="ja-JP" altLang="en-US" sz="2400" b="1" dirty="0">
+                  <a:solidFill>
+                    <a:schemeClr val="tx1"/>
+                  </a:solidFill>
+                </a:endParaRPr>
+              </a:p>
+            </p:txBody>
+          </p:sp>
+          <p:grpSp>
+            <p:nvGrpSpPr>
+              <p:cNvPr id="20" name="グループ化 19">
+                <a:extLst>
+                  <a:ext uri="{FF2B5EF4-FFF2-40B4-BE49-F238E27FC236}">
+                    <a16:creationId xmlns:a16="http://schemas.microsoft.com/office/drawing/2014/main" id="{27411C20-014A-4BEE-9869-1E2BF3C69A5F}"/>
+                  </a:ext>
+                </a:extLst>
+              </p:cNvPr>
+              <p:cNvGrpSpPr/>
+              <p:nvPr/>
+            </p:nvGrpSpPr>
+            <p:grpSpPr>
+              <a:xfrm>
+                <a:off x="282191" y="964323"/>
+                <a:ext cx="2295127" cy="3547007"/>
+                <a:chOff x="20817" y="968889"/>
+                <a:chExt cx="2295127" cy="3547007"/>
+              </a:xfrm>
+            </p:grpSpPr>
+            <p:grpSp>
+              <p:nvGrpSpPr>
+                <p:cNvPr id="11" name="グループ化 10">
+                  <a:extLst>
+                    <a:ext uri="{FF2B5EF4-FFF2-40B4-BE49-F238E27FC236}">
+                      <a16:creationId xmlns:a16="http://schemas.microsoft.com/office/drawing/2014/main" id="{39827069-DCB1-4E30-A0AD-2D7357EAB095}"/>
+                    </a:ext>
+                  </a:extLst>
+                </p:cNvPr>
+                <p:cNvGrpSpPr/>
+                <p:nvPr/>
+              </p:nvGrpSpPr>
+              <p:grpSpPr>
+                <a:xfrm>
+                  <a:off x="20817" y="968889"/>
+                  <a:ext cx="1120988" cy="3547007"/>
+                  <a:chOff x="1591188" y="1519925"/>
+                  <a:chExt cx="1120988" cy="3547007"/>
+                </a:xfrm>
+              </p:grpSpPr>
+              <p:pic>
+                <p:nvPicPr>
+                  <p:cNvPr id="22" name="図 21">
+                    <a:extLst>
+                      <a:ext uri="{FF2B5EF4-FFF2-40B4-BE49-F238E27FC236}">
+                        <a16:creationId xmlns:a16="http://schemas.microsoft.com/office/drawing/2014/main" id="{1AF4DB90-30BF-4B2F-BE97-C1EAB4F340BA}"/>
+                      </a:ext>
+                    </a:extLst>
+                  </p:cNvPr>
+                  <p:cNvPicPr>
+                    <a:picLocks noChangeAspect="1"/>
+                  </p:cNvPicPr>
+                  <p:nvPr/>
+                </p:nvPicPr>
+                <p:blipFill>
+                  <a:blip r:embed="rId4"/>
+                  <a:stretch>
+                    <a:fillRect/>
+                  </a:stretch>
+                </p:blipFill>
+                <p:spPr>
+                  <a:xfrm>
+                    <a:off x="1591188" y="1519925"/>
+                    <a:ext cx="1120988" cy="3547007"/>
+                  </a:xfrm>
+                  <a:prstGeom prst="rect">
+                    <a:avLst/>
+                  </a:prstGeom>
+                </p:spPr>
+              </p:pic>
+              <p:sp>
+                <p:nvSpPr>
+                  <p:cNvPr id="23" name="楕円 22">
+                    <a:extLst>
+                      <a:ext uri="{FF2B5EF4-FFF2-40B4-BE49-F238E27FC236}">
+                        <a16:creationId xmlns:a16="http://schemas.microsoft.com/office/drawing/2014/main" id="{DA87FB0A-67AF-4777-A021-B2F22DE2B636}"/>
+                      </a:ext>
+                    </a:extLst>
+                  </p:cNvPr>
+                  <p:cNvSpPr/>
+                  <p:nvPr/>
+                </p:nvSpPr>
+                <p:spPr>
+                  <a:xfrm>
+                    <a:off x="2018832" y="3874459"/>
+                    <a:ext cx="180000" cy="180000"/>
+                  </a:xfrm>
+                  <a:prstGeom prst="ellipse">
+                    <a:avLst/>
+                  </a:prstGeom>
+                  <a:solidFill>
+                    <a:schemeClr val="tx1"/>
+                  </a:solidFill>
+                  <a:ln>
+                    <a:solidFill>
+                      <a:schemeClr val="tx1"/>
+                    </a:solidFill>
+                  </a:ln>
+                </p:spPr>
+                <p:style>
+                  <a:lnRef idx="2">
+                    <a:schemeClr val="accent1">
+                      <a:shade val="50000"/>
+                    </a:schemeClr>
+                  </a:lnRef>
+                  <a:fillRef idx="1">
+                    <a:schemeClr val="accent1"/>
+                  </a:fillRef>
+                  <a:effectRef idx="0">
+                    <a:schemeClr val="accent1"/>
+                  </a:effectRef>
+                  <a:fontRef idx="minor">
+                    <a:schemeClr val="lt1"/>
+                  </a:fontRef>
+                </p:style>
+                <p:txBody>
+                  <a:bodyPr rtlCol="0" anchor="ctr"/>
+                  <a:lstStyle/>
+                  <a:p>
+                    <a:pPr algn="ctr"/>
+                    <a:endParaRPr kumimoji="1" lang="ja-JP" altLang="en-US"/>
+                  </a:p>
+                </p:txBody>
+              </p:sp>
+            </p:grpSp>
+            <p:pic>
+              <p:nvPicPr>
+                <p:cNvPr id="15" name="グラフィックス 14">
+                  <a:extLst>
+                    <a:ext uri="{FF2B5EF4-FFF2-40B4-BE49-F238E27FC236}">
+                      <a16:creationId xmlns:a16="http://schemas.microsoft.com/office/drawing/2014/main" id="{8FB2EF01-E454-486C-82AC-20B3447A50DF}"/>
+                    </a:ext>
+                  </a:extLst>
+                </p:cNvPr>
+                <p:cNvPicPr>
+                  <a:picLocks noChangeAspect="1"/>
+                </p:cNvPicPr>
+                <p:nvPr/>
+              </p:nvPicPr>
+              <p:blipFill>
+                <a:blip r:embed="rId5">
+                  <a:extLst>
+                    <a:ext uri="{28A0092B-C50C-407E-A947-70E740481C1C}">
+                      <a14:useLocalDpi xmlns:a14="http://schemas.microsoft.com/office/drawing/2010/main" val="0"/>
+                    </a:ext>
+                    <a:ext uri="{96DAC541-7B7A-43D3-8B79-37D633B846F1}">
+                      <asvg:svgBlip xmlns:asvg="http://schemas.microsoft.com/office/drawing/2016/SVG/main" r:embed="rId6"/>
+                    </a:ext>
+                  </a:extLst>
+                </a:blip>
+                <a:stretch>
+                  <a:fillRect/>
+                </a:stretch>
+              </p:blipFill>
+              <p:spPr>
+                <a:xfrm>
+                  <a:off x="1194956" y="2329125"/>
+                  <a:ext cx="1120988" cy="836662"/>
+                </a:xfrm>
+                <a:prstGeom prst="rect">
+                  <a:avLst/>
+                </a:prstGeom>
+              </p:spPr>
+            </p:pic>
+          </p:grpSp>
+          <p:cxnSp>
+            <p:nvCxnSpPr>
+              <p:cNvPr id="72" name="直線矢印コネクタ 71">
+                <a:extLst>
+                  <a:ext uri="{FF2B5EF4-FFF2-40B4-BE49-F238E27FC236}">
+                    <a16:creationId xmlns:a16="http://schemas.microsoft.com/office/drawing/2014/main" id="{DE98F8B5-C767-48AB-AEA4-42A06CB6008C}"/>
+                  </a:ext>
+                </a:extLst>
+              </p:cNvPr>
+              <p:cNvCxnSpPr>
+                <a:cxnSpLocks/>
+              </p:cNvCxnSpPr>
+              <p:nvPr/>
+            </p:nvCxnSpPr>
+            <p:spPr>
+              <a:xfrm>
+                <a:off x="2643063" y="2733723"/>
+                <a:ext cx="421322" cy="0"/>
+              </a:xfrm>
+              <a:prstGeom prst="straightConnector1">
+                <a:avLst/>
+              </a:prstGeom>
+              <a:ln w="76200">
+                <a:solidFill>
+                  <a:schemeClr val="tx1"/>
+                </a:solidFill>
+                <a:tailEnd type="triangle"/>
+              </a:ln>
+            </p:spPr>
+            <p:style>
+              <a:lnRef idx="1">
+                <a:schemeClr val="accent1"/>
+              </a:lnRef>
+              <a:fillRef idx="0">
+                <a:schemeClr val="accent1"/>
+              </a:fillRef>
+              <a:effectRef idx="0">
+                <a:schemeClr val="accent1"/>
+              </a:effectRef>
+              <a:fontRef idx="minor">
+                <a:schemeClr val="tx1"/>
+              </a:fontRef>
+            </p:style>
+          </p:cxnSp>
+          <p:sp>
+            <p:nvSpPr>
+              <p:cNvPr id="21" name="四角形: 角を丸くする 20">
+                <a:extLst>
+                  <a:ext uri="{FF2B5EF4-FFF2-40B4-BE49-F238E27FC236}">
+                    <a16:creationId xmlns:a16="http://schemas.microsoft.com/office/drawing/2014/main" id="{FE9335F6-8483-4C60-AA26-1362A0C5A06C}"/>
+                  </a:ext>
+                </a:extLst>
+              </p:cNvPr>
+              <p:cNvSpPr/>
+              <p:nvPr/>
+            </p:nvSpPr>
+            <p:spPr>
+              <a:xfrm>
+                <a:off x="282192" y="1099303"/>
+                <a:ext cx="4998262" cy="3412027"/>
+              </a:xfrm>
+              <a:prstGeom prst="roundRect">
+                <a:avLst/>
+              </a:prstGeom>
+              <a:noFill/>
+              <a:ln w="28575">
+                <a:solidFill>
+                  <a:schemeClr val="accent1"/>
+                </a:solidFill>
+              </a:ln>
+            </p:spPr>
+            <p:style>
+              <a:lnRef idx="2">
+                <a:schemeClr val="accent1">
+                  <a:shade val="50000"/>
+                </a:schemeClr>
+              </a:lnRef>
+              <a:fillRef idx="1">
+                <a:schemeClr val="accent1"/>
+              </a:fillRef>
+              <a:effectRef idx="0">
+                <a:schemeClr val="accent1"/>
+              </a:effectRef>
+              <a:fontRef idx="minor">
+                <a:schemeClr val="lt1"/>
+              </a:fontRef>
+            </p:style>
+            <p:txBody>
+              <a:bodyPr rtlCol="0" anchor="ctr"/>
+              <a:lstStyle/>
+              <a:p>
+                <a:pPr algn="ctr"/>
+                <a:endParaRPr kumimoji="1" lang="ja-JP" altLang="en-US"/>
+              </a:p>
+            </p:txBody>
+          </p:sp>
+          <p:cxnSp>
+            <p:nvCxnSpPr>
+              <p:cNvPr id="79" name="直線矢印コネクタ 78">
+                <a:extLst>
+                  <a:ext uri="{FF2B5EF4-FFF2-40B4-BE49-F238E27FC236}">
+                    <a16:creationId xmlns:a16="http://schemas.microsoft.com/office/drawing/2014/main" id="{2DDED555-7C2F-4A31-B229-0C4FDD643710}"/>
+                  </a:ext>
+                </a:extLst>
+              </p:cNvPr>
+              <p:cNvCxnSpPr>
+                <a:cxnSpLocks/>
+              </p:cNvCxnSpPr>
+              <p:nvPr/>
+            </p:nvCxnSpPr>
+            <p:spPr>
+              <a:xfrm rot="-1920000">
+                <a:off x="1017051" y="3192395"/>
+                <a:ext cx="421322" cy="0"/>
+              </a:xfrm>
+              <a:prstGeom prst="straightConnector1">
+                <a:avLst/>
+              </a:prstGeom>
+              <a:ln w="76200">
+                <a:solidFill>
+                  <a:schemeClr val="tx1"/>
+                </a:solidFill>
+                <a:tailEnd type="triangle"/>
+              </a:ln>
+            </p:spPr>
+            <p:style>
+              <a:lnRef idx="1">
+                <a:schemeClr val="accent1"/>
+              </a:lnRef>
+              <a:fillRef idx="0">
+                <a:schemeClr val="accent1"/>
+              </a:fillRef>
+              <a:effectRef idx="0">
+                <a:schemeClr val="accent1"/>
+              </a:effectRef>
+              <a:fontRef idx="minor">
+                <a:schemeClr val="tx1"/>
+              </a:fontRef>
+            </p:style>
+          </p:cxnSp>
+        </p:grpSp>
+      </p:grpSp>
+    </p:spTree>
+    <p:extLst>
+      <p:ext uri="{BB962C8B-B14F-4D97-AF65-F5344CB8AC3E}">
+        <p14:creationId xmlns:p14="http://schemas.microsoft.com/office/powerpoint/2010/main" val="3097943288"/>
+      </p:ext>
+    </p:extLst>
+  </p:cSld>
+  <p:clrMapOvr>
+    <a:masterClrMapping/>
+  </p:clrMapOvr>
+</p:sld>
+</file>
+
 <file path=ppt/theme/theme1.xml><?xml version="1.0" encoding="utf-8"?>
 <a:theme xmlns:a="http://schemas.openxmlformats.org/drawingml/2006/main" name="Office テーマ">
   <a:themeElements>
